--- a/Document/Java Concurrency.pptx
+++ b/Document/Java Concurrency.pptx
@@ -7,6 +7,7 @@
   <p:sldIdLst>
     <p:sldId id="256" r:id="rId2"/>
     <p:sldId id="257" r:id="rId3"/>
+    <p:sldId id="258" r:id="rId4"/>
   </p:sldIdLst>
   <p:sldSz cx="9144000" cy="6858000" type="screen4x3"/>
   <p:notesSz cx="6858000" cy="9144000"/>
@@ -3354,6 +3355,74 @@
 </p:sld>
 </file>
 
+<file path=ppt/slides/slide3.xml><?xml version="1.0" encoding="utf-8"?>
+<p:sld xmlns:a="http://schemas.openxmlformats.org/drawingml/2006/main" xmlns:r="http://schemas.openxmlformats.org/officeDocument/2006/relationships" xmlns:p="http://schemas.openxmlformats.org/presentationml/2006/main">
+  <p:cSld>
+    <p:spTree>
+      <p:nvGrpSpPr>
+        <p:cNvPr id="1" name=""/>
+        <p:cNvGrpSpPr/>
+        <p:nvPr/>
+      </p:nvGrpSpPr>
+      <p:grpSpPr>
+        <a:xfrm>
+          <a:off x="0" y="0"/>
+          <a:ext cx="0" cy="0"/>
+          <a:chOff x="0" y="0"/>
+          <a:chExt cx="0" cy="0"/>
+        </a:xfrm>
+      </p:grpSpPr>
+      <p:sp>
+        <p:nvSpPr>
+          <p:cNvPr id="2" name="Title 1"/>
+          <p:cNvSpPr>
+            <a:spLocks noGrp="1"/>
+          </p:cNvSpPr>
+          <p:nvPr>
+            <p:ph type="title"/>
+          </p:nvPr>
+        </p:nvSpPr>
+        <p:spPr/>
+        <p:txBody>
+          <a:bodyPr/>
+          <a:lstStyle/>
+          <a:p>
+            <a:endParaRPr lang="en-US"/>
+          </a:p>
+        </p:txBody>
+      </p:sp>
+      <p:sp>
+        <p:nvSpPr>
+          <p:cNvPr id="3" name="Content Placeholder 2"/>
+          <p:cNvSpPr>
+            <a:spLocks noGrp="1"/>
+          </p:cNvSpPr>
+          <p:nvPr>
+            <p:ph idx="1"/>
+          </p:nvPr>
+        </p:nvSpPr>
+        <p:spPr/>
+        <p:txBody>
+          <a:bodyPr/>
+          <a:lstStyle/>
+          <a:p>
+            <a:endParaRPr lang="en-US"/>
+          </a:p>
+        </p:txBody>
+      </p:sp>
+    </p:spTree>
+    <p:extLst>
+      <p:ext uri="{BB962C8B-B14F-4D97-AF65-F5344CB8AC3E}">
+        <p14:creationId xmlns:p14="http://schemas.microsoft.com/office/powerpoint/2010/main" val="284216610"/>
+      </p:ext>
+    </p:extLst>
+  </p:cSld>
+  <p:clrMapOvr>
+    <a:masterClrMapping/>
+  </p:clrMapOvr>
+</p:sld>
+</file>
+
 <file path=ppt/theme/theme1.xml><?xml version="1.0" encoding="utf-8"?>
 <a:theme xmlns:a="http://schemas.openxmlformats.org/drawingml/2006/main" name="Office Theme">
   <a:themeElements>

--- a/Document/Java Concurrency.pptx
+++ b/Document/Java Concurrency.pptx
@@ -8,6 +8,8 @@
     <p:sldId id="256" r:id="rId2"/>
     <p:sldId id="257" r:id="rId3"/>
     <p:sldId id="258" r:id="rId4"/>
+    <p:sldId id="259" r:id="rId5"/>
+    <p:sldId id="260" r:id="rId6"/>
   </p:sldIdLst>
   <p:sldSz cx="9144000" cy="6858000" type="screen4x3"/>
   <p:notesSz cx="6858000" cy="9144000"/>
@@ -291,7 +293,7 @@
             <a:fld id="{1D8BD707-D9CF-40AE-B4C6-C98DA3205C09}" type="datetimeFigureOut">
               <a:rPr lang="en-US" smtClean="0"/>
               <a:pPr/>
-              <a:t>9/16/2014</a:t>
+              <a:t>10/27/2014</a:t>
             </a:fld>
             <a:endParaRPr lang="en-US"/>
           </a:p>
@@ -458,7 +460,7 @@
             <a:fld id="{1D8BD707-D9CF-40AE-B4C6-C98DA3205C09}" type="datetimeFigureOut">
               <a:rPr lang="en-US" smtClean="0"/>
               <a:pPr/>
-              <a:t>9/16/2014</a:t>
+              <a:t>10/27/2014</a:t>
             </a:fld>
             <a:endParaRPr lang="en-US"/>
           </a:p>
@@ -635,7 +637,7 @@
             <a:fld id="{1D8BD707-D9CF-40AE-B4C6-C98DA3205C09}" type="datetimeFigureOut">
               <a:rPr lang="en-US" smtClean="0"/>
               <a:pPr/>
-              <a:t>9/16/2014</a:t>
+              <a:t>10/27/2014</a:t>
             </a:fld>
             <a:endParaRPr lang="en-US"/>
           </a:p>
@@ -802,7 +804,7 @@
             <a:fld id="{1D8BD707-D9CF-40AE-B4C6-C98DA3205C09}" type="datetimeFigureOut">
               <a:rPr lang="en-US" smtClean="0"/>
               <a:pPr/>
-              <a:t>9/16/2014</a:t>
+              <a:t>10/27/2014</a:t>
             </a:fld>
             <a:endParaRPr lang="en-US"/>
           </a:p>
@@ -1045,7 +1047,7 @@
             <a:fld id="{1D8BD707-D9CF-40AE-B4C6-C98DA3205C09}" type="datetimeFigureOut">
               <a:rPr lang="en-US" smtClean="0"/>
               <a:pPr/>
-              <a:t>9/16/2014</a:t>
+              <a:t>10/27/2014</a:t>
             </a:fld>
             <a:endParaRPr lang="en-US"/>
           </a:p>
@@ -1330,7 +1332,7 @@
             <a:fld id="{1D8BD707-D9CF-40AE-B4C6-C98DA3205C09}" type="datetimeFigureOut">
               <a:rPr lang="en-US" smtClean="0"/>
               <a:pPr/>
-              <a:t>9/16/2014</a:t>
+              <a:t>10/27/2014</a:t>
             </a:fld>
             <a:endParaRPr lang="en-US"/>
           </a:p>
@@ -1749,7 +1751,7 @@
             <a:fld id="{1D8BD707-D9CF-40AE-B4C6-C98DA3205C09}" type="datetimeFigureOut">
               <a:rPr lang="en-US" smtClean="0"/>
               <a:pPr/>
-              <a:t>9/16/2014</a:t>
+              <a:t>10/27/2014</a:t>
             </a:fld>
             <a:endParaRPr lang="en-US"/>
           </a:p>
@@ -1864,7 +1866,7 @@
             <a:fld id="{1D8BD707-D9CF-40AE-B4C6-C98DA3205C09}" type="datetimeFigureOut">
               <a:rPr lang="en-US" smtClean="0"/>
               <a:pPr/>
-              <a:t>9/16/2014</a:t>
+              <a:t>10/27/2014</a:t>
             </a:fld>
             <a:endParaRPr lang="en-US"/>
           </a:p>
@@ -1956,7 +1958,7 @@
             <a:fld id="{1D8BD707-D9CF-40AE-B4C6-C98DA3205C09}" type="datetimeFigureOut">
               <a:rPr lang="en-US" smtClean="0"/>
               <a:pPr/>
-              <a:t>9/16/2014</a:t>
+              <a:t>10/27/2014</a:t>
             </a:fld>
             <a:endParaRPr lang="en-US"/>
           </a:p>
@@ -2230,7 +2232,7 @@
             <a:fld id="{1D8BD707-D9CF-40AE-B4C6-C98DA3205C09}" type="datetimeFigureOut">
               <a:rPr lang="en-US" smtClean="0"/>
               <a:pPr/>
-              <a:t>9/16/2014</a:t>
+              <a:t>10/27/2014</a:t>
             </a:fld>
             <a:endParaRPr lang="en-US"/>
           </a:p>
@@ -2480,7 +2482,7 @@
             <a:fld id="{1D8BD707-D9CF-40AE-B4C6-C98DA3205C09}" type="datetimeFigureOut">
               <a:rPr lang="en-US" smtClean="0"/>
               <a:pPr/>
-              <a:t>9/16/2014</a:t>
+              <a:t>10/27/2014</a:t>
             </a:fld>
             <a:endParaRPr lang="en-US"/>
           </a:p>
@@ -2690,7 +2692,7 @@
             <a:fld id="{1D8BD707-D9CF-40AE-B4C6-C98DA3205C09}" type="datetimeFigureOut">
               <a:rPr lang="en-US" smtClean="0"/>
               <a:pPr/>
-              <a:t>9/16/2014</a:t>
+              <a:t>10/27/2014</a:t>
             </a:fld>
             <a:endParaRPr lang="en-US"/>
           </a:p>
@@ -3387,7 +3389,11 @@
           <a:bodyPr/>
           <a:lstStyle/>
           <a:p>
-            <a:endParaRPr lang="en-US"/>
+            <a:r>
+              <a:rPr lang="en-US" dirty="0" err="1" smtClean="0"/>
+              <a:t>ThreadPoolExecutor</a:t>
+            </a:r>
+            <a:endParaRPr lang="en-US" dirty="0"/>
           </a:p>
         </p:txBody>
       </p:sp>
@@ -3401,12 +3407,212 @@
             <p:ph idx="1"/>
           </p:nvPr>
         </p:nvSpPr>
-        <p:spPr/>
-        <p:txBody>
-          <a:bodyPr/>
-          <a:lstStyle/>
-          <a:p>
-            <a:endParaRPr lang="en-US"/>
+        <p:spPr>
+          <a:xfrm>
+            <a:off x="457200" y="1600201"/>
+            <a:ext cx="6324600" cy="2971800"/>
+          </a:xfrm>
+        </p:spPr>
+        <p:txBody>
+          <a:bodyPr>
+            <a:normAutofit fontScale="62500" lnSpcReduction="20000"/>
+          </a:bodyPr>
+          <a:lstStyle/>
+          <a:p>
+            <a:pPr marL="0" indent="0">
+              <a:buNone/>
+            </a:pPr>
+            <a:r>
+              <a:rPr lang="en-US" b="1" dirty="0"/>
+              <a:t>public </a:t>
+            </a:r>
+            <a:r>
+              <a:rPr lang="en-US" b="1" dirty="0" err="1"/>
+              <a:t>ThreadPoolExecutor</a:t>
+            </a:r>
+            <a:r>
+              <a:rPr lang="en-US" b="1" dirty="0"/>
+              <a:t>(</a:t>
+            </a:r>
+            <a:r>
+              <a:rPr lang="en-US" b="1" dirty="0" err="1"/>
+              <a:t>int</a:t>
+            </a:r>
+            <a:r>
+              <a:rPr lang="en-US" b="1" dirty="0"/>
+              <a:t> </a:t>
+            </a:r>
+            <a:r>
+              <a:rPr lang="en-US" b="1" dirty="0" err="1"/>
+              <a:t>corePoolSize</a:t>
+            </a:r>
+            <a:r>
+              <a:rPr lang="en-US" b="1" dirty="0"/>
+              <a:t>,</a:t>
+            </a:r>
+          </a:p>
+          <a:p>
+            <a:pPr marL="0" indent="0">
+              <a:buNone/>
+            </a:pPr>
+            <a:r>
+              <a:rPr lang="en-US" dirty="0"/>
+              <a:t>                              </a:t>
+            </a:r>
+            <a:r>
+              <a:rPr lang="en-US" b="1" dirty="0" err="1"/>
+              <a:t>int</a:t>
+            </a:r>
+            <a:r>
+              <a:rPr lang="en-US" b="1" dirty="0"/>
+              <a:t> </a:t>
+            </a:r>
+            <a:r>
+              <a:rPr lang="en-US" b="1" dirty="0" err="1"/>
+              <a:t>maximumPoolSize</a:t>
+            </a:r>
+            <a:r>
+              <a:rPr lang="en-US" b="1" dirty="0"/>
+              <a:t>,</a:t>
+            </a:r>
+          </a:p>
+          <a:p>
+            <a:pPr marL="0" indent="0">
+              <a:buNone/>
+            </a:pPr>
+            <a:r>
+              <a:rPr lang="en-US" dirty="0"/>
+              <a:t>                              </a:t>
+            </a:r>
+            <a:r>
+              <a:rPr lang="en-US" b="1" dirty="0"/>
+              <a:t>long </a:t>
+            </a:r>
+            <a:r>
+              <a:rPr lang="en-US" b="1" dirty="0" err="1"/>
+              <a:t>keepAliveTime</a:t>
+            </a:r>
+            <a:r>
+              <a:rPr lang="en-US" b="1" dirty="0"/>
+              <a:t>,</a:t>
+            </a:r>
+          </a:p>
+          <a:p>
+            <a:pPr marL="0" indent="0">
+              <a:buNone/>
+            </a:pPr>
+            <a:r>
+              <a:rPr lang="en-US" dirty="0"/>
+              <a:t>                              </a:t>
+            </a:r>
+            <a:r>
+              <a:rPr lang="en-US" dirty="0" err="1"/>
+              <a:t>TimeUnit</a:t>
+            </a:r>
+            <a:r>
+              <a:rPr lang="en-US" dirty="0"/>
+              <a:t> unit,</a:t>
+            </a:r>
+          </a:p>
+          <a:p>
+            <a:pPr marL="0" indent="0">
+              <a:buNone/>
+            </a:pPr>
+            <a:r>
+              <a:rPr lang="en-US" dirty="0"/>
+              <a:t>                              </a:t>
+            </a:r>
+            <a:r>
+              <a:rPr lang="en-US" dirty="0" err="1"/>
+              <a:t>BlockingQueue</a:t>
+            </a:r>
+            <a:r>
+              <a:rPr lang="en-US" dirty="0"/>
+              <a:t>&lt;Runnable&gt; </a:t>
+            </a:r>
+            <a:r>
+              <a:rPr lang="en-US" dirty="0" err="1"/>
+              <a:t>workQueue</a:t>
+            </a:r>
+            <a:r>
+              <a:rPr lang="en-US" dirty="0"/>
+              <a:t>) {</a:t>
+            </a:r>
+          </a:p>
+          <a:p>
+            <a:pPr marL="0" indent="0">
+              <a:buNone/>
+            </a:pPr>
+            <a:r>
+              <a:rPr lang="en-US" dirty="0"/>
+              <a:t>        </a:t>
+            </a:r>
+            <a:r>
+              <a:rPr lang="en-US" b="1" dirty="0"/>
+              <a:t>this(</a:t>
+            </a:r>
+            <a:r>
+              <a:rPr lang="en-US" b="1" dirty="0" err="1"/>
+              <a:t>corePoolSize</a:t>
+            </a:r>
+            <a:r>
+              <a:rPr lang="en-US" b="1" dirty="0"/>
+              <a:t>, </a:t>
+            </a:r>
+            <a:r>
+              <a:rPr lang="en-US" b="1" dirty="0" err="1"/>
+              <a:t>maximumPoolSize</a:t>
+            </a:r>
+            <a:r>
+              <a:rPr lang="en-US" b="1" dirty="0"/>
+              <a:t>, </a:t>
+            </a:r>
+            <a:r>
+              <a:rPr lang="en-US" b="1" dirty="0" err="1"/>
+              <a:t>keepAliveTime</a:t>
+            </a:r>
+            <a:r>
+              <a:rPr lang="en-US" b="1" dirty="0"/>
+              <a:t>, unit, </a:t>
+            </a:r>
+            <a:r>
+              <a:rPr lang="en-US" b="1" dirty="0" err="1"/>
+              <a:t>workQueue</a:t>
+            </a:r>
+            <a:r>
+              <a:rPr lang="en-US" b="1" dirty="0"/>
+              <a:t>,</a:t>
+            </a:r>
+          </a:p>
+          <a:p>
+            <a:pPr marL="0" indent="0">
+              <a:buNone/>
+            </a:pPr>
+            <a:r>
+              <a:rPr lang="en-US" dirty="0"/>
+              <a:t>             </a:t>
+            </a:r>
+            <a:r>
+              <a:rPr lang="en-US" dirty="0" err="1"/>
+              <a:t>Executors.</a:t>
+            </a:r>
+            <a:r>
+              <a:rPr lang="en-US" i="1" dirty="0" err="1"/>
+              <a:t>defaultThreadFactory</a:t>
+            </a:r>
+            <a:r>
+              <a:rPr lang="en-US" i="1" dirty="0"/>
+              <a:t>(), </a:t>
+            </a:r>
+            <a:r>
+              <a:rPr lang="en-US" b="1" i="1" dirty="0" err="1"/>
+              <a:t>defaultHandler</a:t>
+            </a:r>
+            <a:r>
+              <a:rPr lang="en-US" b="1" i="1" dirty="0"/>
+              <a:t>);</a:t>
+            </a:r>
+            <a:endParaRPr lang="en-US" dirty="0"/>
           </a:p>
         </p:txBody>
       </p:sp>
@@ -3414,6 +3620,240 @@
     <p:extLst>
       <p:ext uri="{BB962C8B-B14F-4D97-AF65-F5344CB8AC3E}">
         <p14:creationId xmlns:p14="http://schemas.microsoft.com/office/powerpoint/2010/main" val="284216610"/>
+      </p:ext>
+    </p:extLst>
+  </p:cSld>
+  <p:clrMapOvr>
+    <a:masterClrMapping/>
+  </p:clrMapOvr>
+</p:sld>
+</file>
+
+<file path=ppt/slides/slide4.xml><?xml version="1.0" encoding="utf-8"?>
+<p:sld xmlns:a="http://schemas.openxmlformats.org/drawingml/2006/main" xmlns:r="http://schemas.openxmlformats.org/officeDocument/2006/relationships" xmlns:p="http://schemas.openxmlformats.org/presentationml/2006/main">
+  <p:cSld>
+    <p:spTree>
+      <p:nvGrpSpPr>
+        <p:cNvPr id="1" name=""/>
+        <p:cNvGrpSpPr/>
+        <p:nvPr/>
+      </p:nvGrpSpPr>
+      <p:grpSpPr>
+        <a:xfrm>
+          <a:off x="0" y="0"/>
+          <a:ext cx="0" cy="0"/>
+          <a:chOff x="0" y="0"/>
+          <a:chExt cx="0" cy="0"/>
+        </a:xfrm>
+      </p:grpSpPr>
+      <p:sp>
+        <p:nvSpPr>
+          <p:cNvPr id="2" name="Title 1"/>
+          <p:cNvSpPr>
+            <a:spLocks noGrp="1"/>
+          </p:cNvSpPr>
+          <p:nvPr>
+            <p:ph type="title"/>
+          </p:nvPr>
+        </p:nvSpPr>
+        <p:spPr/>
+        <p:txBody>
+          <a:bodyPr/>
+          <a:lstStyle/>
+          <a:p>
+            <a:r>
+              <a:rPr lang="en-US" b="1" dirty="0" err="1"/>
+              <a:t>RejectedExecutionHandler</a:t>
+            </a:r>
+            <a:endParaRPr lang="en-US" dirty="0"/>
+          </a:p>
+        </p:txBody>
+      </p:sp>
+      <p:sp>
+        <p:nvSpPr>
+          <p:cNvPr id="3" name="Content Placeholder 2"/>
+          <p:cNvSpPr>
+            <a:spLocks noGrp="1"/>
+          </p:cNvSpPr>
+          <p:nvPr>
+            <p:ph idx="1"/>
+          </p:nvPr>
+        </p:nvSpPr>
+        <p:spPr/>
+        <p:txBody>
+          <a:bodyPr/>
+          <a:lstStyle/>
+          <a:p>
+            <a:r>
+              <a:rPr lang="en-US" b="1" dirty="0">
+                <a:hlinkClick r:id="rId2"/>
+              </a:rPr>
+              <a:t>http://</a:t>
+            </a:r>
+            <a:r>
+              <a:rPr lang="en-US" b="1" dirty="0" smtClean="0">
+                <a:hlinkClick r:id="rId2"/>
+              </a:rPr>
+              <a:t>dongxuan.iteye.com/blog/902571</a:t>
+            </a:r>
+            <a:endParaRPr lang="en-US" b="1" dirty="0" smtClean="0"/>
+          </a:p>
+          <a:p>
+            <a:r>
+              <a:rPr lang="en-US" b="1" dirty="0" err="1" smtClean="0"/>
+              <a:t>CallerRunsPolicy</a:t>
+            </a:r>
+            <a:endParaRPr lang="en-US" b="1" dirty="0" smtClean="0"/>
+          </a:p>
+          <a:p>
+            <a:r>
+              <a:rPr lang="en-US" b="1" dirty="0" err="1" smtClean="0"/>
+              <a:t>AbortPolicy</a:t>
+            </a:r>
+            <a:endParaRPr lang="en-US" b="1" dirty="0" smtClean="0"/>
+          </a:p>
+          <a:p>
+            <a:r>
+              <a:rPr lang="en-US" b="1" dirty="0" err="1" smtClean="0"/>
+              <a:t>DiscardPolicy</a:t>
+            </a:r>
+            <a:endParaRPr lang="en-US" b="1" dirty="0" smtClean="0"/>
+          </a:p>
+          <a:p>
+            <a:r>
+              <a:rPr lang="en-US" b="1" dirty="0" err="1"/>
+              <a:t>DiscardOldestPolicy</a:t>
+            </a:r>
+            <a:endParaRPr lang="en-US" dirty="0"/>
+          </a:p>
+        </p:txBody>
+      </p:sp>
+    </p:spTree>
+    <p:extLst>
+      <p:ext uri="{BB962C8B-B14F-4D97-AF65-F5344CB8AC3E}">
+        <p14:creationId xmlns:p14="http://schemas.microsoft.com/office/powerpoint/2010/main" val="731791040"/>
+      </p:ext>
+    </p:extLst>
+  </p:cSld>
+  <p:clrMapOvr>
+    <a:masterClrMapping/>
+  </p:clrMapOvr>
+</p:sld>
+</file>
+
+<file path=ppt/slides/slide5.xml><?xml version="1.0" encoding="utf-8"?>
+<p:sld xmlns:a="http://schemas.openxmlformats.org/drawingml/2006/main" xmlns:r="http://schemas.openxmlformats.org/officeDocument/2006/relationships" xmlns:p="http://schemas.openxmlformats.org/presentationml/2006/main">
+  <p:cSld>
+    <p:spTree>
+      <p:nvGrpSpPr>
+        <p:cNvPr id="1" name=""/>
+        <p:cNvGrpSpPr/>
+        <p:nvPr/>
+      </p:nvGrpSpPr>
+      <p:grpSpPr>
+        <a:xfrm>
+          <a:off x="0" y="0"/>
+          <a:ext cx="0" cy="0"/>
+          <a:chOff x="0" y="0"/>
+          <a:chExt cx="0" cy="0"/>
+        </a:xfrm>
+      </p:grpSpPr>
+      <p:sp>
+        <p:nvSpPr>
+          <p:cNvPr id="2" name="Title 1"/>
+          <p:cNvSpPr>
+            <a:spLocks noGrp="1"/>
+          </p:cNvSpPr>
+          <p:nvPr>
+            <p:ph type="title"/>
+          </p:nvPr>
+        </p:nvSpPr>
+        <p:spPr/>
+        <p:txBody>
+          <a:bodyPr/>
+          <a:lstStyle/>
+          <a:p>
+            <a:endParaRPr lang="en-US"/>
+          </a:p>
+        </p:txBody>
+      </p:sp>
+      <p:sp>
+        <p:nvSpPr>
+          <p:cNvPr id="3" name="Content Placeholder 2"/>
+          <p:cNvSpPr>
+            <a:spLocks noGrp="1"/>
+          </p:cNvSpPr>
+          <p:nvPr>
+            <p:ph idx="1"/>
+          </p:nvPr>
+        </p:nvSpPr>
+        <p:spPr/>
+        <p:txBody>
+          <a:bodyPr/>
+          <a:lstStyle/>
+          <a:p>
+            <a:endParaRPr lang="en-US" dirty="0"/>
+          </a:p>
+        </p:txBody>
+      </p:sp>
+      <p:pic>
+        <p:nvPicPr>
+          <p:cNvPr id="1026" name="Picture 2"/>
+          <p:cNvPicPr>
+            <a:picLocks noChangeAspect="1" noChangeArrowheads="1"/>
+          </p:cNvPicPr>
+          <p:nvPr/>
+        </p:nvPicPr>
+        <p:blipFill>
+          <a:blip r:embed="rId2">
+            <a:extLst>
+              <a:ext uri="{28A0092B-C50C-407E-A947-70E740481C1C}">
+                <a14:useLocalDpi xmlns:a14="http://schemas.microsoft.com/office/drawing/2010/main" val="0"/>
+              </a:ext>
+            </a:extLst>
+          </a:blip>
+          <a:srcRect/>
+          <a:stretch>
+            <a:fillRect/>
+          </a:stretch>
+        </p:blipFill>
+        <p:spPr bwMode="auto">
+          <a:xfrm>
+            <a:off x="2228850" y="2257425"/>
+            <a:ext cx="4686300" cy="2343150"/>
+          </a:xfrm>
+          <a:prstGeom prst="rect">
+            <a:avLst/>
+          </a:prstGeom>
+          <a:noFill/>
+          <a:ln>
+            <a:noFill/>
+          </a:ln>
+          <a:extLst>
+            <a:ext uri="{909E8E84-426E-40DD-AFC4-6F175D3DCCD1}">
+              <a14:hiddenFill xmlns:a14="http://schemas.microsoft.com/office/drawing/2010/main">
+                <a:solidFill>
+                  <a:schemeClr val="accent1"/>
+                </a:solidFill>
+              </a14:hiddenFill>
+            </a:ext>
+            <a:ext uri="{91240B29-F687-4F45-9708-019B960494DF}">
+              <a14:hiddenLine xmlns:a14="http://schemas.microsoft.com/office/drawing/2010/main" w="9525">
+                <a:solidFill>
+                  <a:schemeClr val="tx1"/>
+                </a:solidFill>
+                <a:miter lim="800000"/>
+                <a:headEnd/>
+                <a:tailEnd/>
+              </a14:hiddenLine>
+            </a:ext>
+          </a:extLst>
+        </p:spPr>
+      </p:pic>
+    </p:spTree>
+    <p:extLst>
+      <p:ext uri="{BB962C8B-B14F-4D97-AF65-F5344CB8AC3E}">
+        <p14:creationId xmlns:p14="http://schemas.microsoft.com/office/powerpoint/2010/main" val="614660712"/>
       </p:ext>
     </p:extLst>
   </p:cSld>

--- a/Document/Java Concurrency.pptx
+++ b/Document/Java Concurrency.pptx
@@ -7,9 +7,13 @@
   <p:sldIdLst>
     <p:sldId id="256" r:id="rId2"/>
     <p:sldId id="257" r:id="rId3"/>
-    <p:sldId id="258" r:id="rId4"/>
-    <p:sldId id="259" r:id="rId5"/>
-    <p:sldId id="260" r:id="rId6"/>
+    <p:sldId id="261" r:id="rId4"/>
+    <p:sldId id="262" r:id="rId5"/>
+    <p:sldId id="263" r:id="rId6"/>
+    <p:sldId id="264" r:id="rId7"/>
+    <p:sldId id="258" r:id="rId8"/>
+    <p:sldId id="259" r:id="rId9"/>
+    <p:sldId id="260" r:id="rId10"/>
   </p:sldIdLst>
   <p:sldSz cx="9144000" cy="6858000" type="screen4x3"/>
   <p:notesSz cx="6858000" cy="9144000"/>
@@ -293,7 +297,7 @@
             <a:fld id="{1D8BD707-D9CF-40AE-B4C6-C98DA3205C09}" type="datetimeFigureOut">
               <a:rPr lang="en-US" smtClean="0"/>
               <a:pPr/>
-              <a:t>10/27/2014</a:t>
+              <a:t>11/3/2014</a:t>
             </a:fld>
             <a:endParaRPr lang="en-US"/>
           </a:p>
@@ -460,7 +464,7 @@
             <a:fld id="{1D8BD707-D9CF-40AE-B4C6-C98DA3205C09}" type="datetimeFigureOut">
               <a:rPr lang="en-US" smtClean="0"/>
               <a:pPr/>
-              <a:t>10/27/2014</a:t>
+              <a:t>11/3/2014</a:t>
             </a:fld>
             <a:endParaRPr lang="en-US"/>
           </a:p>
@@ -637,7 +641,7 @@
             <a:fld id="{1D8BD707-D9CF-40AE-B4C6-C98DA3205C09}" type="datetimeFigureOut">
               <a:rPr lang="en-US" smtClean="0"/>
               <a:pPr/>
-              <a:t>10/27/2014</a:t>
+              <a:t>11/3/2014</a:t>
             </a:fld>
             <a:endParaRPr lang="en-US"/>
           </a:p>
@@ -804,7 +808,7 @@
             <a:fld id="{1D8BD707-D9CF-40AE-B4C6-C98DA3205C09}" type="datetimeFigureOut">
               <a:rPr lang="en-US" smtClean="0"/>
               <a:pPr/>
-              <a:t>10/27/2014</a:t>
+              <a:t>11/3/2014</a:t>
             </a:fld>
             <a:endParaRPr lang="en-US"/>
           </a:p>
@@ -1047,7 +1051,7 @@
             <a:fld id="{1D8BD707-D9CF-40AE-B4C6-C98DA3205C09}" type="datetimeFigureOut">
               <a:rPr lang="en-US" smtClean="0"/>
               <a:pPr/>
-              <a:t>10/27/2014</a:t>
+              <a:t>11/3/2014</a:t>
             </a:fld>
             <a:endParaRPr lang="en-US"/>
           </a:p>
@@ -1332,7 +1336,7 @@
             <a:fld id="{1D8BD707-D9CF-40AE-B4C6-C98DA3205C09}" type="datetimeFigureOut">
               <a:rPr lang="en-US" smtClean="0"/>
               <a:pPr/>
-              <a:t>10/27/2014</a:t>
+              <a:t>11/3/2014</a:t>
             </a:fld>
             <a:endParaRPr lang="en-US"/>
           </a:p>
@@ -1751,7 +1755,7 @@
             <a:fld id="{1D8BD707-D9CF-40AE-B4C6-C98DA3205C09}" type="datetimeFigureOut">
               <a:rPr lang="en-US" smtClean="0"/>
               <a:pPr/>
-              <a:t>10/27/2014</a:t>
+              <a:t>11/3/2014</a:t>
             </a:fld>
             <a:endParaRPr lang="en-US"/>
           </a:p>
@@ -1866,7 +1870,7 @@
             <a:fld id="{1D8BD707-D9CF-40AE-B4C6-C98DA3205C09}" type="datetimeFigureOut">
               <a:rPr lang="en-US" smtClean="0"/>
               <a:pPr/>
-              <a:t>10/27/2014</a:t>
+              <a:t>11/3/2014</a:t>
             </a:fld>
             <a:endParaRPr lang="en-US"/>
           </a:p>
@@ -1958,7 +1962,7 @@
             <a:fld id="{1D8BD707-D9CF-40AE-B4C6-C98DA3205C09}" type="datetimeFigureOut">
               <a:rPr lang="en-US" smtClean="0"/>
               <a:pPr/>
-              <a:t>10/27/2014</a:t>
+              <a:t>11/3/2014</a:t>
             </a:fld>
             <a:endParaRPr lang="en-US"/>
           </a:p>
@@ -2232,7 +2236,7 @@
             <a:fld id="{1D8BD707-D9CF-40AE-B4C6-C98DA3205C09}" type="datetimeFigureOut">
               <a:rPr lang="en-US" smtClean="0"/>
               <a:pPr/>
-              <a:t>10/27/2014</a:t>
+              <a:t>11/3/2014</a:t>
             </a:fld>
             <a:endParaRPr lang="en-US"/>
           </a:p>
@@ -2482,7 +2486,7 @@
             <a:fld id="{1D8BD707-D9CF-40AE-B4C6-C98DA3205C09}" type="datetimeFigureOut">
               <a:rPr lang="en-US" smtClean="0"/>
               <a:pPr/>
-              <a:t>10/27/2014</a:t>
+              <a:t>11/3/2014</a:t>
             </a:fld>
             <a:endParaRPr lang="en-US"/>
           </a:p>
@@ -2692,7 +2696,7 @@
             <a:fld id="{1D8BD707-D9CF-40AE-B4C6-C98DA3205C09}" type="datetimeFigureOut">
               <a:rPr lang="en-US" smtClean="0"/>
               <a:pPr/>
-              <a:t>10/27/2014</a:t>
+              <a:t>11/3/2014</a:t>
             </a:fld>
             <a:endParaRPr lang="en-US"/>
           </a:p>
@@ -3246,6 +3250,44 @@
           </a:p>
           <a:p>
             <a:r>
+              <a:rPr lang="en-US" altLang="zh-CN" dirty="0" smtClean="0"/>
+              <a:t>Java memory</a:t>
+            </a:r>
+            <a:r>
+              <a:rPr lang="zh-CN" altLang="en-US" dirty="0" smtClean="0"/>
+              <a:t> </a:t>
+            </a:r>
+            <a:r>
+              <a:rPr lang="en-US" altLang="zh-CN" dirty="0" smtClean="0"/>
+              <a:t>model</a:t>
+            </a:r>
+            <a:r>
+              <a:rPr lang="zh-CN" altLang="en-US" dirty="0" smtClean="0"/>
+              <a:t> </a:t>
+            </a:r>
+            <a:endParaRPr lang="en-US" altLang="zh-CN" dirty="0" smtClean="0"/>
+          </a:p>
+          <a:p>
+            <a:pPr lvl="1"/>
+            <a:r>
+              <a:rPr lang="en-US" altLang="zh-CN" dirty="0" smtClean="0"/>
+              <a:t>Happens-before</a:t>
+            </a:r>
+          </a:p>
+          <a:p>
+            <a:pPr lvl="1"/>
+            <a:r>
+              <a:rPr lang="zh-CN" altLang="en-US" dirty="0" smtClean="0"/>
+              <a:t>重排序 </a:t>
+            </a:r>
+            <a:r>
+              <a:rPr lang="en-US" altLang="zh-CN" dirty="0" smtClean="0"/>
+              <a:t>reorder</a:t>
+            </a:r>
+            <a:endParaRPr lang="en-US" altLang="zh-CN" dirty="0" smtClean="0"/>
+          </a:p>
+          <a:p>
+            <a:r>
               <a:rPr lang="zh-CN" altLang="en-US" dirty="0" smtClean="0"/>
               <a:t>基</a:t>
             </a:r>
@@ -3390,8 +3432,8 @@
           <a:lstStyle/>
           <a:p>
             <a:r>
-              <a:rPr lang="en-US" dirty="0" err="1" smtClean="0"/>
-              <a:t>ThreadPoolExecutor</a:t>
+              <a:rPr lang="en-US" dirty="0" smtClean="0"/>
+              <a:t>Happens-Before</a:t>
             </a:r>
             <a:endParaRPr lang="en-US" dirty="0"/>
           </a:p>
@@ -3407,210 +3449,160 @@
             <p:ph idx="1"/>
           </p:nvPr>
         </p:nvSpPr>
-        <p:spPr>
-          <a:xfrm>
-            <a:off x="457200" y="1600201"/>
-            <a:ext cx="6324600" cy="2971800"/>
-          </a:xfrm>
-        </p:spPr>
+        <p:spPr/>
         <p:txBody>
           <a:bodyPr>
-            <a:normAutofit fontScale="62500" lnSpcReduction="20000"/>
+            <a:normAutofit fontScale="55000" lnSpcReduction="20000"/>
           </a:bodyPr>
           <a:lstStyle/>
           <a:p>
-            <a:pPr marL="0" indent="0">
-              <a:buNone/>
-            </a:pPr>
-            <a:r>
-              <a:rPr lang="en-US" b="1" dirty="0"/>
-              <a:t>public </a:t>
-            </a:r>
-            <a:r>
-              <a:rPr lang="en-US" b="1" dirty="0" err="1"/>
-              <a:t>ThreadPoolExecutor</a:t>
-            </a:r>
-            <a:r>
-              <a:rPr lang="en-US" b="1" dirty="0"/>
-              <a:t>(</a:t>
-            </a:r>
-            <a:r>
-              <a:rPr lang="en-US" b="1" dirty="0" err="1"/>
-              <a:t>int</a:t>
-            </a:r>
-            <a:r>
-              <a:rPr lang="en-US" b="1" dirty="0"/>
-              <a:t> </a:t>
-            </a:r>
-            <a:r>
-              <a:rPr lang="en-US" b="1" dirty="0" err="1"/>
-              <a:t>corePoolSize</a:t>
-            </a:r>
-            <a:r>
-              <a:rPr lang="en-US" b="1" dirty="0"/>
-              <a:t>,</a:t>
-            </a:r>
-          </a:p>
-          <a:p>
-            <a:pPr marL="0" indent="0">
-              <a:buNone/>
-            </a:pPr>
+            <a:r>
+              <a:rPr lang="zh-CN" altLang="en-US" dirty="0"/>
+              <a:t>为什么存在可见性问题？简单介绍下。相对于内存，</a:t>
+            </a:r>
             <a:r>
               <a:rPr lang="en-US" dirty="0"/>
-              <a:t>                              </a:t>
-            </a:r>
-            <a:r>
-              <a:rPr lang="en-US" b="1" dirty="0" err="1"/>
-              <a:t>int</a:t>
-            </a:r>
-            <a:r>
-              <a:rPr lang="en-US" b="1" dirty="0"/>
-              <a:t> </a:t>
-            </a:r>
-            <a:r>
-              <a:rPr lang="en-US" b="1" dirty="0" err="1"/>
-              <a:t>maximumPoolSize</a:t>
-            </a:r>
-            <a:r>
-              <a:rPr lang="en-US" b="1" dirty="0"/>
-              <a:t>,</a:t>
-            </a:r>
-          </a:p>
-          <a:p>
-            <a:pPr marL="0" indent="0">
-              <a:buNone/>
-            </a:pPr>
+              <a:t>CPU</a:t>
+            </a:r>
+            <a:r>
+              <a:rPr lang="zh-CN" altLang="en-US" dirty="0"/>
+              <a:t>的速度是极高的，如果</a:t>
+            </a:r>
             <a:r>
               <a:rPr lang="en-US" dirty="0"/>
-              <a:t>                              </a:t>
-            </a:r>
-            <a:r>
-              <a:rPr lang="en-US" b="1" dirty="0"/>
-              <a:t>long </a:t>
-            </a:r>
-            <a:r>
-              <a:rPr lang="en-US" b="1" dirty="0" err="1"/>
-              <a:t>keepAliveTime</a:t>
-            </a:r>
-            <a:r>
-              <a:rPr lang="en-US" b="1" dirty="0"/>
-              <a:t>,</a:t>
-            </a:r>
-          </a:p>
-          <a:p>
-            <a:pPr marL="0" indent="0">
-              <a:buNone/>
-            </a:pPr>
+              <a:t>CPU</a:t>
+            </a:r>
+            <a:r>
+              <a:rPr lang="zh-CN" altLang="en-US" dirty="0"/>
+              <a:t>需要存取数据时都直接与内存打交道，在存取过程中，</a:t>
+            </a:r>
             <a:r>
               <a:rPr lang="en-US" dirty="0"/>
-              <a:t>                              </a:t>
-            </a:r>
-            <a:r>
-              <a:rPr lang="en-US" dirty="0" err="1"/>
-              <a:t>TimeUnit</a:t>
+              <a:t>CPU</a:t>
+            </a:r>
+            <a:r>
+              <a:rPr lang="zh-CN" altLang="en-US" dirty="0"/>
+              <a:t>将一直空闲，这是一种极大的浪费，妈妈说，浪费是不好的，所以，现代的</a:t>
             </a:r>
             <a:r>
               <a:rPr lang="en-US" dirty="0"/>
-              <a:t> unit,</a:t>
-            </a:r>
-          </a:p>
-          <a:p>
-            <a:pPr marL="0" indent="0">
-              <a:buNone/>
-            </a:pPr>
+              <a:t>CPU</a:t>
+            </a:r>
+            <a:r>
+              <a:rPr lang="zh-CN" altLang="en-US" dirty="0"/>
+              <a:t>里都有很多寄存器，多级</a:t>
+            </a:r>
             <a:r>
               <a:rPr lang="en-US" dirty="0"/>
-              <a:t>                              </a:t>
-            </a:r>
-            <a:r>
-              <a:rPr lang="en-US" dirty="0" err="1"/>
-              <a:t>BlockingQueue</a:t>
+              <a:t>cache，</a:t>
+            </a:r>
+            <a:r>
+              <a:rPr lang="zh-CN" altLang="en-US" dirty="0"/>
+              <a:t>他们比内存的存取速度高多了。某个线程执行时，内存中的一份数据，会存在于该线程的工作存储中（</a:t>
+            </a:r>
+            <a:r>
+              <a:rPr lang="en-US" b="1" i="1" dirty="0"/>
+              <a:t>working memory，</a:t>
+            </a:r>
+            <a:r>
+              <a:rPr lang="zh-CN" altLang="en-US" b="1" i="1" dirty="0"/>
+              <a:t>是</a:t>
+            </a:r>
+            <a:r>
+              <a:rPr lang="en-US" b="1" i="1" dirty="0"/>
+              <a:t>cache</a:t>
+            </a:r>
+            <a:r>
+              <a:rPr lang="zh-CN" altLang="en-US" b="1" i="1" dirty="0"/>
+              <a:t>和寄存器的一个抽象，这个解释源于</a:t>
+            </a:r>
+            <a:r>
+              <a:rPr lang="en-US" altLang="zh-CN" b="1" i="1" dirty="0"/>
+              <a:t>《</a:t>
+            </a:r>
+            <a:r>
+              <a:rPr lang="en-US" b="1" i="1" dirty="0"/>
+              <a:t>Concurrent Programming in Java: Design Principles and Patterns, Second Edition》§2.2.7，</a:t>
+            </a:r>
+            <a:r>
+              <a:rPr lang="zh-CN" altLang="en-US" b="1" i="1" dirty="0"/>
+              <a:t>原文：</a:t>
+            </a:r>
+            <a:r>
+              <a:rPr lang="en-US" b="1" i="1" dirty="0"/>
+              <a:t>Every thread is defined to have a working memory (an abstraction of caches and registers) in which to store values. </a:t>
+            </a:r>
+            <a:r>
+              <a:rPr lang="zh-CN" altLang="en-US" b="1" i="1" dirty="0"/>
+              <a:t>有不少人觉得</a:t>
+            </a:r>
+            <a:r>
+              <a:rPr lang="en-US" b="1" i="1" dirty="0"/>
+              <a:t>working memory</a:t>
+            </a:r>
+            <a:r>
+              <a:rPr lang="zh-CN" altLang="en-US" b="1" i="1" dirty="0"/>
+              <a:t>是内存的某个部分，这可能是有些译作将</a:t>
+            </a:r>
+            <a:r>
+              <a:rPr lang="en-US" b="1" i="1" dirty="0"/>
+              <a:t>working memory</a:t>
+            </a:r>
+            <a:r>
+              <a:rPr lang="zh-CN" altLang="en-US" b="1" i="1" dirty="0"/>
+              <a:t>译为工作内存的缘故，为避免混淆，这里称其为工作存储，每个线程都有自己的工作存储</a:t>
+            </a:r>
+            <a:r>
+              <a:rPr lang="zh-CN" altLang="en-US" dirty="0"/>
+              <a:t>），并在某个特定时候回写到内存。单线程时，这没有问题，如果是多线程要同时访问同一个变量呢？内存中一个变量会存在于多个工作存储中，线程</a:t>
+            </a:r>
+            <a:r>
+              <a:rPr lang="en-US" altLang="zh-CN" dirty="0"/>
+              <a:t>1</a:t>
+            </a:r>
+            <a:r>
+              <a:rPr lang="zh-CN" altLang="en-US" dirty="0"/>
+              <a:t>修改了变量</a:t>
             </a:r>
             <a:r>
               <a:rPr lang="en-US" dirty="0"/>
-              <a:t>&lt;Runnable&gt; </a:t>
-            </a:r>
-            <a:r>
-              <a:rPr lang="en-US" dirty="0" err="1"/>
-              <a:t>workQueue</a:t>
-            </a:r>
-            <a:r>
-              <a:rPr lang="en-US" dirty="0"/>
-              <a:t>) {</a:t>
-            </a:r>
-          </a:p>
-          <a:p>
-            <a:pPr marL="0" indent="0">
-              <a:buNone/>
-            </a:pPr>
-            <a:r>
-              <a:rPr lang="en-US" dirty="0"/>
-              <a:t>        </a:t>
-            </a:r>
-            <a:r>
-              <a:rPr lang="en-US" b="1" dirty="0"/>
-              <a:t>this(</a:t>
-            </a:r>
-            <a:r>
-              <a:rPr lang="en-US" b="1" dirty="0" err="1"/>
-              <a:t>corePoolSize</a:t>
-            </a:r>
-            <a:r>
-              <a:rPr lang="en-US" b="1" dirty="0"/>
-              <a:t>, </a:t>
-            </a:r>
-            <a:r>
-              <a:rPr lang="en-US" b="1" dirty="0" err="1"/>
-              <a:t>maximumPoolSize</a:t>
-            </a:r>
-            <a:r>
-              <a:rPr lang="en-US" b="1" dirty="0"/>
-              <a:t>, </a:t>
-            </a:r>
-            <a:r>
-              <a:rPr lang="en-US" b="1" dirty="0" err="1"/>
-              <a:t>keepAliveTime</a:t>
-            </a:r>
-            <a:r>
-              <a:rPr lang="en-US" b="1" dirty="0"/>
-              <a:t>, unit, </a:t>
-            </a:r>
-            <a:r>
-              <a:rPr lang="en-US" b="1" dirty="0" err="1"/>
-              <a:t>workQueue</a:t>
-            </a:r>
-            <a:r>
-              <a:rPr lang="en-US" b="1" dirty="0"/>
-              <a:t>,</a:t>
-            </a:r>
-          </a:p>
-          <a:p>
-            <a:pPr marL="0" indent="0">
-              <a:buNone/>
-            </a:pPr>
-            <a:r>
-              <a:rPr lang="en-US" dirty="0"/>
-              <a:t>             </a:t>
-            </a:r>
-            <a:r>
-              <a:rPr lang="en-US" dirty="0" err="1"/>
-              <a:t>Executors.</a:t>
-            </a:r>
-            <a:r>
-              <a:rPr lang="en-US" i="1" dirty="0" err="1"/>
-              <a:t>defaultThreadFactory</a:t>
-            </a:r>
-            <a:r>
-              <a:rPr lang="en-US" i="1" dirty="0"/>
-              <a:t>(), </a:t>
-            </a:r>
-            <a:r>
-              <a:rPr lang="en-US" b="1" i="1" dirty="0" err="1"/>
-              <a:t>defaultHandler</a:t>
-            </a:r>
-            <a:r>
-              <a:rPr lang="en-US" b="1" i="1" dirty="0"/>
-              <a:t>);</a:t>
+              <a:t>a</a:t>
+            </a:r>
+            <a:r>
+              <a:rPr lang="zh-CN" altLang="en-US" dirty="0"/>
+              <a:t>的值什么时候对线程</a:t>
+            </a:r>
+            <a:r>
+              <a:rPr lang="en-US" altLang="zh-CN" dirty="0"/>
+              <a:t>2</a:t>
+            </a:r>
+            <a:r>
+              <a:rPr lang="zh-CN" altLang="en-US" dirty="0"/>
+              <a:t>可见？此外，编译器或运行时为了效率可以在允许的时候对指令进行</a:t>
+            </a:r>
+            <a:r>
+              <a:rPr lang="zh-CN" altLang="en-US" b="1" dirty="0"/>
+              <a:t>重排序</a:t>
+            </a:r>
+            <a:r>
+              <a:rPr lang="zh-CN" altLang="en-US" dirty="0"/>
+              <a:t>，重排序后的执行顺序就与代码不一致了，这样线程</a:t>
+            </a:r>
+            <a:r>
+              <a:rPr lang="en-US" altLang="zh-CN" dirty="0"/>
+              <a:t>2</a:t>
+            </a:r>
+            <a:r>
+              <a:rPr lang="zh-CN" altLang="en-US" dirty="0"/>
+              <a:t>读取某个变量的时候线程</a:t>
+            </a:r>
+            <a:r>
+              <a:rPr lang="en-US" altLang="zh-CN" dirty="0"/>
+              <a:t>1</a:t>
+            </a:r>
+            <a:r>
+              <a:rPr lang="zh-CN" altLang="en-US" dirty="0"/>
+              <a:t>可能还没有进行写入操作呢，虽然代码顺序上写操作是在前面的。这就是可见性问题的由来。</a:t>
             </a:r>
             <a:endParaRPr lang="en-US" dirty="0"/>
           </a:p>
@@ -3619,7 +3611,7 @@
     </p:spTree>
     <p:extLst>
       <p:ext uri="{BB962C8B-B14F-4D97-AF65-F5344CB8AC3E}">
-        <p14:creationId xmlns:p14="http://schemas.microsoft.com/office/powerpoint/2010/main" val="284216610"/>
+        <p14:creationId xmlns:p14="http://schemas.microsoft.com/office/powerpoint/2010/main" val="3342663980"/>
       </p:ext>
     </p:extLst>
   </p:cSld>
@@ -3661,6 +3653,824 @@
           <a:bodyPr/>
           <a:lstStyle/>
           <a:p>
+            <a:endParaRPr lang="en-US"/>
+          </a:p>
+        </p:txBody>
+      </p:sp>
+      <p:sp>
+        <p:nvSpPr>
+          <p:cNvPr id="3" name="Content Placeholder 2"/>
+          <p:cNvSpPr>
+            <a:spLocks noGrp="1"/>
+          </p:cNvSpPr>
+          <p:nvPr>
+            <p:ph idx="1"/>
+          </p:nvPr>
+        </p:nvSpPr>
+        <p:spPr/>
+        <p:txBody>
+          <a:bodyPr>
+            <a:normAutofit fontScale="85000" lnSpcReduction="20000"/>
+          </a:bodyPr>
+          <a:lstStyle/>
+          <a:p>
+            <a:pPr marL="0" indent="0">
+              <a:buNone/>
+            </a:pPr>
+            <a:r>
+              <a:rPr lang="zh-CN" altLang="en-US" dirty="0"/>
+              <a:t>是不是说解锁操作要先于锁定操作发生？这有违常规啊。确实不是这么理解的。</a:t>
+            </a:r>
+            <a:r>
+              <a:rPr lang="en-US" altLang="zh-CN" dirty="0"/>
+              <a:t>happens-before</a:t>
+            </a:r>
+            <a:r>
+              <a:rPr lang="zh-CN" altLang="en-US" dirty="0"/>
+              <a:t>规则不是描述实际操作的先后顺序，它是用来描述可见性的一种规则，下面我给上述两条规则换个说法：</a:t>
+            </a:r>
+          </a:p>
+          <a:p>
+            <a:r>
+              <a:rPr lang="zh-CN" altLang="en-US" dirty="0"/>
+              <a:t>如果线程</a:t>
+            </a:r>
+            <a:r>
+              <a:rPr lang="en-US" altLang="zh-CN" dirty="0"/>
+              <a:t>1</a:t>
+            </a:r>
+            <a:r>
+              <a:rPr lang="zh-CN" altLang="en-US" dirty="0"/>
+              <a:t>解锁了</a:t>
+            </a:r>
+            <a:r>
+              <a:rPr lang="en-US" altLang="zh-CN" dirty="0"/>
+              <a:t>monitor a</a:t>
+            </a:r>
+            <a:r>
+              <a:rPr lang="zh-CN" altLang="en-US" dirty="0"/>
+              <a:t>，接着线程</a:t>
+            </a:r>
+            <a:r>
+              <a:rPr lang="en-US" altLang="zh-CN" dirty="0"/>
+              <a:t>2</a:t>
+            </a:r>
+            <a:r>
+              <a:rPr lang="zh-CN" altLang="en-US" dirty="0"/>
+              <a:t>锁定了</a:t>
+            </a:r>
+            <a:r>
+              <a:rPr lang="en-US" altLang="zh-CN" dirty="0"/>
+              <a:t>a</a:t>
+            </a:r>
+            <a:r>
+              <a:rPr lang="zh-CN" altLang="en-US" dirty="0"/>
+              <a:t>，那么，线程</a:t>
+            </a:r>
+            <a:r>
+              <a:rPr lang="en-US" altLang="zh-CN" dirty="0"/>
+              <a:t>1</a:t>
+            </a:r>
+            <a:r>
+              <a:rPr lang="zh-CN" altLang="en-US" dirty="0"/>
+              <a:t>解锁</a:t>
+            </a:r>
+            <a:r>
+              <a:rPr lang="en-US" altLang="zh-CN" dirty="0"/>
+              <a:t>a</a:t>
+            </a:r>
+            <a:r>
+              <a:rPr lang="zh-CN" altLang="en-US" dirty="0"/>
+              <a:t>之前的写操作都对线程</a:t>
+            </a:r>
+            <a:r>
+              <a:rPr lang="en-US" altLang="zh-CN" dirty="0"/>
+              <a:t>2</a:t>
+            </a:r>
+            <a:r>
+              <a:rPr lang="zh-CN" altLang="en-US" dirty="0"/>
+              <a:t>可见（线程</a:t>
+            </a:r>
+            <a:r>
+              <a:rPr lang="en-US" altLang="zh-CN" dirty="0"/>
+              <a:t>1</a:t>
+            </a:r>
+            <a:r>
+              <a:rPr lang="zh-CN" altLang="en-US" dirty="0"/>
+              <a:t>和线程</a:t>
+            </a:r>
+            <a:r>
+              <a:rPr lang="en-US" altLang="zh-CN" dirty="0"/>
+              <a:t>2</a:t>
+            </a:r>
+            <a:r>
+              <a:rPr lang="zh-CN" altLang="en-US" dirty="0"/>
+              <a:t>可以是同一个线程）。</a:t>
+            </a:r>
+          </a:p>
+          <a:p>
+            <a:r>
+              <a:rPr lang="zh-CN" altLang="en-US" dirty="0"/>
+              <a:t>如果线程</a:t>
+            </a:r>
+            <a:r>
+              <a:rPr lang="en-US" altLang="zh-CN" dirty="0"/>
+              <a:t>1</a:t>
+            </a:r>
+            <a:r>
+              <a:rPr lang="zh-CN" altLang="en-US" dirty="0"/>
+              <a:t>写入了</a:t>
+            </a:r>
+            <a:r>
+              <a:rPr lang="en-US" altLang="zh-CN" dirty="0"/>
+              <a:t>volatile</a:t>
+            </a:r>
+            <a:r>
+              <a:rPr lang="zh-CN" altLang="en-US" dirty="0"/>
+              <a:t>变量</a:t>
+            </a:r>
+            <a:r>
+              <a:rPr lang="en-US" altLang="zh-CN" dirty="0"/>
+              <a:t>v</a:t>
+            </a:r>
+            <a:r>
+              <a:rPr lang="zh-CN" altLang="en-US" dirty="0"/>
+              <a:t>（这里和后续的“变量”都指的是对象的字段、类字段和数组元素），接着线程</a:t>
+            </a:r>
+            <a:r>
+              <a:rPr lang="en-US" altLang="zh-CN" dirty="0"/>
+              <a:t>2</a:t>
+            </a:r>
+            <a:r>
+              <a:rPr lang="zh-CN" altLang="en-US" dirty="0"/>
+              <a:t>读取了</a:t>
+            </a:r>
+            <a:r>
+              <a:rPr lang="en-US" altLang="zh-CN" dirty="0"/>
+              <a:t>v</a:t>
+            </a:r>
+            <a:r>
+              <a:rPr lang="zh-CN" altLang="en-US" dirty="0"/>
+              <a:t>，那么，线程</a:t>
+            </a:r>
+            <a:r>
+              <a:rPr lang="en-US" altLang="zh-CN" dirty="0"/>
+              <a:t>1</a:t>
+            </a:r>
+            <a:r>
+              <a:rPr lang="zh-CN" altLang="en-US" dirty="0"/>
+              <a:t>写入</a:t>
+            </a:r>
+            <a:r>
+              <a:rPr lang="en-US" altLang="zh-CN" dirty="0"/>
+              <a:t>v</a:t>
+            </a:r>
+            <a:r>
+              <a:rPr lang="zh-CN" altLang="en-US" dirty="0"/>
+              <a:t>及之前的写操作都对线程</a:t>
+            </a:r>
+            <a:r>
+              <a:rPr lang="en-US" altLang="zh-CN" dirty="0"/>
+              <a:t>2</a:t>
+            </a:r>
+            <a:r>
+              <a:rPr lang="zh-CN" altLang="en-US" dirty="0"/>
+              <a:t>可见（线程</a:t>
+            </a:r>
+            <a:r>
+              <a:rPr lang="en-US" altLang="zh-CN" dirty="0"/>
+              <a:t>1</a:t>
+            </a:r>
+            <a:r>
+              <a:rPr lang="zh-CN" altLang="en-US" dirty="0"/>
+              <a:t>和线程</a:t>
+            </a:r>
+            <a:r>
+              <a:rPr lang="en-US" altLang="zh-CN" dirty="0"/>
+              <a:t>2</a:t>
+            </a:r>
+            <a:r>
+              <a:rPr lang="zh-CN" altLang="en-US" dirty="0"/>
+              <a:t>可以是同一个线程）。</a:t>
+            </a:r>
+          </a:p>
+          <a:p>
+            <a:endParaRPr lang="en-US" dirty="0"/>
+          </a:p>
+        </p:txBody>
+      </p:sp>
+    </p:spTree>
+    <p:extLst>
+      <p:ext uri="{BB962C8B-B14F-4D97-AF65-F5344CB8AC3E}">
+        <p14:creationId xmlns:p14="http://schemas.microsoft.com/office/powerpoint/2010/main" val="757113379"/>
+      </p:ext>
+    </p:extLst>
+  </p:cSld>
+  <p:clrMapOvr>
+    <a:masterClrMapping/>
+  </p:clrMapOvr>
+</p:sld>
+</file>
+
+<file path=ppt/slides/slide5.xml><?xml version="1.0" encoding="utf-8"?>
+<p:sld xmlns:a="http://schemas.openxmlformats.org/drawingml/2006/main" xmlns:r="http://schemas.openxmlformats.org/officeDocument/2006/relationships" xmlns:p="http://schemas.openxmlformats.org/presentationml/2006/main">
+  <p:cSld>
+    <p:spTree>
+      <p:nvGrpSpPr>
+        <p:cNvPr id="1" name=""/>
+        <p:cNvGrpSpPr/>
+        <p:nvPr/>
+      </p:nvGrpSpPr>
+      <p:grpSpPr>
+        <a:xfrm>
+          <a:off x="0" y="0"/>
+          <a:ext cx="0" cy="0"/>
+          <a:chOff x="0" y="0"/>
+          <a:chExt cx="0" cy="0"/>
+        </a:xfrm>
+      </p:grpSpPr>
+      <p:sp>
+        <p:nvSpPr>
+          <p:cNvPr id="2" name="Title 1"/>
+          <p:cNvSpPr>
+            <a:spLocks noGrp="1"/>
+          </p:cNvSpPr>
+          <p:nvPr>
+            <p:ph type="title"/>
+          </p:nvPr>
+        </p:nvSpPr>
+        <p:spPr/>
+        <p:txBody>
+          <a:bodyPr/>
+          <a:lstStyle/>
+          <a:p>
+            <a:r>
+              <a:rPr lang="en-US" dirty="0" smtClean="0"/>
+              <a:t>reorder</a:t>
+            </a:r>
+            <a:endParaRPr lang="en-US" dirty="0"/>
+          </a:p>
+        </p:txBody>
+      </p:sp>
+      <p:sp>
+        <p:nvSpPr>
+          <p:cNvPr id="3" name="Content Placeholder 2"/>
+          <p:cNvSpPr>
+            <a:spLocks noGrp="1"/>
+          </p:cNvSpPr>
+          <p:nvPr>
+            <p:ph idx="1"/>
+          </p:nvPr>
+        </p:nvSpPr>
+        <p:spPr/>
+        <p:txBody>
+          <a:bodyPr/>
+          <a:lstStyle/>
+          <a:p>
+            <a:r>
+              <a:rPr lang="en-US" dirty="0"/>
+              <a:t>class </a:t>
+            </a:r>
+            <a:r>
+              <a:rPr lang="en-US" dirty="0" err="1"/>
+              <a:t>ReorderExample</a:t>
+            </a:r>
+            <a:r>
+              <a:rPr lang="en-US" dirty="0"/>
+              <a:t> { </a:t>
+            </a:r>
+            <a:r>
+              <a:rPr lang="en-US" dirty="0" err="1"/>
+              <a:t>int</a:t>
+            </a:r>
+            <a:r>
+              <a:rPr lang="en-US" dirty="0"/>
+              <a:t> a = 0; </a:t>
+            </a:r>
+            <a:r>
+              <a:rPr lang="en-US" dirty="0" err="1"/>
+              <a:t>boolean</a:t>
+            </a:r>
+            <a:r>
+              <a:rPr lang="en-US" dirty="0"/>
+              <a:t> flag = false; public void writer() { a = 1; //1 flag = true; //2 } Public void reader() { if (flag) { //3 </a:t>
+            </a:r>
+            <a:r>
+              <a:rPr lang="en-US" dirty="0" err="1"/>
+              <a:t>int</a:t>
+            </a:r>
+            <a:r>
+              <a:rPr lang="en-US" dirty="0"/>
+              <a:t> </a:t>
+            </a:r>
+            <a:r>
+              <a:rPr lang="en-US" dirty="0" err="1"/>
+              <a:t>i</a:t>
+            </a:r>
+            <a:r>
+              <a:rPr lang="en-US" dirty="0"/>
+              <a:t> = a * a; //4 …… } } }</a:t>
+            </a:r>
+          </a:p>
+        </p:txBody>
+      </p:sp>
+    </p:spTree>
+    <p:extLst>
+      <p:ext uri="{BB962C8B-B14F-4D97-AF65-F5344CB8AC3E}">
+        <p14:creationId xmlns:p14="http://schemas.microsoft.com/office/powerpoint/2010/main" val="1986579275"/>
+      </p:ext>
+    </p:extLst>
+  </p:cSld>
+  <p:clrMapOvr>
+    <a:masterClrMapping/>
+  </p:clrMapOvr>
+</p:sld>
+</file>
+
+<file path=ppt/slides/slide6.xml><?xml version="1.0" encoding="utf-8"?>
+<p:sld xmlns:a="http://schemas.openxmlformats.org/drawingml/2006/main" xmlns:r="http://schemas.openxmlformats.org/officeDocument/2006/relationships" xmlns:p="http://schemas.openxmlformats.org/presentationml/2006/main">
+  <p:cSld>
+    <p:spTree>
+      <p:nvGrpSpPr>
+        <p:cNvPr id="1" name=""/>
+        <p:cNvGrpSpPr/>
+        <p:nvPr/>
+      </p:nvGrpSpPr>
+      <p:grpSpPr>
+        <a:xfrm>
+          <a:off x="0" y="0"/>
+          <a:ext cx="0" cy="0"/>
+          <a:chOff x="0" y="0"/>
+          <a:chExt cx="0" cy="0"/>
+        </a:xfrm>
+      </p:grpSpPr>
+      <p:sp>
+        <p:nvSpPr>
+          <p:cNvPr id="2" name="Title 1"/>
+          <p:cNvSpPr>
+            <a:spLocks noGrp="1"/>
+          </p:cNvSpPr>
+          <p:nvPr>
+            <p:ph type="title"/>
+          </p:nvPr>
+        </p:nvSpPr>
+        <p:spPr/>
+        <p:txBody>
+          <a:bodyPr/>
+          <a:lstStyle/>
+          <a:p>
+            <a:endParaRPr lang="en-US"/>
+          </a:p>
+        </p:txBody>
+      </p:sp>
+      <p:sp>
+        <p:nvSpPr>
+          <p:cNvPr id="3" name="Content Placeholder 2"/>
+          <p:cNvSpPr>
+            <a:spLocks noGrp="1"/>
+          </p:cNvSpPr>
+          <p:nvPr>
+            <p:ph idx="1"/>
+          </p:nvPr>
+        </p:nvSpPr>
+        <p:spPr/>
+        <p:txBody>
+          <a:bodyPr/>
+          <a:lstStyle/>
+          <a:p>
+            <a:r>
+              <a:rPr lang="en-US" altLang="zh-CN" dirty="0"/>
+              <a:t>flag</a:t>
+            </a:r>
+            <a:r>
+              <a:rPr lang="zh-CN" altLang="en-US" dirty="0"/>
+              <a:t>变量是个标记，用来标识变量</a:t>
+            </a:r>
+            <a:r>
+              <a:rPr lang="en-US" altLang="zh-CN" dirty="0"/>
+              <a:t>a</a:t>
+            </a:r>
+            <a:r>
+              <a:rPr lang="zh-CN" altLang="en-US" dirty="0"/>
+              <a:t>是否已被写入。这里假设有两个线程</a:t>
+            </a:r>
+            <a:r>
+              <a:rPr lang="en-US" altLang="zh-CN" dirty="0"/>
+              <a:t>A</a:t>
+            </a:r>
+            <a:r>
+              <a:rPr lang="zh-CN" altLang="en-US" dirty="0"/>
+              <a:t>和</a:t>
+            </a:r>
+            <a:r>
+              <a:rPr lang="en-US" altLang="zh-CN" dirty="0"/>
+              <a:t>B</a:t>
+            </a:r>
+            <a:r>
+              <a:rPr lang="zh-CN" altLang="en-US" dirty="0"/>
+              <a:t>，</a:t>
+            </a:r>
+            <a:r>
+              <a:rPr lang="en-US" altLang="zh-CN" dirty="0"/>
+              <a:t>A</a:t>
+            </a:r>
+            <a:r>
+              <a:rPr lang="zh-CN" altLang="en-US" dirty="0"/>
+              <a:t>首先执行</a:t>
+            </a:r>
+            <a:r>
+              <a:rPr lang="en-US" altLang="zh-CN" dirty="0"/>
+              <a:t>writer()</a:t>
+            </a:r>
+            <a:r>
+              <a:rPr lang="zh-CN" altLang="en-US" dirty="0"/>
+              <a:t>方法，随后</a:t>
+            </a:r>
+            <a:r>
+              <a:rPr lang="en-US" altLang="zh-CN" dirty="0"/>
+              <a:t>B</a:t>
+            </a:r>
+            <a:r>
+              <a:rPr lang="zh-CN" altLang="en-US" dirty="0"/>
+              <a:t>线程接着执行</a:t>
+            </a:r>
+            <a:r>
+              <a:rPr lang="en-US" altLang="zh-CN" dirty="0"/>
+              <a:t>reader()</a:t>
+            </a:r>
+            <a:r>
+              <a:rPr lang="zh-CN" altLang="en-US" dirty="0"/>
+              <a:t>方法。线程</a:t>
+            </a:r>
+            <a:r>
+              <a:rPr lang="en-US" altLang="zh-CN" dirty="0"/>
+              <a:t>B</a:t>
+            </a:r>
+            <a:r>
+              <a:rPr lang="zh-CN" altLang="en-US" dirty="0"/>
+              <a:t>在执行操作</a:t>
+            </a:r>
+            <a:r>
+              <a:rPr lang="en-US" altLang="zh-CN" dirty="0"/>
+              <a:t>4</a:t>
+            </a:r>
+            <a:r>
+              <a:rPr lang="zh-CN" altLang="en-US" dirty="0"/>
+              <a:t>时，能否看到线程</a:t>
+            </a:r>
+            <a:r>
+              <a:rPr lang="en-US" altLang="zh-CN" dirty="0"/>
+              <a:t>A</a:t>
+            </a:r>
+            <a:r>
+              <a:rPr lang="zh-CN" altLang="en-US" dirty="0"/>
+              <a:t>在操作</a:t>
+            </a:r>
+            <a:r>
+              <a:rPr lang="en-US" altLang="zh-CN" dirty="0"/>
+              <a:t>1</a:t>
+            </a:r>
+            <a:r>
+              <a:rPr lang="zh-CN" altLang="en-US" dirty="0"/>
+              <a:t>对共享变量</a:t>
+            </a:r>
+            <a:r>
+              <a:rPr lang="en-US" altLang="zh-CN" dirty="0"/>
+              <a:t>a</a:t>
+            </a:r>
+            <a:r>
+              <a:rPr lang="zh-CN" altLang="en-US" dirty="0"/>
+              <a:t>的写入？</a:t>
+            </a:r>
+          </a:p>
+          <a:p>
+            <a:r>
+              <a:rPr lang="zh-CN" altLang="en-US"/>
+              <a:t>答案是：不一定能看到。</a:t>
+            </a:r>
+          </a:p>
+          <a:p>
+            <a:endParaRPr lang="en-US"/>
+          </a:p>
+        </p:txBody>
+      </p:sp>
+    </p:spTree>
+    <p:extLst>
+      <p:ext uri="{BB962C8B-B14F-4D97-AF65-F5344CB8AC3E}">
+        <p14:creationId xmlns:p14="http://schemas.microsoft.com/office/powerpoint/2010/main" val="4249807429"/>
+      </p:ext>
+    </p:extLst>
+  </p:cSld>
+  <p:clrMapOvr>
+    <a:masterClrMapping/>
+  </p:clrMapOvr>
+</p:sld>
+</file>
+
+<file path=ppt/slides/slide7.xml><?xml version="1.0" encoding="utf-8"?>
+<p:sld xmlns:a="http://schemas.openxmlformats.org/drawingml/2006/main" xmlns:r="http://schemas.openxmlformats.org/officeDocument/2006/relationships" xmlns:p="http://schemas.openxmlformats.org/presentationml/2006/main">
+  <p:cSld>
+    <p:spTree>
+      <p:nvGrpSpPr>
+        <p:cNvPr id="1" name=""/>
+        <p:cNvGrpSpPr/>
+        <p:nvPr/>
+      </p:nvGrpSpPr>
+      <p:grpSpPr>
+        <a:xfrm>
+          <a:off x="0" y="0"/>
+          <a:ext cx="0" cy="0"/>
+          <a:chOff x="0" y="0"/>
+          <a:chExt cx="0" cy="0"/>
+        </a:xfrm>
+      </p:grpSpPr>
+      <p:sp>
+        <p:nvSpPr>
+          <p:cNvPr id="2" name="Title 1"/>
+          <p:cNvSpPr>
+            <a:spLocks noGrp="1"/>
+          </p:cNvSpPr>
+          <p:nvPr>
+            <p:ph type="title"/>
+          </p:nvPr>
+        </p:nvSpPr>
+        <p:spPr/>
+        <p:txBody>
+          <a:bodyPr/>
+          <a:lstStyle/>
+          <a:p>
+            <a:r>
+              <a:rPr lang="en-US" dirty="0" err="1" smtClean="0"/>
+              <a:t>ThreadPoolExecutor</a:t>
+            </a:r>
+            <a:endParaRPr lang="en-US" dirty="0"/>
+          </a:p>
+        </p:txBody>
+      </p:sp>
+      <p:sp>
+        <p:nvSpPr>
+          <p:cNvPr id="3" name="Content Placeholder 2"/>
+          <p:cNvSpPr>
+            <a:spLocks noGrp="1"/>
+          </p:cNvSpPr>
+          <p:nvPr>
+            <p:ph idx="1"/>
+          </p:nvPr>
+        </p:nvSpPr>
+        <p:spPr>
+          <a:xfrm>
+            <a:off x="457200" y="1600201"/>
+            <a:ext cx="6324600" cy="2971800"/>
+          </a:xfrm>
+        </p:spPr>
+        <p:txBody>
+          <a:bodyPr>
+            <a:normAutofit fontScale="62500" lnSpcReduction="20000"/>
+          </a:bodyPr>
+          <a:lstStyle/>
+          <a:p>
+            <a:pPr marL="0" indent="0">
+              <a:buNone/>
+            </a:pPr>
+            <a:r>
+              <a:rPr lang="en-US" b="1" dirty="0"/>
+              <a:t>public </a:t>
+            </a:r>
+            <a:r>
+              <a:rPr lang="en-US" b="1" dirty="0" err="1"/>
+              <a:t>ThreadPoolExecutor</a:t>
+            </a:r>
+            <a:r>
+              <a:rPr lang="en-US" b="1" dirty="0"/>
+              <a:t>(</a:t>
+            </a:r>
+            <a:r>
+              <a:rPr lang="en-US" b="1" dirty="0" err="1"/>
+              <a:t>int</a:t>
+            </a:r>
+            <a:r>
+              <a:rPr lang="en-US" b="1" dirty="0"/>
+              <a:t> </a:t>
+            </a:r>
+            <a:r>
+              <a:rPr lang="en-US" b="1" dirty="0" err="1"/>
+              <a:t>corePoolSize</a:t>
+            </a:r>
+            <a:r>
+              <a:rPr lang="en-US" b="1" dirty="0"/>
+              <a:t>,</a:t>
+            </a:r>
+          </a:p>
+          <a:p>
+            <a:pPr marL="0" indent="0">
+              <a:buNone/>
+            </a:pPr>
+            <a:r>
+              <a:rPr lang="en-US" dirty="0"/>
+              <a:t>                              </a:t>
+            </a:r>
+            <a:r>
+              <a:rPr lang="en-US" b="1" dirty="0" err="1"/>
+              <a:t>int</a:t>
+            </a:r>
+            <a:r>
+              <a:rPr lang="en-US" b="1" dirty="0"/>
+              <a:t> </a:t>
+            </a:r>
+            <a:r>
+              <a:rPr lang="en-US" b="1" dirty="0" err="1"/>
+              <a:t>maximumPoolSize</a:t>
+            </a:r>
+            <a:r>
+              <a:rPr lang="en-US" b="1" dirty="0"/>
+              <a:t>,</a:t>
+            </a:r>
+          </a:p>
+          <a:p>
+            <a:pPr marL="0" indent="0">
+              <a:buNone/>
+            </a:pPr>
+            <a:r>
+              <a:rPr lang="en-US" dirty="0"/>
+              <a:t>                              </a:t>
+            </a:r>
+            <a:r>
+              <a:rPr lang="en-US" b="1" dirty="0"/>
+              <a:t>long </a:t>
+            </a:r>
+            <a:r>
+              <a:rPr lang="en-US" b="1" dirty="0" err="1"/>
+              <a:t>keepAliveTime</a:t>
+            </a:r>
+            <a:r>
+              <a:rPr lang="en-US" b="1" dirty="0"/>
+              <a:t>,</a:t>
+            </a:r>
+          </a:p>
+          <a:p>
+            <a:pPr marL="0" indent="0">
+              <a:buNone/>
+            </a:pPr>
+            <a:r>
+              <a:rPr lang="en-US" dirty="0"/>
+              <a:t>                              </a:t>
+            </a:r>
+            <a:r>
+              <a:rPr lang="en-US" dirty="0" err="1"/>
+              <a:t>TimeUnit</a:t>
+            </a:r>
+            <a:r>
+              <a:rPr lang="en-US" dirty="0"/>
+              <a:t> unit,</a:t>
+            </a:r>
+          </a:p>
+          <a:p>
+            <a:pPr marL="0" indent="0">
+              <a:buNone/>
+            </a:pPr>
+            <a:r>
+              <a:rPr lang="en-US" dirty="0"/>
+              <a:t>                              </a:t>
+            </a:r>
+            <a:r>
+              <a:rPr lang="en-US" dirty="0" err="1"/>
+              <a:t>BlockingQueue</a:t>
+            </a:r>
+            <a:r>
+              <a:rPr lang="en-US" dirty="0"/>
+              <a:t>&lt;Runnable&gt; </a:t>
+            </a:r>
+            <a:r>
+              <a:rPr lang="en-US" dirty="0" err="1"/>
+              <a:t>workQueue</a:t>
+            </a:r>
+            <a:r>
+              <a:rPr lang="en-US" dirty="0"/>
+              <a:t>) {</a:t>
+            </a:r>
+          </a:p>
+          <a:p>
+            <a:pPr marL="0" indent="0">
+              <a:buNone/>
+            </a:pPr>
+            <a:r>
+              <a:rPr lang="en-US" dirty="0"/>
+              <a:t>        </a:t>
+            </a:r>
+            <a:r>
+              <a:rPr lang="en-US" b="1" dirty="0"/>
+              <a:t>this(</a:t>
+            </a:r>
+            <a:r>
+              <a:rPr lang="en-US" b="1" dirty="0" err="1"/>
+              <a:t>corePoolSize</a:t>
+            </a:r>
+            <a:r>
+              <a:rPr lang="en-US" b="1" dirty="0"/>
+              <a:t>, </a:t>
+            </a:r>
+            <a:r>
+              <a:rPr lang="en-US" b="1" dirty="0" err="1"/>
+              <a:t>maximumPoolSize</a:t>
+            </a:r>
+            <a:r>
+              <a:rPr lang="en-US" b="1" dirty="0"/>
+              <a:t>, </a:t>
+            </a:r>
+            <a:r>
+              <a:rPr lang="en-US" b="1" dirty="0" err="1"/>
+              <a:t>keepAliveTime</a:t>
+            </a:r>
+            <a:r>
+              <a:rPr lang="en-US" b="1" dirty="0"/>
+              <a:t>, unit, </a:t>
+            </a:r>
+            <a:r>
+              <a:rPr lang="en-US" b="1" dirty="0" err="1"/>
+              <a:t>workQueue</a:t>
+            </a:r>
+            <a:r>
+              <a:rPr lang="en-US" b="1" dirty="0"/>
+              <a:t>,</a:t>
+            </a:r>
+          </a:p>
+          <a:p>
+            <a:pPr marL="0" indent="0">
+              <a:buNone/>
+            </a:pPr>
+            <a:r>
+              <a:rPr lang="en-US" dirty="0"/>
+              <a:t>             </a:t>
+            </a:r>
+            <a:r>
+              <a:rPr lang="en-US" dirty="0" err="1"/>
+              <a:t>Executors.</a:t>
+            </a:r>
+            <a:r>
+              <a:rPr lang="en-US" i="1" dirty="0" err="1"/>
+              <a:t>defaultThreadFactory</a:t>
+            </a:r>
+            <a:r>
+              <a:rPr lang="en-US" i="1" dirty="0"/>
+              <a:t>(), </a:t>
+            </a:r>
+            <a:r>
+              <a:rPr lang="en-US" b="1" i="1" dirty="0" err="1"/>
+              <a:t>defaultHandler</a:t>
+            </a:r>
+            <a:r>
+              <a:rPr lang="en-US" b="1" i="1" dirty="0"/>
+              <a:t>);</a:t>
+            </a:r>
+            <a:endParaRPr lang="en-US" dirty="0"/>
+          </a:p>
+        </p:txBody>
+      </p:sp>
+    </p:spTree>
+    <p:extLst>
+      <p:ext uri="{BB962C8B-B14F-4D97-AF65-F5344CB8AC3E}">
+        <p14:creationId xmlns:p14="http://schemas.microsoft.com/office/powerpoint/2010/main" val="284216610"/>
+      </p:ext>
+    </p:extLst>
+  </p:cSld>
+  <p:clrMapOvr>
+    <a:masterClrMapping/>
+  </p:clrMapOvr>
+</p:sld>
+</file>
+
+<file path=ppt/slides/slide8.xml><?xml version="1.0" encoding="utf-8"?>
+<p:sld xmlns:a="http://schemas.openxmlformats.org/drawingml/2006/main" xmlns:r="http://schemas.openxmlformats.org/officeDocument/2006/relationships" xmlns:p="http://schemas.openxmlformats.org/presentationml/2006/main">
+  <p:cSld>
+    <p:spTree>
+      <p:nvGrpSpPr>
+        <p:cNvPr id="1" name=""/>
+        <p:cNvGrpSpPr/>
+        <p:nvPr/>
+      </p:nvGrpSpPr>
+      <p:grpSpPr>
+        <a:xfrm>
+          <a:off x="0" y="0"/>
+          <a:ext cx="0" cy="0"/>
+          <a:chOff x="0" y="0"/>
+          <a:chExt cx="0" cy="0"/>
+        </a:xfrm>
+      </p:grpSpPr>
+      <p:sp>
+        <p:nvSpPr>
+          <p:cNvPr id="2" name="Title 1"/>
+          <p:cNvSpPr>
+            <a:spLocks noGrp="1"/>
+          </p:cNvSpPr>
+          <p:nvPr>
+            <p:ph type="title"/>
+          </p:nvPr>
+        </p:nvSpPr>
+        <p:spPr/>
+        <p:txBody>
+          <a:bodyPr/>
+          <a:lstStyle/>
+          <a:p>
             <a:r>
               <a:rPr lang="en-US" b="1" dirty="0" err="1"/>
               <a:t>RejectedExecutionHandler</a:t>
@@ -3741,7 +4551,7 @@
 </p:sld>
 </file>
 
-<file path=ppt/slides/slide5.xml><?xml version="1.0" encoding="utf-8"?>
+<file path=ppt/slides/slide9.xml><?xml version="1.0" encoding="utf-8"?>
 <p:sld xmlns:a="http://schemas.openxmlformats.org/drawingml/2006/main" xmlns:r="http://schemas.openxmlformats.org/officeDocument/2006/relationships" xmlns:p="http://schemas.openxmlformats.org/presentationml/2006/main">
   <p:cSld>
     <p:spTree>

--- a/Document/Java Concurrency.pptx
+++ b/Document/Java Concurrency.pptx
@@ -5,7 +5,7 @@
     <p:sldMasterId id="2147483804" r:id="rId1"/>
   </p:sldMasterIdLst>
   <p:notesMasterIdLst>
-    <p:notesMasterId r:id="rId23"/>
+    <p:notesMasterId r:id="rId25"/>
   </p:notesMasterIdLst>
   <p:sldIdLst>
     <p:sldId id="256" r:id="rId2"/>
@@ -26,9 +26,11 @@
     <p:sldId id="276" r:id="rId17"/>
     <p:sldId id="279" r:id="rId18"/>
     <p:sldId id="280" r:id="rId19"/>
-    <p:sldId id="258" r:id="rId20"/>
-    <p:sldId id="259" r:id="rId21"/>
-    <p:sldId id="260" r:id="rId22"/>
+    <p:sldId id="283" r:id="rId20"/>
+    <p:sldId id="281" r:id="rId21"/>
+    <p:sldId id="282" r:id="rId22"/>
+    <p:sldId id="258" r:id="rId23"/>
+    <p:sldId id="259" r:id="rId24"/>
   </p:sldIdLst>
   <p:sldSz cx="9144000" cy="6858000" type="screen4x3"/>
   <p:notesSz cx="6858000" cy="9144000"/>
@@ -212,7 +214,7 @@
           <a:p>
             <a:fld id="{8D8AFEF8-1B2D-434C-A844-BA554DAF1F3A}" type="datetimeFigureOut">
               <a:rPr lang="en-US" smtClean="0"/>
-              <a:t>11/10/2014</a:t>
+              <a:t>11/27/2014</a:t>
             </a:fld>
             <a:endParaRPr lang="en-US"/>
           </a:p>
@@ -1667,6 +1669,90 @@
 </p:notes>
 </file>
 
+<file path=ppt/notesSlides/notesSlide6.xml><?xml version="1.0" encoding="utf-8"?>
+<p:notes xmlns:a="http://schemas.openxmlformats.org/drawingml/2006/main" xmlns:r="http://schemas.openxmlformats.org/officeDocument/2006/relationships" xmlns:p="http://schemas.openxmlformats.org/presentationml/2006/main">
+  <p:cSld>
+    <p:spTree>
+      <p:nvGrpSpPr>
+        <p:cNvPr id="1" name=""/>
+        <p:cNvGrpSpPr/>
+        <p:nvPr/>
+      </p:nvGrpSpPr>
+      <p:grpSpPr>
+        <a:xfrm>
+          <a:off x="0" y="0"/>
+          <a:ext cx="0" cy="0"/>
+          <a:chOff x="0" y="0"/>
+          <a:chExt cx="0" cy="0"/>
+        </a:xfrm>
+      </p:grpSpPr>
+      <p:sp>
+        <p:nvSpPr>
+          <p:cNvPr id="2" name="Slide Image Placeholder 1"/>
+          <p:cNvSpPr>
+            <a:spLocks noGrp="1" noRot="1" noChangeAspect="1"/>
+          </p:cNvSpPr>
+          <p:nvPr>
+            <p:ph type="sldImg"/>
+          </p:nvPr>
+        </p:nvSpPr>
+        <p:spPr/>
+      </p:sp>
+      <p:sp>
+        <p:nvSpPr>
+          <p:cNvPr id="3" name="Notes Placeholder 2"/>
+          <p:cNvSpPr>
+            <a:spLocks noGrp="1"/>
+          </p:cNvSpPr>
+          <p:nvPr>
+            <p:ph type="body" idx="1"/>
+          </p:nvPr>
+        </p:nvSpPr>
+        <p:spPr/>
+        <p:txBody>
+          <a:bodyPr/>
+          <a:lstStyle/>
+          <a:p>
+            <a:endParaRPr lang="en-US" dirty="0"/>
+          </a:p>
+        </p:txBody>
+      </p:sp>
+      <p:sp>
+        <p:nvSpPr>
+          <p:cNvPr id="4" name="Slide Number Placeholder 3"/>
+          <p:cNvSpPr>
+            <a:spLocks noGrp="1"/>
+          </p:cNvSpPr>
+          <p:nvPr>
+            <p:ph type="sldNum" sz="quarter" idx="10"/>
+          </p:nvPr>
+        </p:nvSpPr>
+        <p:spPr/>
+        <p:txBody>
+          <a:bodyPr/>
+          <a:lstStyle/>
+          <a:p>
+            <a:fld id="{9B888411-AF22-4FA6-9E93-5551DC85630F}" type="slidenum">
+              <a:rPr lang="en-US" smtClean="0"/>
+              <a:t>22</a:t>
+            </a:fld>
+            <a:endParaRPr lang="en-US"/>
+          </a:p>
+        </p:txBody>
+      </p:sp>
+    </p:spTree>
+    <p:extLst>
+      <p:ext uri="{BB962C8B-B14F-4D97-AF65-F5344CB8AC3E}">
+        <p14:creationId xmlns:p14="http://schemas.microsoft.com/office/powerpoint/2010/main" val="1615325114"/>
+      </p:ext>
+    </p:extLst>
+  </p:cSld>
+  <p:clrMapOvr>
+    <a:masterClrMapping/>
+  </p:clrMapOvr>
+</p:notes>
+</file>
+
 <file path=ppt/slideLayouts/slideLayout1.xml><?xml version="1.0" encoding="utf-8"?>
 <p:sldLayout xmlns:a="http://schemas.openxmlformats.org/drawingml/2006/main" xmlns:r="http://schemas.openxmlformats.org/officeDocument/2006/relationships" xmlns:p="http://schemas.openxmlformats.org/presentationml/2006/main" showMasterSp="0" type="title" preserve="1">
   <p:cSld name="Title Slide">
@@ -1862,7 +1948,7 @@
             <a:fld id="{1D8BD707-D9CF-40AE-B4C6-C98DA3205C09}" type="datetimeFigureOut">
               <a:rPr lang="en-US" smtClean="0"/>
               <a:pPr/>
-              <a:t>11/10/2014</a:t>
+              <a:t>11/27/2014</a:t>
             </a:fld>
             <a:endParaRPr lang="en-US"/>
           </a:p>
@@ -2217,7 +2303,7 @@
             <a:fld id="{1D8BD707-D9CF-40AE-B4C6-C98DA3205C09}" type="datetimeFigureOut">
               <a:rPr lang="en-US" smtClean="0"/>
               <a:pPr/>
-              <a:t>11/10/2014</a:t>
+              <a:t>11/27/2014</a:t>
             </a:fld>
             <a:endParaRPr lang="en-US"/>
           </a:p>
@@ -2394,7 +2480,7 @@
             <a:fld id="{1D8BD707-D9CF-40AE-B4C6-C98DA3205C09}" type="datetimeFigureOut">
               <a:rPr lang="en-US" smtClean="0"/>
               <a:pPr/>
-              <a:t>11/10/2014</a:t>
+              <a:t>11/27/2014</a:t>
             </a:fld>
             <a:endParaRPr lang="en-US"/>
           </a:p>
@@ -2509,7 +2595,7 @@
             <a:fld id="{1D8BD707-D9CF-40AE-B4C6-C98DA3205C09}" type="datetimeFigureOut">
               <a:rPr lang="en-US" smtClean="0"/>
               <a:pPr/>
-              <a:t>11/10/2014</a:t>
+              <a:t>11/27/2014</a:t>
             </a:fld>
             <a:endParaRPr lang="en-US"/>
           </a:p>
@@ -2869,7 +2955,7 @@
             <a:fld id="{1D8BD707-D9CF-40AE-B4C6-C98DA3205C09}" type="datetimeFigureOut">
               <a:rPr lang="en-US" smtClean="0"/>
               <a:pPr/>
-              <a:t>11/10/2014</a:t>
+              <a:t>11/27/2014</a:t>
             </a:fld>
             <a:endParaRPr lang="en-US"/>
           </a:p>
@@ -3136,7 +3222,7 @@
             <a:fld id="{1D8BD707-D9CF-40AE-B4C6-C98DA3205C09}" type="datetimeFigureOut">
               <a:rPr lang="en-US" smtClean="0"/>
               <a:pPr/>
-              <a:t>11/10/2014</a:t>
+              <a:t>11/27/2014</a:t>
             </a:fld>
             <a:endParaRPr lang="en-US"/>
           </a:p>
@@ -3500,7 +3586,7 @@
             <a:fld id="{1D8BD707-D9CF-40AE-B4C6-C98DA3205C09}" type="datetimeFigureOut">
               <a:rPr lang="en-US" smtClean="0"/>
               <a:pPr/>
-              <a:t>11/10/2014</a:t>
+              <a:t>11/27/2014</a:t>
             </a:fld>
             <a:endParaRPr lang="en-US"/>
           </a:p>
@@ -3729,7 +3815,7 @@
             <a:fld id="{1D8BD707-D9CF-40AE-B4C6-C98DA3205C09}" type="datetimeFigureOut">
               <a:rPr lang="en-US" smtClean="0"/>
               <a:pPr/>
-              <a:t>11/10/2014</a:t>
+              <a:t>11/27/2014</a:t>
             </a:fld>
             <a:endParaRPr lang="en-US"/>
           </a:p>
@@ -3821,7 +3907,7 @@
             <a:fld id="{1D8BD707-D9CF-40AE-B4C6-C98DA3205C09}" type="datetimeFigureOut">
               <a:rPr lang="en-US" smtClean="0"/>
               <a:pPr/>
-              <a:t>11/10/2014</a:t>
+              <a:t>11/27/2014</a:t>
             </a:fld>
             <a:endParaRPr lang="en-US"/>
           </a:p>
@@ -4090,7 +4176,7 @@
             <a:fld id="{1D8BD707-D9CF-40AE-B4C6-C98DA3205C09}" type="datetimeFigureOut">
               <a:rPr lang="en-US" smtClean="0"/>
               <a:pPr/>
-              <a:t>11/10/2014</a:t>
+              <a:t>11/27/2014</a:t>
             </a:fld>
             <a:endParaRPr lang="en-US"/>
           </a:p>
@@ -4320,7 +4406,7 @@
             <a:fld id="{1D8BD707-D9CF-40AE-B4C6-C98DA3205C09}" type="datetimeFigureOut">
               <a:rPr lang="en-US" smtClean="0"/>
               <a:pPr/>
-              <a:t>11/10/2014</a:t>
+              <a:t>11/27/2014</a:t>
             </a:fld>
             <a:endParaRPr lang="en-US"/>
           </a:p>
@@ -4821,7 +4907,7 @@
             <a:fld id="{1D8BD707-D9CF-40AE-B4C6-C98DA3205C09}" type="datetimeFigureOut">
               <a:rPr lang="en-US" smtClean="0"/>
               <a:pPr/>
-              <a:t>11/10/2014</a:t>
+              <a:t>11/27/2014</a:t>
             </a:fld>
             <a:endParaRPr lang="en-US"/>
           </a:p>
@@ -5264,17 +5350,6 @@
               </a:rPr>
               <a:t>Nick</a:t>
             </a:r>
-            <a:r>
-              <a:rPr lang="en-US" altLang="zh-CN" dirty="0" smtClean="0">
-                <a:solidFill>
-                  <a:schemeClr val="accent2">
-                    <a:lumMod val="60000"/>
-                    <a:lumOff val="40000"/>
-                  </a:schemeClr>
-                </a:solidFill>
-              </a:rPr>
-              <a:t/>
-            </a:r>
             <a:br>
               <a:rPr lang="en-US" altLang="zh-CN" dirty="0" smtClean="0">
                 <a:solidFill>
@@ -5347,11 +5422,7 @@
           <a:p>
             <a:r>
               <a:rPr lang="en-US" dirty="0" smtClean="0"/>
-              <a:t>Java </a:t>
-            </a:r>
-            <a:r>
-              <a:rPr lang="en-US" dirty="0" smtClean="0"/>
-              <a:t>Concurrency</a:t>
+              <a:t>Java Concurrency</a:t>
             </a:r>
           </a:p>
           <a:p>
@@ -6602,6 +6673,22 @@
             </a:r>
           </a:p>
           <a:p>
+            <a:pPr lvl="1"/>
+            <a:r>
+              <a:rPr lang="en-US" altLang="zh-CN" dirty="0" err="1" smtClean="0"/>
+              <a:t>ConcurrentLinkedQueue</a:t>
+            </a:r>
+            <a:endParaRPr lang="en-US" altLang="zh-CN" dirty="0" smtClean="0"/>
+          </a:p>
+          <a:p>
+            <a:pPr lvl="1"/>
+            <a:r>
+              <a:rPr lang="en-US" dirty="0" err="1"/>
+              <a:t>LinkedBlockingQueue</a:t>
+            </a:r>
+            <a:endParaRPr lang="en-US" altLang="zh-CN" dirty="0" smtClean="0"/>
+          </a:p>
+          <a:p>
             <a:r>
               <a:rPr lang="en-US" altLang="zh-CN" dirty="0" err="1" smtClean="0"/>
               <a:t>CopyOnWirteArrayList</a:t>
@@ -6626,9 +6713,28 @@
           </a:p>
           <a:p>
             <a:r>
+              <a:rPr lang="en-US" altLang="zh-CN" dirty="0" err="1" smtClean="0">
+                <a:solidFill>
+                  <a:srgbClr val="FFC000"/>
+                </a:solidFill>
+              </a:rPr>
+              <a:t>CurrentSkipListSet</a:t>
+            </a:r>
+            <a:endParaRPr lang="en-US" altLang="zh-CN" dirty="0" smtClean="0">
+              <a:solidFill>
+                <a:srgbClr val="FFC000"/>
+              </a:solidFill>
+            </a:endParaRPr>
+          </a:p>
+          <a:p>
+            <a:r>
               <a:rPr lang="en-US" altLang="zh-CN" dirty="0" err="1" smtClean="0"/>
-              <a:t>ConcurrentMap</a:t>
-            </a:r>
+              <a:t>ConcurrentHashMap</a:t>
+            </a:r>
+            <a:endParaRPr lang="en-US" altLang="zh-CN" dirty="0" smtClean="0"/>
+          </a:p>
+          <a:p>
+            <a:pPr lvl="1"/>
             <a:endParaRPr lang="en-US" dirty="0"/>
           </a:p>
         </p:txBody>
@@ -6679,8 +6785,8 @@
           <a:lstStyle/>
           <a:p>
             <a:r>
-              <a:rPr lang="en-US" dirty="0" err="1" smtClean="0"/>
-              <a:t>ThreadPoolExecutor</a:t>
+              <a:rPr lang="en-US" dirty="0" err="1"/>
+              <a:t>ConcurrentHashMap</a:t>
             </a:r>
             <a:endParaRPr lang="en-US" dirty="0"/>
           </a:p>
@@ -6696,210 +6802,157 @@
             <p:ph sz="quarter" idx="1"/>
           </p:nvPr>
         </p:nvSpPr>
-        <p:spPr>
-          <a:xfrm>
-            <a:off x="457200" y="1600201"/>
-            <a:ext cx="6324600" cy="2971800"/>
-          </a:xfrm>
-        </p:spPr>
+        <p:spPr/>
         <p:txBody>
           <a:bodyPr>
-            <a:normAutofit fontScale="85000" lnSpcReduction="20000"/>
+            <a:normAutofit fontScale="62500" lnSpcReduction="20000"/>
           </a:bodyPr>
           <a:lstStyle/>
           <a:p>
-            <a:pPr marL="0" indent="0">
-              <a:buNone/>
-            </a:pPr>
-            <a:r>
-              <a:rPr lang="en-US" b="1" dirty="0"/>
-              <a:t>public </a:t>
-            </a:r>
-            <a:r>
-              <a:rPr lang="en-US" b="1" dirty="0" err="1"/>
-              <a:t>ThreadPoolExecutor</a:t>
-            </a:r>
-            <a:r>
-              <a:rPr lang="en-US" b="1" dirty="0"/>
-              <a:t>(</a:t>
-            </a:r>
-            <a:r>
-              <a:rPr lang="en-US" b="1" dirty="0" err="1"/>
-              <a:t>int</a:t>
-            </a:r>
-            <a:r>
-              <a:rPr lang="en-US" b="1" dirty="0"/>
+            <a:r>
+              <a:rPr lang="en-US" dirty="0"/>
+              <a:t>/*</a:t>
+            </a:r>
+          </a:p>
+          <a:p>
+            <a:r>
+              <a:rPr lang="en-US" dirty="0"/>
+              <a:t>     * The basic strategy is to subdivide the table among Segments,</a:t>
+            </a:r>
+          </a:p>
+          <a:p>
+            <a:r>
+              <a:rPr lang="en-US" dirty="0"/>
+              <a:t>     * each of which itself is a concurrently readable hash table.  To</a:t>
+            </a:r>
+          </a:p>
+          <a:p>
+            <a:r>
+              <a:rPr lang="en-US" dirty="0"/>
+              <a:t>     * reduce footprint, all but one segments are constructed only</a:t>
+            </a:r>
+          </a:p>
+          <a:p>
+            <a:r>
+              <a:rPr lang="en-US" dirty="0"/>
+              <a:t>     * when first needed (see </a:t>
+            </a:r>
+            <a:r>
+              <a:rPr lang="en-US" dirty="0" err="1"/>
+              <a:t>ensureSegment</a:t>
+            </a:r>
+            <a:r>
+              <a:rPr lang="en-US" dirty="0"/>
+              <a:t>). To maintain visibility</a:t>
+            </a:r>
+          </a:p>
+          <a:p>
+            <a:r>
+              <a:rPr lang="en-US" dirty="0"/>
+              <a:t>     * in the presence of lazy construction, accesses to segments as</a:t>
+            </a:r>
+          </a:p>
+          <a:p>
+            <a:r>
+              <a:rPr lang="en-US" dirty="0"/>
+              <a:t>     * well as elements of segment's table must use volatile access,</a:t>
+            </a:r>
+          </a:p>
+          <a:p>
+            <a:r>
+              <a:rPr lang="en-US" dirty="0"/>
+              <a:t>     * which is done via Unsafe within methods </a:t>
+            </a:r>
+            <a:r>
+              <a:rPr lang="en-US" dirty="0" err="1"/>
+              <a:t>segmentAt</a:t>
+            </a:r>
+            <a:r>
+              <a:rPr lang="en-US" dirty="0"/>
               <a:t> </a:t>
             </a:r>
             <a:r>
-              <a:rPr lang="en-US" b="1" dirty="0" err="1"/>
-              <a:t>corePoolSize</a:t>
-            </a:r>
-            <a:r>
-              <a:rPr lang="en-US" b="1" dirty="0"/>
-              <a:t>,</a:t>
-            </a:r>
-          </a:p>
-          <a:p>
-            <a:pPr marL="0" indent="0">
-              <a:buNone/>
-            </a:pPr>
+              <a:rPr lang="en-US" dirty="0" err="1"/>
+              <a:t>etc</a:t>
+            </a:r>
+            <a:endParaRPr lang="en-US" dirty="0"/>
+          </a:p>
+          <a:p>
             <a:r>
               <a:rPr lang="en-US" dirty="0"/>
-              <a:t>                              </a:t>
-            </a:r>
-            <a:r>
-              <a:rPr lang="en-US" b="1" dirty="0" err="1"/>
-              <a:t>int</a:t>
-            </a:r>
-            <a:r>
-              <a:rPr lang="en-US" b="1" dirty="0"/>
-              <a:t> </a:t>
-            </a:r>
-            <a:r>
-              <a:rPr lang="en-US" b="1" dirty="0" err="1"/>
-              <a:t>maximumPoolSize</a:t>
-            </a:r>
-            <a:r>
-              <a:rPr lang="en-US" b="1" dirty="0"/>
-              <a:t>,</a:t>
-            </a:r>
-          </a:p>
-          <a:p>
-            <a:pPr marL="0" indent="0">
-              <a:buNone/>
-            </a:pPr>
+              <a:t>     * below. These provide the functionality of </a:t>
+            </a:r>
+            <a:r>
+              <a:rPr lang="en-US" dirty="0" err="1"/>
+              <a:t>AtomicReferenceArrays</a:t>
+            </a:r>
+            <a:endParaRPr lang="en-US" dirty="0"/>
+          </a:p>
+          <a:p>
             <a:r>
               <a:rPr lang="en-US" dirty="0"/>
-              <a:t>                              </a:t>
-            </a:r>
-            <a:r>
-              <a:rPr lang="en-US" b="1" dirty="0"/>
-              <a:t>long </a:t>
-            </a:r>
-            <a:r>
-              <a:rPr lang="en-US" b="1" dirty="0" err="1"/>
-              <a:t>keepAliveTime</a:t>
-            </a:r>
-            <a:r>
-              <a:rPr lang="en-US" b="1" dirty="0"/>
-              <a:t>,</a:t>
-            </a:r>
-          </a:p>
-          <a:p>
-            <a:pPr marL="0" indent="0">
-              <a:buNone/>
-            </a:pPr>
+              <a:t>     * but reduce the levels of indirection. Additionally,</a:t>
+            </a:r>
+          </a:p>
+          <a:p>
             <a:r>
               <a:rPr lang="en-US" dirty="0"/>
-              <a:t>                              </a:t>
+              <a:t>     * volatile-writes of table elements and entry "next" fields</a:t>
+            </a:r>
+          </a:p>
+          <a:p>
+            <a:r>
+              <a:rPr lang="en-US" dirty="0"/>
+              <a:t>     * within locked operations use the cheaper "</a:t>
             </a:r>
             <a:r>
               <a:rPr lang="en-US" dirty="0" err="1"/>
-              <a:t>TimeUnit</a:t>
+              <a:t>lazySet</a:t>
             </a:r>
             <a:r>
               <a:rPr lang="en-US" dirty="0"/>
-              <a:t> unit,</a:t>
-            </a:r>
-          </a:p>
-          <a:p>
-            <a:pPr marL="0" indent="0">
-              <a:buNone/>
-            </a:pPr>
+              <a:t>" forms of</a:t>
+            </a:r>
+          </a:p>
+          <a:p>
             <a:r>
               <a:rPr lang="en-US" dirty="0"/>
-              <a:t>                              </a:t>
+              <a:t>     * writes (via </a:t>
             </a:r>
             <a:r>
               <a:rPr lang="en-US" dirty="0" err="1"/>
-              <a:t>BlockingQueue</a:t>
+              <a:t>putOrderedObject</a:t>
             </a:r>
             <a:r>
               <a:rPr lang="en-US" dirty="0"/>
-              <a:t>&lt;Runnable&gt; </a:t>
-            </a:r>
-            <a:r>
-              <a:rPr lang="en-US" dirty="0" err="1"/>
-              <a:t>workQueue</a:t>
-            </a:r>
+              <a:t>) because these writes are always</a:t>
+            </a:r>
+          </a:p>
+          <a:p>
             <a:r>
               <a:rPr lang="en-US" dirty="0"/>
-              <a:t>) {</a:t>
-            </a:r>
-          </a:p>
-          <a:p>
-            <a:pPr marL="0" indent="0">
-              <a:buNone/>
-            </a:pPr>
+              <a:t>     * followed by lock releases that maintain sequential consistency</a:t>
+            </a:r>
+          </a:p>
+          <a:p>
             <a:r>
               <a:rPr lang="en-US" dirty="0"/>
-              <a:t>        </a:t>
-            </a:r>
-            <a:r>
-              <a:rPr lang="en-US" b="1" dirty="0"/>
-              <a:t>this(</a:t>
-            </a:r>
-            <a:r>
-              <a:rPr lang="en-US" b="1" dirty="0" err="1"/>
-              <a:t>corePoolSize</a:t>
-            </a:r>
-            <a:r>
-              <a:rPr lang="en-US" b="1" dirty="0"/>
-              <a:t>, </a:t>
-            </a:r>
-            <a:r>
-              <a:rPr lang="en-US" b="1" dirty="0" err="1"/>
-              <a:t>maximumPoolSize</a:t>
-            </a:r>
-            <a:r>
-              <a:rPr lang="en-US" b="1" dirty="0"/>
-              <a:t>, </a:t>
-            </a:r>
-            <a:r>
-              <a:rPr lang="en-US" b="1" dirty="0" err="1"/>
-              <a:t>keepAliveTime</a:t>
-            </a:r>
-            <a:r>
-              <a:rPr lang="en-US" b="1" dirty="0"/>
-              <a:t>, unit, </a:t>
-            </a:r>
-            <a:r>
-              <a:rPr lang="en-US" b="1" dirty="0" err="1"/>
-              <a:t>workQueue</a:t>
-            </a:r>
-            <a:r>
-              <a:rPr lang="en-US" b="1" dirty="0"/>
-              <a:t>,</a:t>
-            </a:r>
-          </a:p>
-          <a:p>
-            <a:pPr marL="0" indent="0">
-              <a:buNone/>
-            </a:pPr>
-            <a:r>
-              <a:rPr lang="en-US" dirty="0"/>
-              <a:t>             </a:t>
-            </a:r>
-            <a:r>
-              <a:rPr lang="en-US" dirty="0" err="1"/>
-              <a:t>Executors.</a:t>
-            </a:r>
-            <a:r>
-              <a:rPr lang="en-US" i="1" dirty="0" err="1"/>
-              <a:t>defaultThreadFactory</a:t>
-            </a:r>
-            <a:r>
-              <a:rPr lang="en-US" i="1" dirty="0"/>
-              <a:t>(), </a:t>
-            </a:r>
-            <a:r>
-              <a:rPr lang="en-US" b="1" i="1" dirty="0" err="1"/>
-              <a:t>defaultHandler</a:t>
-            </a:r>
-            <a:r>
-              <a:rPr lang="en-US" b="1" i="1" dirty="0"/>
-              <a:t>);</a:t>
+              <a:t>     * of table </a:t>
+            </a:r>
+            <a:r>
+              <a:rPr lang="en-US"/>
+              <a:t>updates</a:t>
+            </a:r>
+            <a:r>
+              <a:rPr lang="en-US" smtClean="0"/>
+              <a:t>.</a:t>
+            </a:r>
+            <a:endParaRPr lang="en-US" dirty="0"/>
+          </a:p>
+          <a:p>
+            <a:r>
+              <a:rPr lang="en-US" dirty="0" smtClean="0"/>
+              <a:t>*/</a:t>
             </a:r>
             <a:endParaRPr lang="en-US" dirty="0"/>
           </a:p>
@@ -6908,20 +6961,13 @@
     </p:spTree>
     <p:extLst>
       <p:ext uri="{BB962C8B-B14F-4D97-AF65-F5344CB8AC3E}">
-        <p14:creationId xmlns:p14="http://schemas.microsoft.com/office/powerpoint/2010/main" val="284216610"/>
+        <p14:creationId xmlns:p14="http://schemas.microsoft.com/office/powerpoint/2010/main" val="1692851927"/>
       </p:ext>
     </p:extLst>
   </p:cSld>
   <p:clrMapOvr>
     <a:masterClrMapping/>
   </p:clrMapOvr>
-  <p:timing>
-    <p:tnLst>
-      <p:par>
-        <p:cTn id="1" dur="indefinite" restart="never" nodeType="tmRoot"/>
-      </p:par>
-    </p:tnLst>
-  </p:timing>
 </p:sld>
 </file>
 
@@ -6999,7 +7045,6 @@
               <a:rPr lang="en-US" altLang="zh-CN" dirty="0" smtClean="0"/>
               <a:t>reorder</a:t>
             </a:r>
-            <a:endParaRPr lang="en-US" altLang="zh-CN" dirty="0" smtClean="0"/>
           </a:p>
           <a:p>
             <a:pPr lvl="1"/>
@@ -7007,7 +7052,6 @@
               <a:rPr lang="en-US" altLang="zh-CN" dirty="0" smtClean="0"/>
               <a:t>Happens-Before</a:t>
             </a:r>
-            <a:endParaRPr lang="en-US" altLang="zh-CN" dirty="0" smtClean="0"/>
           </a:p>
           <a:p>
             <a:pPr lvl="1"/>
@@ -7015,7 +7059,6 @@
               <a:rPr lang="en-US" altLang="zh-CN" dirty="0" smtClean="0"/>
               <a:t>Volatile</a:t>
             </a:r>
-            <a:endParaRPr lang="en-US" altLang="zh-CN" dirty="0" smtClean="0"/>
           </a:p>
           <a:p>
             <a:r>
@@ -7159,125 +7202,6 @@
         </p:nvSpPr>
         <p:spPr/>
         <p:txBody>
-          <a:bodyPr/>
-          <a:lstStyle/>
-          <a:p>
-            <a:r>
-              <a:rPr lang="en-US" b="1" dirty="0" err="1"/>
-              <a:t>RejectedExecutionHandler</a:t>
-            </a:r>
-            <a:endParaRPr lang="en-US" dirty="0"/>
-          </a:p>
-        </p:txBody>
-      </p:sp>
-      <p:sp>
-        <p:nvSpPr>
-          <p:cNvPr id="3" name="Content Placeholder 2"/>
-          <p:cNvSpPr>
-            <a:spLocks noGrp="1"/>
-          </p:cNvSpPr>
-          <p:nvPr>
-            <p:ph sz="quarter" idx="1"/>
-          </p:nvPr>
-        </p:nvSpPr>
-        <p:spPr/>
-        <p:txBody>
-          <a:bodyPr/>
-          <a:lstStyle/>
-          <a:p>
-            <a:r>
-              <a:rPr lang="en-US" b="1" dirty="0">
-                <a:hlinkClick r:id="rId2"/>
-              </a:rPr>
-              <a:t>http://</a:t>
-            </a:r>
-            <a:r>
-              <a:rPr lang="en-US" b="1" dirty="0" smtClean="0">
-                <a:hlinkClick r:id="rId2"/>
-              </a:rPr>
-              <a:t>dongxuan.iteye.com/blog/902571</a:t>
-            </a:r>
-            <a:endParaRPr lang="en-US" b="1" dirty="0" smtClean="0"/>
-          </a:p>
-          <a:p>
-            <a:r>
-              <a:rPr lang="en-US" b="1" dirty="0" err="1" smtClean="0"/>
-              <a:t>CallerRunsPolicy</a:t>
-            </a:r>
-            <a:endParaRPr lang="en-US" b="1" dirty="0" smtClean="0"/>
-          </a:p>
-          <a:p>
-            <a:r>
-              <a:rPr lang="en-US" b="1" dirty="0" err="1" smtClean="0"/>
-              <a:t>AbortPolicy</a:t>
-            </a:r>
-            <a:endParaRPr lang="en-US" b="1" dirty="0" smtClean="0"/>
-          </a:p>
-          <a:p>
-            <a:r>
-              <a:rPr lang="en-US" b="1" dirty="0" err="1" smtClean="0"/>
-              <a:t>DiscardPolicy</a:t>
-            </a:r>
-            <a:endParaRPr lang="en-US" b="1" dirty="0" smtClean="0"/>
-          </a:p>
-          <a:p>
-            <a:r>
-              <a:rPr lang="en-US" b="1" dirty="0" err="1"/>
-              <a:t>DiscardOldestPolicy</a:t>
-            </a:r>
-            <a:endParaRPr lang="en-US" dirty="0"/>
-          </a:p>
-        </p:txBody>
-      </p:sp>
-    </p:spTree>
-    <p:extLst>
-      <p:ext uri="{BB962C8B-B14F-4D97-AF65-F5344CB8AC3E}">
-        <p14:creationId xmlns:p14="http://schemas.microsoft.com/office/powerpoint/2010/main" val="731791040"/>
-      </p:ext>
-    </p:extLst>
-  </p:cSld>
-  <p:clrMapOvr>
-    <a:masterClrMapping/>
-  </p:clrMapOvr>
-  <p:timing>
-    <p:tnLst>
-      <p:par>
-        <p:cTn id="1" dur="indefinite" restart="never" nodeType="tmRoot"/>
-      </p:par>
-    </p:tnLst>
-  </p:timing>
-</p:sld>
-</file>
-
-<file path=ppt/slides/slide21.xml><?xml version="1.0" encoding="utf-8"?>
-<p:sld xmlns:a="http://schemas.openxmlformats.org/drawingml/2006/main" xmlns:r="http://schemas.openxmlformats.org/officeDocument/2006/relationships" xmlns:p="http://schemas.openxmlformats.org/presentationml/2006/main">
-  <p:cSld>
-    <p:spTree>
-      <p:nvGrpSpPr>
-        <p:cNvPr id="1" name=""/>
-        <p:cNvGrpSpPr/>
-        <p:nvPr/>
-      </p:nvGrpSpPr>
-      <p:grpSpPr>
-        <a:xfrm>
-          <a:off x="0" y="0"/>
-          <a:ext cx="0" cy="0"/>
-          <a:chOff x="0" y="0"/>
-          <a:chExt cx="0" cy="0"/>
-        </a:xfrm>
-      </p:grpSpPr>
-      <p:sp>
-        <p:nvSpPr>
-          <p:cNvPr id="2" name="Title 1"/>
-          <p:cNvSpPr>
-            <a:spLocks noGrp="1"/>
-          </p:cNvSpPr>
-          <p:nvPr>
-            <p:ph type="title"/>
-          </p:nvPr>
-        </p:nvSpPr>
-        <p:spPr/>
-        <p:txBody>
           <a:bodyPr>
             <a:normAutofit/>
           </a:bodyPr>
@@ -7285,7 +7209,7 @@
           <a:p>
             <a:r>
               <a:rPr lang="en-US" dirty="0" err="1" smtClean="0"/>
-              <a:t>ConcurrentMap</a:t>
+              <a:t>ConcurrentHashMap</a:t>
             </a:r>
             <a:endParaRPr lang="en-US" dirty="0"/>
           </a:p>
@@ -7367,13 +7291,512 @@
     </p:spTree>
     <p:extLst>
       <p:ext uri="{BB962C8B-B14F-4D97-AF65-F5344CB8AC3E}">
-        <p14:creationId xmlns:p14="http://schemas.microsoft.com/office/powerpoint/2010/main" val="614660712"/>
+        <p14:creationId xmlns:p14="http://schemas.microsoft.com/office/powerpoint/2010/main" val="1379782216"/>
       </p:ext>
     </p:extLst>
   </p:cSld>
   <p:clrMapOvr>
     <a:masterClrMapping/>
   </p:clrMapOvr>
+</p:sld>
+</file>
+
+<file path=ppt/slides/slide21.xml><?xml version="1.0" encoding="utf-8"?>
+<p:sld xmlns:a="http://schemas.openxmlformats.org/drawingml/2006/main" xmlns:r="http://schemas.openxmlformats.org/officeDocument/2006/relationships" xmlns:p="http://schemas.openxmlformats.org/presentationml/2006/main">
+  <p:cSld>
+    <p:spTree>
+      <p:nvGrpSpPr>
+        <p:cNvPr id="1" name=""/>
+        <p:cNvGrpSpPr/>
+        <p:nvPr/>
+      </p:nvGrpSpPr>
+      <p:grpSpPr>
+        <a:xfrm>
+          <a:off x="0" y="0"/>
+          <a:ext cx="0" cy="0"/>
+          <a:chOff x="0" y="0"/>
+          <a:chExt cx="0" cy="0"/>
+        </a:xfrm>
+      </p:grpSpPr>
+      <p:sp>
+        <p:nvSpPr>
+          <p:cNvPr id="2" name="Title 1"/>
+          <p:cNvSpPr>
+            <a:spLocks noGrp="1"/>
+          </p:cNvSpPr>
+          <p:nvPr>
+            <p:ph type="title"/>
+          </p:nvPr>
+        </p:nvSpPr>
+        <p:spPr/>
+        <p:txBody>
+          <a:bodyPr/>
+          <a:lstStyle/>
+          <a:p>
+            <a:r>
+              <a:rPr lang="en-US" dirty="0" err="1" smtClean="0"/>
+              <a:t>ConcurrentHashMap</a:t>
+            </a:r>
+            <a:endParaRPr lang="en-US" dirty="0"/>
+          </a:p>
+        </p:txBody>
+      </p:sp>
+      <p:pic>
+        <p:nvPicPr>
+          <p:cNvPr id="1026" name="Picture 2" descr="image"/>
+          <p:cNvPicPr>
+            <a:picLocks noChangeAspect="1" noChangeArrowheads="1"/>
+          </p:cNvPicPr>
+          <p:nvPr/>
+        </p:nvPicPr>
+        <p:blipFill>
+          <a:blip r:embed="rId2">
+            <a:extLst>
+              <a:ext uri="{28A0092B-C50C-407E-A947-70E740481C1C}">
+                <a14:useLocalDpi xmlns:a14="http://schemas.microsoft.com/office/drawing/2010/main" val="0"/>
+              </a:ext>
+            </a:extLst>
+          </a:blip>
+          <a:srcRect/>
+          <a:stretch>
+            <a:fillRect/>
+          </a:stretch>
+        </p:blipFill>
+        <p:spPr bwMode="auto">
+          <a:xfrm>
+            <a:off x="76200" y="1650741"/>
+            <a:ext cx="8991600" cy="3759459"/>
+          </a:xfrm>
+          <a:prstGeom prst="rect">
+            <a:avLst/>
+          </a:prstGeom>
+          <a:noFill/>
+          <a:extLst>
+            <a:ext uri="{909E8E84-426E-40DD-AFC4-6F175D3DCCD1}">
+              <a14:hiddenFill xmlns:a14="http://schemas.microsoft.com/office/drawing/2010/main">
+                <a:solidFill>
+                  <a:srgbClr val="FFFFFF"/>
+                </a:solidFill>
+              </a14:hiddenFill>
+            </a:ext>
+          </a:extLst>
+        </p:spPr>
+      </p:pic>
+    </p:spTree>
+    <p:extLst>
+      <p:ext uri="{BB962C8B-B14F-4D97-AF65-F5344CB8AC3E}">
+        <p14:creationId xmlns:p14="http://schemas.microsoft.com/office/powerpoint/2010/main" val="2533960227"/>
+      </p:ext>
+    </p:extLst>
+  </p:cSld>
+  <p:clrMapOvr>
+    <a:masterClrMapping/>
+  </p:clrMapOvr>
+</p:sld>
+</file>
+
+<file path=ppt/slides/slide22.xml><?xml version="1.0" encoding="utf-8"?>
+<p:sld xmlns:a="http://schemas.openxmlformats.org/drawingml/2006/main" xmlns:r="http://schemas.openxmlformats.org/officeDocument/2006/relationships" xmlns:p="http://schemas.openxmlformats.org/presentationml/2006/main">
+  <p:cSld>
+    <p:spTree>
+      <p:nvGrpSpPr>
+        <p:cNvPr id="1" name=""/>
+        <p:cNvGrpSpPr/>
+        <p:nvPr/>
+      </p:nvGrpSpPr>
+      <p:grpSpPr>
+        <a:xfrm>
+          <a:off x="0" y="0"/>
+          <a:ext cx="0" cy="0"/>
+          <a:chOff x="0" y="0"/>
+          <a:chExt cx="0" cy="0"/>
+        </a:xfrm>
+      </p:grpSpPr>
+      <p:sp>
+        <p:nvSpPr>
+          <p:cNvPr id="2" name="Title 1"/>
+          <p:cNvSpPr>
+            <a:spLocks noGrp="1"/>
+          </p:cNvSpPr>
+          <p:nvPr>
+            <p:ph type="title"/>
+          </p:nvPr>
+        </p:nvSpPr>
+        <p:spPr/>
+        <p:txBody>
+          <a:bodyPr/>
+          <a:lstStyle/>
+          <a:p>
+            <a:r>
+              <a:rPr lang="en-US" dirty="0" smtClean="0"/>
+              <a:t>Executor</a:t>
+            </a:r>
+            <a:endParaRPr lang="en-US" dirty="0"/>
+          </a:p>
+        </p:txBody>
+      </p:sp>
+      <p:sp>
+        <p:nvSpPr>
+          <p:cNvPr id="3" name="Content Placeholder 2"/>
+          <p:cNvSpPr>
+            <a:spLocks noGrp="1"/>
+          </p:cNvSpPr>
+          <p:nvPr>
+            <p:ph sz="quarter" idx="1"/>
+          </p:nvPr>
+        </p:nvSpPr>
+        <p:spPr>
+          <a:xfrm>
+            <a:off x="457200" y="1600201"/>
+            <a:ext cx="6324600" cy="2971800"/>
+          </a:xfrm>
+        </p:spPr>
+        <p:txBody>
+          <a:bodyPr>
+            <a:normAutofit fontScale="77500" lnSpcReduction="20000"/>
+          </a:bodyPr>
+          <a:lstStyle/>
+          <a:p>
+            <a:r>
+              <a:rPr lang="en-US" dirty="0" err="1"/>
+              <a:t>ThreadPoolExecutor</a:t>
+            </a:r>
+            <a:endParaRPr lang="en-US" b="1" dirty="0" smtClean="0"/>
+          </a:p>
+          <a:p>
+            <a:pPr marL="0" indent="0">
+              <a:buNone/>
+            </a:pPr>
+            <a:r>
+              <a:rPr lang="en-US" b="1" dirty="0" smtClean="0"/>
+              <a:t>public </a:t>
+            </a:r>
+            <a:r>
+              <a:rPr lang="en-US" b="1" dirty="0" err="1"/>
+              <a:t>ThreadPoolExecutor</a:t>
+            </a:r>
+            <a:r>
+              <a:rPr lang="en-US" b="1" dirty="0"/>
+              <a:t>(</a:t>
+            </a:r>
+            <a:r>
+              <a:rPr lang="en-US" b="1" dirty="0" err="1"/>
+              <a:t>int</a:t>
+            </a:r>
+            <a:r>
+              <a:rPr lang="en-US" b="1" dirty="0"/>
+              <a:t> </a:t>
+            </a:r>
+            <a:r>
+              <a:rPr lang="en-US" b="1" dirty="0" err="1"/>
+              <a:t>corePoolSize</a:t>
+            </a:r>
+            <a:r>
+              <a:rPr lang="en-US" b="1" dirty="0"/>
+              <a:t>,</a:t>
+            </a:r>
+          </a:p>
+          <a:p>
+            <a:pPr marL="0" indent="0">
+              <a:buNone/>
+            </a:pPr>
+            <a:r>
+              <a:rPr lang="en-US" dirty="0"/>
+              <a:t>                              </a:t>
+            </a:r>
+            <a:r>
+              <a:rPr lang="en-US" b="1" dirty="0" err="1"/>
+              <a:t>int</a:t>
+            </a:r>
+            <a:r>
+              <a:rPr lang="en-US" b="1" dirty="0"/>
+              <a:t> </a:t>
+            </a:r>
+            <a:r>
+              <a:rPr lang="en-US" b="1" dirty="0" err="1"/>
+              <a:t>maximumPoolSize</a:t>
+            </a:r>
+            <a:r>
+              <a:rPr lang="en-US" b="1" dirty="0"/>
+              <a:t>,</a:t>
+            </a:r>
+          </a:p>
+          <a:p>
+            <a:pPr marL="0" indent="0">
+              <a:buNone/>
+            </a:pPr>
+            <a:r>
+              <a:rPr lang="en-US" dirty="0"/>
+              <a:t>                              </a:t>
+            </a:r>
+            <a:r>
+              <a:rPr lang="en-US" b="1" dirty="0"/>
+              <a:t>long </a:t>
+            </a:r>
+            <a:r>
+              <a:rPr lang="en-US" b="1" dirty="0" err="1"/>
+              <a:t>keepAliveTime</a:t>
+            </a:r>
+            <a:r>
+              <a:rPr lang="en-US" b="1" dirty="0"/>
+              <a:t>,</a:t>
+            </a:r>
+          </a:p>
+          <a:p>
+            <a:pPr marL="0" indent="0">
+              <a:buNone/>
+            </a:pPr>
+            <a:r>
+              <a:rPr lang="en-US" dirty="0"/>
+              <a:t>                              </a:t>
+            </a:r>
+            <a:r>
+              <a:rPr lang="en-US" dirty="0" err="1"/>
+              <a:t>TimeUnit</a:t>
+            </a:r>
+            <a:r>
+              <a:rPr lang="en-US" dirty="0"/>
+              <a:t> unit,</a:t>
+            </a:r>
+          </a:p>
+          <a:p>
+            <a:pPr marL="0" indent="0">
+              <a:buNone/>
+            </a:pPr>
+            <a:r>
+              <a:rPr lang="en-US" dirty="0"/>
+              <a:t>                              </a:t>
+            </a:r>
+            <a:r>
+              <a:rPr lang="en-US" dirty="0" err="1"/>
+              <a:t>BlockingQueue</a:t>
+            </a:r>
+            <a:r>
+              <a:rPr lang="en-US" dirty="0"/>
+              <a:t>&lt;Runnable&gt; </a:t>
+            </a:r>
+            <a:r>
+              <a:rPr lang="en-US" dirty="0" err="1"/>
+              <a:t>workQueue</a:t>
+            </a:r>
+            <a:r>
+              <a:rPr lang="en-US" dirty="0"/>
+              <a:t>) {</a:t>
+            </a:r>
+          </a:p>
+          <a:p>
+            <a:pPr marL="0" indent="0">
+              <a:buNone/>
+            </a:pPr>
+            <a:r>
+              <a:rPr lang="en-US" dirty="0"/>
+              <a:t>        </a:t>
+            </a:r>
+            <a:r>
+              <a:rPr lang="en-US" b="1" dirty="0"/>
+              <a:t>this(</a:t>
+            </a:r>
+            <a:r>
+              <a:rPr lang="en-US" b="1" dirty="0" err="1"/>
+              <a:t>corePoolSize</a:t>
+            </a:r>
+            <a:r>
+              <a:rPr lang="en-US" b="1" dirty="0"/>
+              <a:t>, </a:t>
+            </a:r>
+            <a:r>
+              <a:rPr lang="en-US" b="1" dirty="0" err="1"/>
+              <a:t>maximumPoolSize</a:t>
+            </a:r>
+            <a:r>
+              <a:rPr lang="en-US" b="1" dirty="0"/>
+              <a:t>, </a:t>
+            </a:r>
+            <a:r>
+              <a:rPr lang="en-US" b="1" dirty="0" err="1"/>
+              <a:t>keepAliveTime</a:t>
+            </a:r>
+            <a:r>
+              <a:rPr lang="en-US" b="1" dirty="0"/>
+              <a:t>, unit, </a:t>
+            </a:r>
+            <a:r>
+              <a:rPr lang="en-US" b="1" dirty="0" err="1"/>
+              <a:t>workQueue</a:t>
+            </a:r>
+            <a:r>
+              <a:rPr lang="en-US" b="1" dirty="0"/>
+              <a:t>,</a:t>
+            </a:r>
+          </a:p>
+          <a:p>
+            <a:pPr marL="0" indent="0">
+              <a:buNone/>
+            </a:pPr>
+            <a:r>
+              <a:rPr lang="en-US" dirty="0"/>
+              <a:t>             </a:t>
+            </a:r>
+            <a:r>
+              <a:rPr lang="en-US" dirty="0" err="1"/>
+              <a:t>Executors.</a:t>
+            </a:r>
+            <a:r>
+              <a:rPr lang="en-US" i="1" dirty="0" err="1"/>
+              <a:t>defaultThreadFactory</a:t>
+            </a:r>
+            <a:r>
+              <a:rPr lang="en-US" i="1" dirty="0"/>
+              <a:t>(), </a:t>
+            </a:r>
+            <a:r>
+              <a:rPr lang="en-US" b="1" i="1" dirty="0" err="1"/>
+              <a:t>defaultHandler</a:t>
+            </a:r>
+            <a:r>
+              <a:rPr lang="en-US" b="1" i="1" dirty="0"/>
+              <a:t>);</a:t>
+            </a:r>
+            <a:endParaRPr lang="en-US" dirty="0"/>
+          </a:p>
+        </p:txBody>
+      </p:sp>
+    </p:spTree>
+    <p:extLst>
+      <p:ext uri="{BB962C8B-B14F-4D97-AF65-F5344CB8AC3E}">
+        <p14:creationId xmlns:p14="http://schemas.microsoft.com/office/powerpoint/2010/main" val="284216610"/>
+      </p:ext>
+    </p:extLst>
+  </p:cSld>
+  <p:clrMapOvr>
+    <a:masterClrMapping/>
+  </p:clrMapOvr>
+  <p:timing>
+    <p:tnLst>
+      <p:par>
+        <p:cTn id="1" dur="indefinite" restart="never" nodeType="tmRoot"/>
+      </p:par>
+    </p:tnLst>
+  </p:timing>
+</p:sld>
+</file>
+
+<file path=ppt/slides/slide23.xml><?xml version="1.0" encoding="utf-8"?>
+<p:sld xmlns:a="http://schemas.openxmlformats.org/drawingml/2006/main" xmlns:r="http://schemas.openxmlformats.org/officeDocument/2006/relationships" xmlns:p="http://schemas.openxmlformats.org/presentationml/2006/main">
+  <p:cSld>
+    <p:spTree>
+      <p:nvGrpSpPr>
+        <p:cNvPr id="1" name=""/>
+        <p:cNvGrpSpPr/>
+        <p:nvPr/>
+      </p:nvGrpSpPr>
+      <p:grpSpPr>
+        <a:xfrm>
+          <a:off x="0" y="0"/>
+          <a:ext cx="0" cy="0"/>
+          <a:chOff x="0" y="0"/>
+          <a:chExt cx="0" cy="0"/>
+        </a:xfrm>
+      </p:grpSpPr>
+      <p:sp>
+        <p:nvSpPr>
+          <p:cNvPr id="2" name="Title 1"/>
+          <p:cNvSpPr>
+            <a:spLocks noGrp="1"/>
+          </p:cNvSpPr>
+          <p:nvPr>
+            <p:ph type="title"/>
+          </p:nvPr>
+        </p:nvSpPr>
+        <p:spPr/>
+        <p:txBody>
+          <a:bodyPr/>
+          <a:lstStyle/>
+          <a:p>
+            <a:r>
+              <a:rPr lang="en-US" b="1" dirty="0" err="1"/>
+              <a:t>RejectedExecutionHandler</a:t>
+            </a:r>
+            <a:endParaRPr lang="en-US" dirty="0"/>
+          </a:p>
+        </p:txBody>
+      </p:sp>
+      <p:sp>
+        <p:nvSpPr>
+          <p:cNvPr id="3" name="Content Placeholder 2"/>
+          <p:cNvSpPr>
+            <a:spLocks noGrp="1"/>
+          </p:cNvSpPr>
+          <p:nvPr>
+            <p:ph sz="quarter" idx="1"/>
+          </p:nvPr>
+        </p:nvSpPr>
+        <p:spPr/>
+        <p:txBody>
+          <a:bodyPr/>
+          <a:lstStyle/>
+          <a:p>
+            <a:r>
+              <a:rPr lang="en-US" b="1" dirty="0">
+                <a:hlinkClick r:id="rId2"/>
+              </a:rPr>
+              <a:t>http://</a:t>
+            </a:r>
+            <a:r>
+              <a:rPr lang="en-US" b="1" dirty="0" smtClean="0">
+                <a:hlinkClick r:id="rId2"/>
+              </a:rPr>
+              <a:t>dongxuan.iteye.com/blog/902571</a:t>
+            </a:r>
+            <a:endParaRPr lang="en-US" b="1" dirty="0" smtClean="0"/>
+          </a:p>
+          <a:p>
+            <a:r>
+              <a:rPr lang="en-US" b="1" dirty="0" err="1" smtClean="0"/>
+              <a:t>CallerRunsPolicy</a:t>
+            </a:r>
+            <a:endParaRPr lang="en-US" b="1" dirty="0" smtClean="0"/>
+          </a:p>
+          <a:p>
+            <a:r>
+              <a:rPr lang="en-US" b="1" dirty="0" err="1" smtClean="0"/>
+              <a:t>AbortPolicy</a:t>
+            </a:r>
+            <a:endParaRPr lang="en-US" b="1" dirty="0" smtClean="0"/>
+          </a:p>
+          <a:p>
+            <a:r>
+              <a:rPr lang="en-US" b="1" dirty="0" err="1" smtClean="0"/>
+              <a:t>DiscardPolicy</a:t>
+            </a:r>
+            <a:endParaRPr lang="en-US" b="1" dirty="0" smtClean="0"/>
+          </a:p>
+          <a:p>
+            <a:r>
+              <a:rPr lang="en-US" b="1" dirty="0" err="1"/>
+              <a:t>DiscardOldestPolicy</a:t>
+            </a:r>
+            <a:endParaRPr lang="en-US" dirty="0"/>
+          </a:p>
+        </p:txBody>
+      </p:sp>
+    </p:spTree>
+    <p:extLst>
+      <p:ext uri="{BB962C8B-B14F-4D97-AF65-F5344CB8AC3E}">
+        <p14:creationId xmlns:p14="http://schemas.microsoft.com/office/powerpoint/2010/main" val="731791040"/>
+      </p:ext>
+    </p:extLst>
+  </p:cSld>
+  <p:clrMapOvr>
+    <a:masterClrMapping/>
+  </p:clrMapOvr>
+  <p:timing>
+    <p:tnLst>
+      <p:par>
+        <p:cTn id="1" dur="indefinite" restart="never" nodeType="tmRoot"/>
+      </p:par>
+    </p:tnLst>
+  </p:timing>
 </p:sld>
 </file>
 
@@ -7503,11 +7926,7 @@
             </a:r>
             <a:r>
               <a:rPr lang="zh-CN" altLang="en-US" sz="1600" dirty="0"/>
-              <a:t>里</a:t>
-            </a:r>
-            <a:r>
-              <a:rPr lang="zh-CN" altLang="en-US" sz="1600" dirty="0"/>
-              <a:t>都有很多寄存器，多级</a:t>
+              <a:t>里都有很多寄存器，多级</a:t>
             </a:r>
             <a:r>
               <a:rPr lang="en-US" altLang="zh-CN" sz="1600" dirty="0"/>
@@ -7754,10 +8173,6 @@
             <a:r>
               <a:rPr lang="zh-CN" altLang="en-US" dirty="0"/>
               <a:t>内存系统的重排序</a:t>
-            </a:r>
-            <a:r>
-              <a:rPr lang="zh-CN" altLang="en-US" dirty="0"/>
-              <a:t/>
             </a:r>
             <a:br>
               <a:rPr lang="zh-CN" altLang="en-US" dirty="0"/>
@@ -7908,11 +8323,7 @@
             <a:pPr lvl="1"/>
             <a:r>
               <a:rPr lang="en-US" dirty="0"/>
-              <a:t>Every thread is defined to have a working </a:t>
-            </a:r>
-            <a:r>
-              <a:rPr lang="en-US" dirty="0"/>
-              <a:t>memory</a:t>
+              <a:t>Every thread is defined to have a working memory</a:t>
             </a:r>
             <a:r>
               <a:rPr lang="en-US" dirty="0" smtClean="0"/>

--- a/Document/Java Concurrency.pptx
+++ b/Document/Java Concurrency.pptx
@@ -5,7 +5,7 @@
     <p:sldMasterId id="2147483804" r:id="rId1"/>
   </p:sldMasterIdLst>
   <p:notesMasterIdLst>
-    <p:notesMasterId r:id="rId25"/>
+    <p:notesMasterId r:id="rId34"/>
   </p:notesMasterIdLst>
   <p:sldIdLst>
     <p:sldId id="256" r:id="rId2"/>
@@ -20,17 +20,26 @@
     <p:sldId id="272" r:id="rId11"/>
     <p:sldId id="273" r:id="rId12"/>
     <p:sldId id="278" r:id="rId13"/>
-    <p:sldId id="268" r:id="rId14"/>
-    <p:sldId id="277" r:id="rId15"/>
-    <p:sldId id="275" r:id="rId16"/>
-    <p:sldId id="276" r:id="rId17"/>
-    <p:sldId id="279" r:id="rId18"/>
+    <p:sldId id="293" r:id="rId14"/>
+    <p:sldId id="268" r:id="rId15"/>
+    <p:sldId id="277" r:id="rId16"/>
+    <p:sldId id="275" r:id="rId17"/>
+    <p:sldId id="276" r:id="rId18"/>
     <p:sldId id="280" r:id="rId19"/>
-    <p:sldId id="283" r:id="rId20"/>
-    <p:sldId id="281" r:id="rId21"/>
-    <p:sldId id="282" r:id="rId22"/>
-    <p:sldId id="258" r:id="rId23"/>
-    <p:sldId id="259" r:id="rId24"/>
+    <p:sldId id="281" r:id="rId20"/>
+    <p:sldId id="282" r:id="rId21"/>
+    <p:sldId id="284" r:id="rId22"/>
+    <p:sldId id="286" r:id="rId23"/>
+    <p:sldId id="258" r:id="rId24"/>
+    <p:sldId id="289" r:id="rId25"/>
+    <p:sldId id="288" r:id="rId26"/>
+    <p:sldId id="287" r:id="rId27"/>
+    <p:sldId id="259" r:id="rId28"/>
+    <p:sldId id="290" r:id="rId29"/>
+    <p:sldId id="291" r:id="rId30"/>
+    <p:sldId id="292" r:id="rId31"/>
+    <p:sldId id="295" r:id="rId32"/>
+    <p:sldId id="294" r:id="rId33"/>
   </p:sldIdLst>
   <p:sldSz cx="9144000" cy="6858000" type="screen4x3"/>
   <p:notesSz cx="6858000" cy="9144000"/>
@@ -129,6 +138,52 @@
       </a:defRPr>
     </a:lvl9pPr>
   </p:defaultTextStyle>
+  <p:extLst>
+    <p:ext uri="{521415D9-36F7-43E2-AB2F-B90AF26B5E84}">
+      <p14:sectionLst xmlns:p14="http://schemas.microsoft.com/office/powerpoint/2010/main">
+        <p14:section name="Default Section" id="{F24F18ED-79AF-4BC5-A366-530CEF8FBAB4}">
+          <p14:sldIdLst>
+            <p14:sldId id="256"/>
+            <p14:sldId id="257"/>
+            <p14:sldId id="266"/>
+            <p14:sldId id="269"/>
+            <p14:sldId id="261"/>
+            <p14:sldId id="262"/>
+            <p14:sldId id="270"/>
+            <p14:sldId id="271"/>
+            <p14:sldId id="265"/>
+            <p14:sldId id="272"/>
+            <p14:sldId id="273"/>
+            <p14:sldId id="278"/>
+            <p14:sldId id="293"/>
+            <p14:sldId id="268"/>
+            <p14:sldId id="277"/>
+            <p14:sldId id="275"/>
+            <p14:sldId id="276"/>
+            <p14:sldId id="280"/>
+            <p14:sldId id="281"/>
+            <p14:sldId id="282"/>
+            <p14:sldId id="284"/>
+            <p14:sldId id="286"/>
+            <p14:sldId id="258"/>
+            <p14:sldId id="289"/>
+            <p14:sldId id="288"/>
+            <p14:sldId id="287"/>
+            <p14:sldId id="259"/>
+            <p14:sldId id="290"/>
+          </p14:sldIdLst>
+        </p14:section>
+        <p14:section name="Untitled Section" id="{AA6C38AB-FCA3-48C2-9C80-A000C90D6010}">
+          <p14:sldIdLst>
+            <p14:sldId id="291"/>
+            <p14:sldId id="292"/>
+            <p14:sldId id="295"/>
+            <p14:sldId id="294"/>
+          </p14:sldIdLst>
+        </p14:section>
+      </p14:sectionLst>
+    </p:ext>
+  </p:extLst>
 </p:presentation>
 </file>
 
@@ -214,7 +269,7 @@
           <a:p>
             <a:fld id="{8D8AFEF8-1B2D-434C-A844-BA554DAF1F3A}" type="datetimeFigureOut">
               <a:rPr lang="en-US" smtClean="0"/>
-              <a:t>11/27/2014</a:t>
+              <a:t>12/1/2014</a:t>
             </a:fld>
             <a:endParaRPr lang="en-US"/>
           </a:p>
@@ -1650,7 +1705,7 @@
           <a:p>
             <a:fld id="{9B888411-AF22-4FA6-9E93-5551DC85630F}" type="slidenum">
               <a:rPr lang="en-US" smtClean="0"/>
-              <a:t>14</a:t>
+              <a:t>15</a:t>
             </a:fld>
             <a:endParaRPr lang="en-US"/>
           </a:p>
@@ -1734,7 +1789,7 @@
           <a:p>
             <a:fld id="{9B888411-AF22-4FA6-9E93-5551DC85630F}" type="slidenum">
               <a:rPr lang="en-US" smtClean="0"/>
-              <a:t>22</a:t>
+              <a:t>23</a:t>
             </a:fld>
             <a:endParaRPr lang="en-US"/>
           </a:p>
@@ -1744,6 +1799,576 @@
     <p:extLst>
       <p:ext uri="{BB962C8B-B14F-4D97-AF65-F5344CB8AC3E}">
         <p14:creationId xmlns:p14="http://schemas.microsoft.com/office/powerpoint/2010/main" val="1615325114"/>
+      </p:ext>
+    </p:extLst>
+  </p:cSld>
+  <p:clrMapOvr>
+    <a:masterClrMapping/>
+  </p:clrMapOvr>
+</p:notes>
+</file>
+
+<file path=ppt/notesSlides/notesSlide7.xml><?xml version="1.0" encoding="utf-8"?>
+<p:notes xmlns:a="http://schemas.openxmlformats.org/drawingml/2006/main" xmlns:r="http://schemas.openxmlformats.org/officeDocument/2006/relationships" xmlns:p="http://schemas.openxmlformats.org/presentationml/2006/main">
+  <p:cSld>
+    <p:spTree>
+      <p:nvGrpSpPr>
+        <p:cNvPr id="1" name=""/>
+        <p:cNvGrpSpPr/>
+        <p:nvPr/>
+      </p:nvGrpSpPr>
+      <p:grpSpPr>
+        <a:xfrm>
+          <a:off x="0" y="0"/>
+          <a:ext cx="0" cy="0"/>
+          <a:chOff x="0" y="0"/>
+          <a:chExt cx="0" cy="0"/>
+        </a:xfrm>
+      </p:grpSpPr>
+      <p:sp>
+        <p:nvSpPr>
+          <p:cNvPr id="2" name="Slide Image Placeholder 1"/>
+          <p:cNvSpPr>
+            <a:spLocks noGrp="1" noRot="1" noChangeAspect="1"/>
+          </p:cNvSpPr>
+          <p:nvPr>
+            <p:ph type="sldImg"/>
+          </p:nvPr>
+        </p:nvSpPr>
+        <p:spPr/>
+      </p:sp>
+      <p:sp>
+        <p:nvSpPr>
+          <p:cNvPr id="3" name="Notes Placeholder 2"/>
+          <p:cNvSpPr>
+            <a:spLocks noGrp="1"/>
+          </p:cNvSpPr>
+          <p:nvPr>
+            <p:ph type="body" idx="1"/>
+          </p:nvPr>
+        </p:nvSpPr>
+        <p:spPr/>
+        <p:txBody>
+          <a:bodyPr/>
+          <a:lstStyle/>
+          <a:p>
+            <a:r>
+              <a:rPr lang="en-US" altLang="zh-CN" sz="1200" b="1" i="0" kern="1200" dirty="0" err="1" smtClean="0">
+                <a:solidFill>
+                  <a:schemeClr val="tx1"/>
+                </a:solidFill>
+                <a:effectLst/>
+                <a:latin typeface="+mn-lt"/>
+                <a:ea typeface="+mn-ea"/>
+                <a:cs typeface="+mn-cs"/>
+              </a:rPr>
+              <a:t>newSingleThreadExecutor</a:t>
+            </a:r>
+            <a:r>
+              <a:rPr lang="zh-CN" altLang="en-US" sz="1200" b="0" i="0" kern="1200" dirty="0" smtClean="0">
+                <a:solidFill>
+                  <a:schemeClr val="tx1"/>
+                </a:solidFill>
+                <a:effectLst/>
+                <a:latin typeface="+mn-lt"/>
+                <a:ea typeface="+mn-ea"/>
+                <a:cs typeface="+mn-cs"/>
+              </a:rPr>
+              <a:t>：创建一个单线程的线程池。这个线程池只有一个线程在工作，也就是相当于单线程串行执行所有任务。如果这个唯一的线程因为异常结束，那么会有一个新的线程来替代它。此线程池保证所有任务的执行顺序按照任务的提交顺序执行。</a:t>
+            </a:r>
+          </a:p>
+          <a:p>
+            <a:r>
+              <a:rPr lang="en-US" altLang="zh-CN" sz="1200" b="1" i="0" kern="1200" dirty="0" err="1" smtClean="0">
+                <a:solidFill>
+                  <a:schemeClr val="tx1"/>
+                </a:solidFill>
+                <a:effectLst/>
+                <a:latin typeface="+mn-lt"/>
+                <a:ea typeface="+mn-ea"/>
+                <a:cs typeface="+mn-cs"/>
+              </a:rPr>
+              <a:t>newFixedThreadPool</a:t>
+            </a:r>
+            <a:r>
+              <a:rPr lang="zh-CN" altLang="en-US" sz="1200" b="0" i="0" kern="1200" dirty="0" smtClean="0">
+                <a:solidFill>
+                  <a:schemeClr val="tx1"/>
+                </a:solidFill>
+                <a:effectLst/>
+                <a:latin typeface="+mn-lt"/>
+                <a:ea typeface="+mn-ea"/>
+                <a:cs typeface="+mn-cs"/>
+              </a:rPr>
+              <a:t>：创建固定大小的线程池。每次提交一个任务就创建一个线程，直到线程达到线程池的最大大小。线程池的大小一旦达到最大值就会保持不变，如果某个线程因为执行异常而结束，那么线程池会补充一个新线程。</a:t>
+            </a:r>
+          </a:p>
+          <a:p>
+            <a:r>
+              <a:rPr lang="en-US" altLang="zh-CN" sz="1200" b="1" i="0" kern="1200" dirty="0" err="1" smtClean="0">
+                <a:solidFill>
+                  <a:schemeClr val="tx1"/>
+                </a:solidFill>
+                <a:effectLst/>
+                <a:latin typeface="+mn-lt"/>
+                <a:ea typeface="+mn-ea"/>
+                <a:cs typeface="+mn-cs"/>
+              </a:rPr>
+              <a:t>newCachedThreadPool</a:t>
+            </a:r>
+            <a:r>
+              <a:rPr lang="zh-CN" altLang="en-US" sz="1200" b="0" i="0" kern="1200" dirty="0" smtClean="0">
+                <a:solidFill>
+                  <a:schemeClr val="tx1"/>
+                </a:solidFill>
+                <a:effectLst/>
+                <a:latin typeface="+mn-lt"/>
+                <a:ea typeface="+mn-ea"/>
+                <a:cs typeface="+mn-cs"/>
+              </a:rPr>
+              <a:t>：创建一个可缓存的线程池。如果线程池的大小超过了处理任务所需要的线程，那么就会回收部分空闲（</a:t>
+            </a:r>
+            <a:r>
+              <a:rPr lang="en-US" altLang="zh-CN" sz="1200" b="0" i="0" kern="1200" dirty="0" smtClean="0">
+                <a:solidFill>
+                  <a:schemeClr val="tx1"/>
+                </a:solidFill>
+                <a:effectLst/>
+                <a:latin typeface="+mn-lt"/>
+                <a:ea typeface="+mn-ea"/>
+                <a:cs typeface="+mn-cs"/>
+              </a:rPr>
+              <a:t>60</a:t>
+            </a:r>
+            <a:r>
+              <a:rPr lang="zh-CN" altLang="en-US" sz="1200" b="0" i="0" kern="1200" dirty="0" smtClean="0">
+                <a:solidFill>
+                  <a:schemeClr val="tx1"/>
+                </a:solidFill>
+                <a:effectLst/>
+                <a:latin typeface="+mn-lt"/>
+                <a:ea typeface="+mn-ea"/>
+                <a:cs typeface="+mn-cs"/>
+              </a:rPr>
+              <a:t>秒不执行任务）的线程，当任务数增加时，此线程池又可以智能的添加新线程来处理任务。此线程池不会对线程池大小做限制，线程池大小完全依赖于操作系统（或者说</a:t>
+            </a:r>
+            <a:r>
+              <a:rPr lang="en-US" altLang="zh-CN" sz="1200" b="0" i="0" kern="1200" dirty="0" smtClean="0">
+                <a:solidFill>
+                  <a:schemeClr val="tx1"/>
+                </a:solidFill>
+                <a:effectLst/>
+                <a:latin typeface="+mn-lt"/>
+                <a:ea typeface="+mn-ea"/>
+                <a:cs typeface="+mn-cs"/>
+              </a:rPr>
+              <a:t>JVM</a:t>
+            </a:r>
+            <a:r>
+              <a:rPr lang="zh-CN" altLang="en-US" sz="1200" b="0" i="0" kern="1200" dirty="0" smtClean="0">
+                <a:solidFill>
+                  <a:schemeClr val="tx1"/>
+                </a:solidFill>
+                <a:effectLst/>
+                <a:latin typeface="+mn-lt"/>
+                <a:ea typeface="+mn-ea"/>
+                <a:cs typeface="+mn-cs"/>
+              </a:rPr>
+              <a:t>）能够创建的最大线程大小。</a:t>
+            </a:r>
+          </a:p>
+          <a:p>
+            <a:r>
+              <a:rPr lang="en-US" altLang="zh-CN" sz="1200" b="1" i="0" kern="1200" dirty="0" err="1" smtClean="0">
+                <a:solidFill>
+                  <a:schemeClr val="tx1"/>
+                </a:solidFill>
+                <a:effectLst/>
+                <a:latin typeface="+mn-lt"/>
+                <a:ea typeface="+mn-ea"/>
+                <a:cs typeface="+mn-cs"/>
+              </a:rPr>
+              <a:t>newScheduledThreadPool</a:t>
+            </a:r>
+            <a:r>
+              <a:rPr lang="zh-CN" altLang="en-US" sz="1200" b="0" i="0" kern="1200" dirty="0" smtClean="0">
+                <a:solidFill>
+                  <a:schemeClr val="tx1"/>
+                </a:solidFill>
+                <a:effectLst/>
+                <a:latin typeface="+mn-lt"/>
+                <a:ea typeface="+mn-ea"/>
+                <a:cs typeface="+mn-cs"/>
+              </a:rPr>
+              <a:t>：创建一个大小无限的线程池。此线程池支持定时以及周期性执行任务的需求。</a:t>
+            </a:r>
+          </a:p>
+          <a:p>
+            <a:r>
+              <a:rPr lang="en-US" altLang="zh-CN" sz="1200" b="1" i="0" kern="1200" dirty="0" err="1" smtClean="0">
+                <a:solidFill>
+                  <a:schemeClr val="tx1"/>
+                </a:solidFill>
+                <a:effectLst/>
+                <a:latin typeface="+mn-lt"/>
+                <a:ea typeface="+mn-ea"/>
+                <a:cs typeface="+mn-cs"/>
+              </a:rPr>
+              <a:t>newSingleThreadScheduledExecutor</a:t>
+            </a:r>
+            <a:r>
+              <a:rPr lang="zh-CN" altLang="en-US" sz="1200" b="0" i="0" kern="1200" dirty="0" smtClean="0">
+                <a:solidFill>
+                  <a:schemeClr val="tx1"/>
+                </a:solidFill>
+                <a:effectLst/>
+                <a:latin typeface="+mn-lt"/>
+                <a:ea typeface="+mn-ea"/>
+                <a:cs typeface="+mn-cs"/>
+              </a:rPr>
+              <a:t>：创建一个单线程的线程池。此线程池支持定时以及周期性执行任务的需求。</a:t>
+            </a:r>
+          </a:p>
+        </p:txBody>
+      </p:sp>
+      <p:sp>
+        <p:nvSpPr>
+          <p:cNvPr id="4" name="Slide Number Placeholder 3"/>
+          <p:cNvSpPr>
+            <a:spLocks noGrp="1"/>
+          </p:cNvSpPr>
+          <p:nvPr>
+            <p:ph type="sldNum" sz="quarter" idx="10"/>
+          </p:nvPr>
+        </p:nvSpPr>
+        <p:spPr/>
+        <p:txBody>
+          <a:bodyPr/>
+          <a:lstStyle/>
+          <a:p>
+            <a:fld id="{9B888411-AF22-4FA6-9E93-5551DC85630F}" type="slidenum">
+              <a:rPr lang="en-US" smtClean="0"/>
+              <a:t>26</a:t>
+            </a:fld>
+            <a:endParaRPr lang="en-US"/>
+          </a:p>
+        </p:txBody>
+      </p:sp>
+    </p:spTree>
+    <p:extLst>
+      <p:ext uri="{BB962C8B-B14F-4D97-AF65-F5344CB8AC3E}">
+        <p14:creationId xmlns:p14="http://schemas.microsoft.com/office/powerpoint/2010/main" val="2703317874"/>
+      </p:ext>
+    </p:extLst>
+  </p:cSld>
+  <p:clrMapOvr>
+    <a:masterClrMapping/>
+  </p:clrMapOvr>
+</p:notes>
+</file>
+
+<file path=ppt/notesSlides/notesSlide8.xml><?xml version="1.0" encoding="utf-8"?>
+<p:notes xmlns:a="http://schemas.openxmlformats.org/drawingml/2006/main" xmlns:r="http://schemas.openxmlformats.org/officeDocument/2006/relationships" xmlns:p="http://schemas.openxmlformats.org/presentationml/2006/main">
+  <p:cSld>
+    <p:spTree>
+      <p:nvGrpSpPr>
+        <p:cNvPr id="1" name=""/>
+        <p:cNvGrpSpPr/>
+        <p:nvPr/>
+      </p:nvGrpSpPr>
+      <p:grpSpPr>
+        <a:xfrm>
+          <a:off x="0" y="0"/>
+          <a:ext cx="0" cy="0"/>
+          <a:chOff x="0" y="0"/>
+          <a:chExt cx="0" cy="0"/>
+        </a:xfrm>
+      </p:grpSpPr>
+      <p:sp>
+        <p:nvSpPr>
+          <p:cNvPr id="2" name="Slide Image Placeholder 1"/>
+          <p:cNvSpPr>
+            <a:spLocks noGrp="1" noRot="1" noChangeAspect="1"/>
+          </p:cNvSpPr>
+          <p:nvPr>
+            <p:ph type="sldImg"/>
+          </p:nvPr>
+        </p:nvSpPr>
+        <p:spPr/>
+      </p:sp>
+      <p:sp>
+        <p:nvSpPr>
+          <p:cNvPr id="3" name="Notes Placeholder 2"/>
+          <p:cNvSpPr>
+            <a:spLocks noGrp="1"/>
+          </p:cNvSpPr>
+          <p:nvPr>
+            <p:ph type="body" idx="1"/>
+          </p:nvPr>
+        </p:nvSpPr>
+        <p:spPr/>
+        <p:txBody>
+          <a:bodyPr/>
+          <a:lstStyle/>
+          <a:p>
+            <a:pPr marL="0" marR="0" lvl="1" indent="0" algn="l" defTabSz="914400" rtl="0" eaLnBrk="1" fontAlgn="auto" latinLnBrk="0" hangingPunct="1">
+              <a:lnSpc>
+                <a:spcPct val="100000"/>
+              </a:lnSpc>
+              <a:spcBef>
+                <a:spcPts val="0"/>
+              </a:spcBef>
+              <a:spcAft>
+                <a:spcPts val="0"/>
+              </a:spcAft>
+              <a:buClrTx/>
+              <a:buSzTx/>
+              <a:buFontTx/>
+              <a:buNone/>
+              <a:tabLst/>
+              <a:defRPr/>
+            </a:pPr>
+            <a:r>
+              <a:rPr lang="en-US" dirty="0" smtClean="0"/>
+              <a:t>Refer</a:t>
+            </a:r>
+            <a:r>
+              <a:rPr lang="en-US" baseline="0" dirty="0" smtClean="0"/>
+              <a:t> tor </a:t>
+            </a:r>
+            <a:r>
+              <a:rPr lang="en-US" b="1" dirty="0" smtClean="0">
+                <a:hlinkClick r:id="rId3"/>
+              </a:rPr>
+              <a:t>http://dongxuan.iteye.com/blog/902571</a:t>
+            </a:r>
+            <a:endParaRPr lang="en-US" b="1" dirty="0" smtClean="0"/>
+          </a:p>
+          <a:p>
+            <a:r>
+              <a:rPr lang="en-US" sz="1200" b="1" i="0" kern="1200" dirty="0" err="1" smtClean="0">
+                <a:solidFill>
+                  <a:schemeClr val="tx1"/>
+                </a:solidFill>
+                <a:effectLst/>
+                <a:latin typeface="+mn-lt"/>
+                <a:ea typeface="+mn-ea"/>
+                <a:cs typeface="+mn-cs"/>
+              </a:rPr>
+              <a:t>AbortPolicy</a:t>
+            </a:r>
+            <a:r>
+              <a:rPr lang="en-US" sz="1200" b="1" i="0" kern="1200" dirty="0" smtClean="0">
+                <a:solidFill>
+                  <a:schemeClr val="tx1"/>
+                </a:solidFill>
+                <a:effectLst/>
+                <a:latin typeface="+mn-lt"/>
+                <a:ea typeface="+mn-ea"/>
+                <a:cs typeface="+mn-cs"/>
+              </a:rPr>
+              <a:t>：</a:t>
+            </a:r>
+            <a:r>
+              <a:rPr lang="zh-CN" altLang="en-US" sz="1200" b="0" i="0" kern="1200" dirty="0" smtClean="0">
+                <a:solidFill>
+                  <a:schemeClr val="tx1"/>
+                </a:solidFill>
+                <a:effectLst/>
+                <a:latin typeface="+mn-lt"/>
+                <a:ea typeface="+mn-ea"/>
+                <a:cs typeface="+mn-cs"/>
+              </a:rPr>
+              <a:t>处理程序遭到拒绝将抛出运行时 </a:t>
+            </a:r>
+            <a:r>
+              <a:rPr lang="en-US" sz="1200" kern="1200" dirty="0" err="1" smtClean="0">
+                <a:solidFill>
+                  <a:schemeClr val="tx1"/>
+                </a:solidFill>
+                <a:effectLst/>
+                <a:latin typeface="+mn-lt"/>
+                <a:ea typeface="+mn-ea"/>
+                <a:cs typeface="+mn-cs"/>
+              </a:rPr>
+              <a:t>RejectedExecutionException</a:t>
+            </a:r>
+            <a:endParaRPr lang="en-US" sz="1200" kern="1200" dirty="0" smtClean="0">
+              <a:solidFill>
+                <a:schemeClr val="tx1"/>
+              </a:solidFill>
+              <a:effectLst/>
+              <a:latin typeface="+mn-lt"/>
+              <a:ea typeface="+mn-ea"/>
+              <a:cs typeface="+mn-cs"/>
+            </a:endParaRPr>
+          </a:p>
+          <a:p>
+            <a:r>
+              <a:rPr lang="en-US" sz="1200" b="1" i="0" kern="1200" dirty="0" err="1" smtClean="0">
+                <a:solidFill>
+                  <a:schemeClr val="tx1"/>
+                </a:solidFill>
+                <a:effectLst/>
+                <a:latin typeface="+mn-lt"/>
+                <a:ea typeface="+mn-ea"/>
+                <a:cs typeface="+mn-cs"/>
+              </a:rPr>
+              <a:t>DiscardPolicy</a:t>
+            </a:r>
+            <a:r>
+              <a:rPr lang="en-US" sz="1200" b="1" i="0" kern="1200" dirty="0" smtClean="0">
+                <a:solidFill>
+                  <a:schemeClr val="tx1"/>
+                </a:solidFill>
+                <a:effectLst/>
+                <a:latin typeface="+mn-lt"/>
+                <a:ea typeface="+mn-ea"/>
+                <a:cs typeface="+mn-cs"/>
+              </a:rPr>
+              <a:t>：</a:t>
+            </a:r>
+            <a:r>
+              <a:rPr lang="zh-CN" altLang="en-US" sz="1200" b="0" i="0" kern="1200" dirty="0" smtClean="0">
+                <a:solidFill>
+                  <a:schemeClr val="tx1"/>
+                </a:solidFill>
+                <a:effectLst/>
+                <a:latin typeface="+mn-lt"/>
+                <a:ea typeface="+mn-ea"/>
+                <a:cs typeface="+mn-cs"/>
+              </a:rPr>
+              <a:t>不能执行的任务将被删除</a:t>
+            </a:r>
+            <a:endParaRPr lang="en-US" altLang="zh-CN" sz="1200" b="0" i="0" kern="1200" dirty="0" smtClean="0">
+              <a:solidFill>
+                <a:schemeClr val="tx1"/>
+              </a:solidFill>
+              <a:effectLst/>
+              <a:latin typeface="+mn-lt"/>
+              <a:ea typeface="+mn-ea"/>
+              <a:cs typeface="+mn-cs"/>
+            </a:endParaRPr>
+          </a:p>
+          <a:p>
+            <a:r>
+              <a:rPr lang="en-US" altLang="zh-CN" sz="1200" b="1" i="0" kern="1200" dirty="0" err="1" smtClean="0">
+                <a:solidFill>
+                  <a:schemeClr val="tx1"/>
+                </a:solidFill>
+                <a:effectLst/>
+                <a:latin typeface="+mn-lt"/>
+                <a:ea typeface="+mn-ea"/>
+                <a:cs typeface="+mn-cs"/>
+              </a:rPr>
+              <a:t>DiscardOldestPolicy</a:t>
+            </a:r>
+            <a:r>
+              <a:rPr lang="zh-CN" altLang="en-US" sz="1200" b="1" i="0" kern="1200" dirty="0" smtClean="0">
+                <a:solidFill>
+                  <a:schemeClr val="tx1"/>
+                </a:solidFill>
+                <a:effectLst/>
+                <a:latin typeface="+mn-lt"/>
+                <a:ea typeface="+mn-ea"/>
+                <a:cs typeface="+mn-cs"/>
+              </a:rPr>
+              <a:t>：</a:t>
+            </a:r>
+            <a:r>
+              <a:rPr lang="zh-CN" altLang="en-US" sz="1200" b="0" i="0" kern="1200" dirty="0" smtClean="0">
+                <a:solidFill>
+                  <a:schemeClr val="tx1"/>
+                </a:solidFill>
+                <a:effectLst/>
+                <a:latin typeface="+mn-lt"/>
+                <a:ea typeface="+mn-ea"/>
+                <a:cs typeface="+mn-cs"/>
+              </a:rPr>
+              <a:t>如果执行程序尚未关闭，则位于工作队列头部的任务将被删除，然后重试执行程序（如果再次失败，则重复此过程）</a:t>
+            </a:r>
+            <a:endParaRPr lang="en-US" altLang="zh-CN" sz="1200" b="0" i="0" kern="1200" dirty="0" smtClean="0">
+              <a:solidFill>
+                <a:schemeClr val="tx1"/>
+              </a:solidFill>
+              <a:effectLst/>
+              <a:latin typeface="+mn-lt"/>
+              <a:ea typeface="+mn-ea"/>
+              <a:cs typeface="+mn-cs"/>
+            </a:endParaRPr>
+          </a:p>
+          <a:p>
+            <a:r>
+              <a:rPr lang="en-US" altLang="zh-CN" sz="1200" b="1" i="0" kern="1200" dirty="0" err="1" smtClean="0">
+                <a:solidFill>
+                  <a:schemeClr val="tx1"/>
+                </a:solidFill>
+                <a:effectLst/>
+                <a:latin typeface="+mn-lt"/>
+                <a:ea typeface="+mn-ea"/>
+                <a:cs typeface="+mn-cs"/>
+              </a:rPr>
+              <a:t>CallerRunsPolicy</a:t>
+            </a:r>
+            <a:r>
+              <a:rPr lang="zh-CN" altLang="en-US" sz="1200" b="0" i="0" kern="1200" dirty="0" smtClean="0">
+                <a:solidFill>
+                  <a:schemeClr val="tx1"/>
+                </a:solidFill>
+                <a:effectLst/>
+                <a:latin typeface="+mn-lt"/>
+                <a:ea typeface="+mn-ea"/>
+                <a:cs typeface="+mn-cs"/>
+              </a:rPr>
+              <a:t>：线程调用运行该任务的 </a:t>
+            </a:r>
+            <a:r>
+              <a:rPr lang="en-US" altLang="zh-CN" dirty="0" smtClean="0"/>
+              <a:t>execute</a:t>
+            </a:r>
+            <a:r>
+              <a:rPr lang="zh-CN" altLang="en-US" sz="1200" b="0" i="0" kern="1200" dirty="0" smtClean="0">
+                <a:solidFill>
+                  <a:schemeClr val="tx1"/>
+                </a:solidFill>
+                <a:effectLst/>
+                <a:latin typeface="+mn-lt"/>
+                <a:ea typeface="+mn-ea"/>
+                <a:cs typeface="+mn-cs"/>
+              </a:rPr>
+              <a:t> 本身。此策略提供简单的反馈控制机制，能够减缓新任务的提交速度。</a:t>
+            </a:r>
+            <a:endParaRPr lang="en-US" dirty="0"/>
+          </a:p>
+        </p:txBody>
+      </p:sp>
+      <p:sp>
+        <p:nvSpPr>
+          <p:cNvPr id="4" name="Slide Number Placeholder 3"/>
+          <p:cNvSpPr>
+            <a:spLocks noGrp="1"/>
+          </p:cNvSpPr>
+          <p:nvPr>
+            <p:ph type="sldNum" sz="quarter" idx="10"/>
+          </p:nvPr>
+        </p:nvSpPr>
+        <p:spPr/>
+        <p:txBody>
+          <a:bodyPr/>
+          <a:lstStyle/>
+          <a:p>
+            <a:fld id="{9B888411-AF22-4FA6-9E93-5551DC85630F}" type="slidenum">
+              <a:rPr lang="en-US" smtClean="0"/>
+              <a:t>27</a:t>
+            </a:fld>
+            <a:endParaRPr lang="en-US"/>
+          </a:p>
+        </p:txBody>
+      </p:sp>
+    </p:spTree>
+    <p:extLst>
+      <p:ext uri="{BB962C8B-B14F-4D97-AF65-F5344CB8AC3E}">
+        <p14:creationId xmlns:p14="http://schemas.microsoft.com/office/powerpoint/2010/main" val="981082247"/>
       </p:ext>
     </p:extLst>
   </p:cSld>
@@ -1948,7 +2573,7 @@
             <a:fld id="{1D8BD707-D9CF-40AE-B4C6-C98DA3205C09}" type="datetimeFigureOut">
               <a:rPr lang="en-US" smtClean="0"/>
               <a:pPr/>
-              <a:t>11/27/2014</a:t>
+              <a:t>12/1/2014</a:t>
             </a:fld>
             <a:endParaRPr lang="en-US"/>
           </a:p>
@@ -2303,7 +2928,7 @@
             <a:fld id="{1D8BD707-D9CF-40AE-B4C6-C98DA3205C09}" type="datetimeFigureOut">
               <a:rPr lang="en-US" smtClean="0"/>
               <a:pPr/>
-              <a:t>11/27/2014</a:t>
+              <a:t>12/1/2014</a:t>
             </a:fld>
             <a:endParaRPr lang="en-US"/>
           </a:p>
@@ -2480,7 +3105,7 @@
             <a:fld id="{1D8BD707-D9CF-40AE-B4C6-C98DA3205C09}" type="datetimeFigureOut">
               <a:rPr lang="en-US" smtClean="0"/>
               <a:pPr/>
-              <a:t>11/27/2014</a:t>
+              <a:t>12/1/2014</a:t>
             </a:fld>
             <a:endParaRPr lang="en-US"/>
           </a:p>
@@ -2595,7 +3220,7 @@
             <a:fld id="{1D8BD707-D9CF-40AE-B4C6-C98DA3205C09}" type="datetimeFigureOut">
               <a:rPr lang="en-US" smtClean="0"/>
               <a:pPr/>
-              <a:t>11/27/2014</a:t>
+              <a:t>12/1/2014</a:t>
             </a:fld>
             <a:endParaRPr lang="en-US"/>
           </a:p>
@@ -2955,7 +3580,7 @@
             <a:fld id="{1D8BD707-D9CF-40AE-B4C6-C98DA3205C09}" type="datetimeFigureOut">
               <a:rPr lang="en-US" smtClean="0"/>
               <a:pPr/>
-              <a:t>11/27/2014</a:t>
+              <a:t>12/1/2014</a:t>
             </a:fld>
             <a:endParaRPr lang="en-US"/>
           </a:p>
@@ -3222,7 +3847,7 @@
             <a:fld id="{1D8BD707-D9CF-40AE-B4C6-C98DA3205C09}" type="datetimeFigureOut">
               <a:rPr lang="en-US" smtClean="0"/>
               <a:pPr/>
-              <a:t>11/27/2014</a:t>
+              <a:t>12/1/2014</a:t>
             </a:fld>
             <a:endParaRPr lang="en-US"/>
           </a:p>
@@ -3586,7 +4211,7 @@
             <a:fld id="{1D8BD707-D9CF-40AE-B4C6-C98DA3205C09}" type="datetimeFigureOut">
               <a:rPr lang="en-US" smtClean="0"/>
               <a:pPr/>
-              <a:t>11/27/2014</a:t>
+              <a:t>12/1/2014</a:t>
             </a:fld>
             <a:endParaRPr lang="en-US"/>
           </a:p>
@@ -3815,7 +4440,7 @@
             <a:fld id="{1D8BD707-D9CF-40AE-B4C6-C98DA3205C09}" type="datetimeFigureOut">
               <a:rPr lang="en-US" smtClean="0"/>
               <a:pPr/>
-              <a:t>11/27/2014</a:t>
+              <a:t>12/1/2014</a:t>
             </a:fld>
             <a:endParaRPr lang="en-US"/>
           </a:p>
@@ -3907,7 +4532,7 @@
             <a:fld id="{1D8BD707-D9CF-40AE-B4C6-C98DA3205C09}" type="datetimeFigureOut">
               <a:rPr lang="en-US" smtClean="0"/>
               <a:pPr/>
-              <a:t>11/27/2014</a:t>
+              <a:t>12/1/2014</a:t>
             </a:fld>
             <a:endParaRPr lang="en-US"/>
           </a:p>
@@ -4176,7 +4801,7 @@
             <a:fld id="{1D8BD707-D9CF-40AE-B4C6-C98DA3205C09}" type="datetimeFigureOut">
               <a:rPr lang="en-US" smtClean="0"/>
               <a:pPr/>
-              <a:t>11/27/2014</a:t>
+              <a:t>12/1/2014</a:t>
             </a:fld>
             <a:endParaRPr lang="en-US"/>
           </a:p>
@@ -4406,7 +5031,7 @@
             <a:fld id="{1D8BD707-D9CF-40AE-B4C6-C98DA3205C09}" type="datetimeFigureOut">
               <a:rPr lang="en-US" smtClean="0"/>
               <a:pPr/>
-              <a:t>11/27/2014</a:t>
+              <a:t>12/1/2014</a:t>
             </a:fld>
             <a:endParaRPr lang="en-US"/>
           </a:p>
@@ -4907,7 +5532,7 @@
             <a:fld id="{1D8BD707-D9CF-40AE-B4C6-C98DA3205C09}" type="datetimeFigureOut">
               <a:rPr lang="en-US" smtClean="0"/>
               <a:pPr/>
-              <a:t>11/27/2014</a:t>
+              <a:t>12/1/2014</a:t>
             </a:fld>
             <a:endParaRPr lang="en-US"/>
           </a:p>
@@ -5369,7 +5994,7 @@
                   </a:schemeClr>
                 </a:solidFill>
               </a:rPr>
-              <a:t>2014.11</a:t>
+              <a:t>2014.12</a:t>
             </a:r>
             <a:endParaRPr lang="en-US" dirty="0">
               <a:solidFill>
@@ -5529,6 +6154,30 @@
               <a:rPr lang="en-US" altLang="zh-CN" dirty="0" smtClean="0"/>
               <a:t>Swap</a:t>
             </a:r>
+          </a:p>
+          <a:p>
+            <a:endParaRPr lang="en-US" dirty="0"/>
+          </a:p>
+          <a:p>
+            <a:r>
+              <a:rPr lang="en-US" altLang="zh-CN" dirty="0" smtClean="0"/>
+              <a:t>ABA</a:t>
+            </a:r>
+            <a:r>
+              <a:rPr lang="zh-CN" altLang="en-US" dirty="0" smtClean="0"/>
+              <a:t> </a:t>
+            </a:r>
+            <a:r>
+              <a:rPr lang="en-US" altLang="zh-CN" dirty="0" smtClean="0"/>
+              <a:t>problem</a:t>
+            </a:r>
+          </a:p>
+          <a:p>
+            <a:pPr lvl="1"/>
+            <a:r>
+              <a:rPr lang="en-US" dirty="0" smtClean="0"/>
+              <a:t>Add mod count</a:t>
+            </a:r>
             <a:endParaRPr lang="en-US" dirty="0"/>
           </a:p>
         </p:txBody>
@@ -5543,6 +6192,13 @@
   <p:clrMapOvr>
     <a:masterClrMapping/>
   </p:clrMapOvr>
+  <p:timing>
+    <p:tnLst>
+      <p:par>
+        <p:cTn id="1" dur="indefinite" restart="never" nodeType="tmRoot"/>
+      </p:par>
+    </p:tnLst>
+  </p:timing>
 </p:sld>
 </file>
 
@@ -5672,6 +6328,13 @@
   <p:clrMapOvr>
     <a:masterClrMapping/>
   </p:clrMapOvr>
+  <p:timing>
+    <p:tnLst>
+      <p:par>
+        <p:cTn id="1" dur="indefinite" restart="never" nodeType="tmRoot"/>
+      </p:par>
+    </p:tnLst>
+  </p:timing>
 </p:sld>
 </file>
 
@@ -5738,7 +6401,7 @@
         </p:blipFill>
         <p:spPr bwMode="auto">
           <a:xfrm>
-            <a:off x="1609725" y="2076450"/>
+            <a:off x="1609725" y="2609850"/>
             <a:ext cx="4943475" cy="1885950"/>
           </a:xfrm>
           <a:prstGeom prst="rect">
@@ -5756,6 +6419,36 @@
           </a:extLst>
         </p:spPr>
       </p:pic>
+      <p:sp>
+        <p:nvSpPr>
+          <p:cNvPr id="4" name="Content Placeholder 2"/>
+          <p:cNvSpPr>
+            <a:spLocks noGrp="1"/>
+          </p:cNvSpPr>
+          <p:nvPr>
+            <p:ph sz="quarter" idx="1"/>
+          </p:nvPr>
+        </p:nvSpPr>
+        <p:spPr>
+          <a:xfrm>
+            <a:off x="1577905" y="1571625"/>
+            <a:ext cx="6705600" cy="3962400"/>
+          </a:xfrm>
+        </p:spPr>
+        <p:txBody>
+          <a:bodyPr/>
+          <a:lstStyle/>
+          <a:p>
+            <a:r>
+              <a:rPr lang="en-US" dirty="0" smtClean="0"/>
+              <a:t>Node</a:t>
+            </a:r>
+          </a:p>
+          <a:p>
+            <a:endParaRPr lang="en-US" dirty="0"/>
+          </a:p>
+        </p:txBody>
+      </p:sp>
     </p:spTree>
     <p:extLst>
       <p:ext uri="{BB962C8B-B14F-4D97-AF65-F5344CB8AC3E}">
@@ -5770,6 +6463,263 @@
 </file>
 
 <file path=ppt/slides/slide13.xml><?xml version="1.0" encoding="utf-8"?>
+<p:sld xmlns:a="http://schemas.openxmlformats.org/drawingml/2006/main" xmlns:r="http://schemas.openxmlformats.org/officeDocument/2006/relationships" xmlns:p="http://schemas.openxmlformats.org/presentationml/2006/main">
+  <p:cSld>
+    <p:spTree>
+      <p:nvGrpSpPr>
+        <p:cNvPr id="1" name=""/>
+        <p:cNvGrpSpPr/>
+        <p:nvPr/>
+      </p:nvGrpSpPr>
+      <p:grpSpPr>
+        <a:xfrm>
+          <a:off x="0" y="0"/>
+          <a:ext cx="0" cy="0"/>
+          <a:chOff x="0" y="0"/>
+          <a:chExt cx="0" cy="0"/>
+        </a:xfrm>
+      </p:grpSpPr>
+      <p:sp>
+        <p:nvSpPr>
+          <p:cNvPr id="3" name="Content Placeholder 2"/>
+          <p:cNvSpPr>
+            <a:spLocks noGrp="1"/>
+          </p:cNvSpPr>
+          <p:nvPr>
+            <p:ph sz="quarter" idx="1"/>
+          </p:nvPr>
+        </p:nvSpPr>
+        <p:spPr>
+          <a:xfrm>
+            <a:off x="609600" y="914400"/>
+            <a:ext cx="7772400" cy="4572000"/>
+          </a:xfrm>
+        </p:spPr>
+        <p:txBody>
+          <a:bodyPr>
+            <a:normAutofit fontScale="85000" lnSpcReduction="20000"/>
+          </a:bodyPr>
+          <a:lstStyle/>
+          <a:p>
+            <a:r>
+              <a:rPr lang="en-US" altLang="zh-CN" b="1" i="1" dirty="0"/>
+              <a:t>volatile </a:t>
+            </a:r>
+            <a:r>
+              <a:rPr lang="en-US" altLang="zh-CN" b="1" i="1" dirty="0" err="1"/>
+              <a:t>int</a:t>
+            </a:r>
+            <a:r>
+              <a:rPr lang="en-US" altLang="zh-CN" b="1" i="1" dirty="0"/>
+              <a:t> </a:t>
+            </a:r>
+            <a:r>
+              <a:rPr lang="en-US" altLang="zh-CN" b="1" i="1" dirty="0" err="1"/>
+              <a:t>waitStatus</a:t>
+            </a:r>
+            <a:r>
+              <a:rPr lang="en-US" altLang="zh-CN" b="1" i="1" dirty="0"/>
+              <a:t>;</a:t>
+            </a:r>
+            <a:r>
+              <a:rPr lang="zh-CN" altLang="en-US" i="1" dirty="0"/>
+              <a:t> </a:t>
+            </a:r>
+            <a:endParaRPr lang="en-US" altLang="zh-CN" i="1" dirty="0" smtClean="0"/>
+          </a:p>
+          <a:p>
+            <a:r>
+              <a:rPr lang="zh-CN" altLang="en-US" i="1" dirty="0" smtClean="0"/>
+              <a:t>节</a:t>
+            </a:r>
+            <a:r>
+              <a:rPr lang="zh-CN" altLang="en-US" i="1" dirty="0"/>
+              <a:t>点的等待状态，一个节点可能位于以下几种状态：</a:t>
+            </a:r>
+          </a:p>
+          <a:p>
+            <a:pPr lvl="1"/>
+            <a:r>
+              <a:rPr lang="en-US" altLang="zh-CN" i="1" dirty="0"/>
+              <a:t>CANCELLED = 1</a:t>
+            </a:r>
+            <a:r>
+              <a:rPr lang="zh-CN" altLang="en-US" i="1" dirty="0"/>
+              <a:t>： 节点操作因为超时或者对应的线程被</a:t>
+            </a:r>
+            <a:r>
+              <a:rPr lang="en-US" altLang="zh-CN" i="1" dirty="0"/>
+              <a:t>interrupt</a:t>
+            </a:r>
+            <a:r>
+              <a:rPr lang="zh-CN" altLang="en-US" i="1" dirty="0"/>
+              <a:t>。节点不应该留在此状态，一旦达到此状态将从</a:t>
+            </a:r>
+            <a:r>
+              <a:rPr lang="en-US" altLang="zh-CN" i="1" dirty="0"/>
+              <a:t>CHL</a:t>
+            </a:r>
+            <a:r>
+              <a:rPr lang="zh-CN" altLang="en-US" i="1" dirty="0"/>
+              <a:t>队列中踢出。</a:t>
+            </a:r>
+          </a:p>
+          <a:p>
+            <a:pPr lvl="1"/>
+            <a:r>
+              <a:rPr lang="en-US" altLang="zh-CN" i="1" dirty="0"/>
+              <a:t>SIGNAL = -1</a:t>
+            </a:r>
+            <a:r>
+              <a:rPr lang="zh-CN" altLang="en-US" i="1" dirty="0"/>
+              <a:t>： 节点的继任节点是（或者将要成为）</a:t>
+            </a:r>
+            <a:r>
+              <a:rPr lang="en-US" altLang="zh-CN" i="1" dirty="0"/>
+              <a:t>BLOCKED</a:t>
+            </a:r>
+            <a:r>
+              <a:rPr lang="zh-CN" altLang="en-US" i="1" dirty="0"/>
+              <a:t>状态（例如通过</a:t>
+            </a:r>
+            <a:r>
+              <a:rPr lang="en-US" altLang="zh-CN" i="1" dirty="0" err="1"/>
+              <a:t>LockSupport.park</a:t>
+            </a:r>
+            <a:r>
+              <a:rPr lang="en-US" altLang="zh-CN" i="1" dirty="0"/>
+              <a:t>()</a:t>
+            </a:r>
+            <a:r>
+              <a:rPr lang="zh-CN" altLang="en-US" i="1" dirty="0"/>
+              <a:t>操作），因此一个节点一旦被释放（解锁）或者取消就需要唤醒（</a:t>
+            </a:r>
+            <a:r>
+              <a:rPr lang="en-US" altLang="zh-CN" i="1" dirty="0" err="1"/>
+              <a:t>LockSupport.unpack</a:t>
+            </a:r>
+            <a:r>
+              <a:rPr lang="en-US" altLang="zh-CN" i="1" dirty="0"/>
+              <a:t>()</a:t>
+            </a:r>
+            <a:r>
+              <a:rPr lang="zh-CN" altLang="en-US" i="1" dirty="0"/>
+              <a:t>）它的继任节点。</a:t>
+            </a:r>
+          </a:p>
+          <a:p>
+            <a:pPr lvl="1"/>
+            <a:r>
+              <a:rPr lang="en-US" altLang="zh-CN" i="1" dirty="0"/>
+              <a:t>CONDITION = -2</a:t>
+            </a:r>
+            <a:r>
+              <a:rPr lang="zh-CN" altLang="en-US" i="1" dirty="0"/>
+              <a:t>：表明节点对应的线程因为不满足一个条件（</a:t>
+            </a:r>
+            <a:r>
+              <a:rPr lang="en-US" altLang="zh-CN" i="1" dirty="0"/>
+              <a:t>Condition</a:t>
+            </a:r>
+            <a:r>
+              <a:rPr lang="zh-CN" altLang="en-US" i="1" dirty="0"/>
+              <a:t>）而被阻塞。</a:t>
+            </a:r>
+          </a:p>
+          <a:p>
+            <a:pPr lvl="1"/>
+            <a:r>
+              <a:rPr lang="en-US" altLang="zh-CN" i="1" dirty="0"/>
+              <a:t>0</a:t>
+            </a:r>
+            <a:r>
+              <a:rPr lang="zh-CN" altLang="en-US" i="1" dirty="0"/>
+              <a:t>： 正常状态，新生的非</a:t>
+            </a:r>
+            <a:r>
+              <a:rPr lang="en-US" altLang="zh-CN" i="1" dirty="0"/>
+              <a:t>CONDITION</a:t>
+            </a:r>
+            <a:r>
+              <a:rPr lang="zh-CN" altLang="en-US" i="1" dirty="0"/>
+              <a:t>节点都是此状态。</a:t>
+            </a:r>
+          </a:p>
+          <a:p>
+            <a:pPr lvl="1"/>
+            <a:r>
+              <a:rPr lang="zh-CN" altLang="en-US" i="1" dirty="0"/>
+              <a:t>非负值标识节点不需要被通知（唤醒）。</a:t>
+            </a:r>
+          </a:p>
+          <a:p>
+            <a:endParaRPr lang="en-US" dirty="0" smtClean="0"/>
+          </a:p>
+          <a:p>
+            <a:r>
+              <a:rPr lang="en-US" dirty="0" smtClean="0"/>
+              <a:t>void </a:t>
+            </a:r>
+            <a:r>
+              <a:rPr lang="en-US" dirty="0"/>
+              <a:t>acquire(</a:t>
+            </a:r>
+            <a:r>
+              <a:rPr lang="en-US" dirty="0" err="1"/>
+              <a:t>int</a:t>
+            </a:r>
+            <a:r>
+              <a:rPr lang="en-US" dirty="0"/>
+              <a:t> </a:t>
+            </a:r>
+            <a:r>
+              <a:rPr lang="en-US" dirty="0" err="1"/>
+              <a:t>arg</a:t>
+            </a:r>
+            <a:r>
+              <a:rPr lang="en-US" dirty="0" smtClean="0"/>
+              <a:t>);</a:t>
+            </a:r>
+          </a:p>
+          <a:p>
+            <a:r>
+              <a:rPr lang="en-US" dirty="0" smtClean="0"/>
+              <a:t>Void release(</a:t>
+            </a:r>
+            <a:r>
+              <a:rPr lang="en-US" dirty="0" err="1" smtClean="0"/>
+              <a:t>int</a:t>
+            </a:r>
+            <a:r>
+              <a:rPr lang="en-US" dirty="0" smtClean="0"/>
+              <a:t> </a:t>
+            </a:r>
+            <a:r>
+              <a:rPr lang="en-US" dirty="0" err="1" smtClean="0"/>
+              <a:t>arg</a:t>
+            </a:r>
+            <a:r>
+              <a:rPr lang="en-US" dirty="0" smtClean="0"/>
+              <a:t>);</a:t>
+            </a:r>
+            <a:endParaRPr lang="en-US" dirty="0"/>
+          </a:p>
+        </p:txBody>
+      </p:sp>
+    </p:spTree>
+    <p:extLst>
+      <p:ext uri="{BB962C8B-B14F-4D97-AF65-F5344CB8AC3E}">
+        <p14:creationId xmlns:p14="http://schemas.microsoft.com/office/powerpoint/2010/main" val="189151626"/>
+      </p:ext>
+    </p:extLst>
+  </p:cSld>
+  <p:clrMapOvr>
+    <a:masterClrMapping/>
+  </p:clrMapOvr>
+</p:sld>
+</file>
+
+<file path=ppt/slides/slide14.xml><?xml version="1.0" encoding="utf-8"?>
 <p:sld xmlns:a="http://schemas.openxmlformats.org/drawingml/2006/main" xmlns:r="http://schemas.openxmlformats.org/officeDocument/2006/relationships" xmlns:p="http://schemas.openxmlformats.org/presentationml/2006/main">
   <p:cSld>
     <p:spTree>
@@ -5893,329 +6843,6 @@
 </p:sld>
 </file>
 
-<file path=ppt/slides/slide14.xml><?xml version="1.0" encoding="utf-8"?>
-<p:sld xmlns:a="http://schemas.openxmlformats.org/drawingml/2006/main" xmlns:r="http://schemas.openxmlformats.org/officeDocument/2006/relationships" xmlns:p="http://schemas.openxmlformats.org/presentationml/2006/main">
-  <p:cSld>
-    <p:spTree>
-      <p:nvGrpSpPr>
-        <p:cNvPr id="1" name=""/>
-        <p:cNvGrpSpPr/>
-        <p:nvPr/>
-      </p:nvGrpSpPr>
-      <p:grpSpPr>
-        <a:xfrm>
-          <a:off x="0" y="0"/>
-          <a:ext cx="0" cy="0"/>
-          <a:chOff x="0" y="0"/>
-          <a:chExt cx="0" cy="0"/>
-        </a:xfrm>
-      </p:grpSpPr>
-      <p:sp>
-        <p:nvSpPr>
-          <p:cNvPr id="2" name="Title 1"/>
-          <p:cNvSpPr>
-            <a:spLocks noGrp="1"/>
-          </p:cNvSpPr>
-          <p:nvPr>
-            <p:ph type="title"/>
-          </p:nvPr>
-        </p:nvSpPr>
-        <p:spPr/>
-        <p:txBody>
-          <a:bodyPr>
-            <a:normAutofit/>
-          </a:bodyPr>
-          <a:lstStyle/>
-          <a:p>
-            <a:r>
-              <a:rPr lang="en-US" altLang="zh-CN" dirty="0" smtClean="0"/>
-              <a:t>Atomic</a:t>
-            </a:r>
-            <a:endParaRPr lang="en-US" dirty="0"/>
-          </a:p>
-        </p:txBody>
-      </p:sp>
-      <p:sp>
-        <p:nvSpPr>
-          <p:cNvPr id="3" name="Content Placeholder 2"/>
-          <p:cNvSpPr>
-            <a:spLocks noGrp="1"/>
-          </p:cNvSpPr>
-          <p:nvPr>
-            <p:ph sz="quarter" idx="1"/>
-          </p:nvPr>
-        </p:nvSpPr>
-        <p:spPr/>
-        <p:txBody>
-          <a:bodyPr>
-            <a:normAutofit/>
-          </a:bodyPr>
-          <a:lstStyle/>
-          <a:p>
-            <a:r>
-              <a:rPr lang="zh-CN" altLang="en-US" dirty="0"/>
-              <a:t>以下以</a:t>
-            </a:r>
-            <a:r>
-              <a:rPr lang="en-US" dirty="0" err="1"/>
-              <a:t>AtomicInteger</a:t>
-            </a:r>
-            <a:r>
-              <a:rPr lang="zh-CN" altLang="en-US" dirty="0"/>
-              <a:t>为例</a:t>
-            </a:r>
-            <a:r>
-              <a:rPr lang="zh-CN" altLang="en-US" dirty="0" smtClean="0"/>
-              <a:t>：</a:t>
-            </a:r>
-            <a:endParaRPr lang="zh-CN" altLang="en-US" dirty="0"/>
-          </a:p>
-          <a:p>
-            <a:pPr lvl="1"/>
-            <a:r>
-              <a:rPr lang="en-US" dirty="0" err="1"/>
-              <a:t>int</a:t>
-            </a:r>
-            <a:r>
-              <a:rPr lang="en-US" dirty="0"/>
-              <a:t> </a:t>
-            </a:r>
-            <a:r>
-              <a:rPr lang="en-US" dirty="0" err="1"/>
-              <a:t>addAndGet</a:t>
-            </a:r>
-            <a:r>
-              <a:rPr lang="en-US" dirty="0"/>
-              <a:t>(</a:t>
-            </a:r>
-            <a:r>
-              <a:rPr lang="en-US" dirty="0" err="1"/>
-              <a:t>int</a:t>
-            </a:r>
-            <a:r>
-              <a:rPr lang="en-US" dirty="0"/>
-              <a:t> </a:t>
-            </a:r>
-            <a:r>
-              <a:rPr lang="en-US" dirty="0" smtClean="0"/>
-              <a:t>delta</a:t>
-            </a:r>
-            <a:r>
-              <a:rPr lang="en-US" altLang="zh-CN" dirty="0" smtClean="0"/>
-              <a:t>)</a:t>
-            </a:r>
-          </a:p>
-          <a:p>
-            <a:pPr lvl="1"/>
-            <a:r>
-              <a:rPr lang="en-US" dirty="0" err="1" smtClean="0"/>
-              <a:t>boolean</a:t>
-            </a:r>
-            <a:r>
-              <a:rPr lang="en-US" dirty="0" smtClean="0"/>
-              <a:t> </a:t>
-            </a:r>
-            <a:r>
-              <a:rPr lang="en-US" dirty="0" err="1"/>
-              <a:t>compareAndSet</a:t>
-            </a:r>
-            <a:r>
-              <a:rPr lang="en-US" dirty="0"/>
-              <a:t>(</a:t>
-            </a:r>
-            <a:r>
-              <a:rPr lang="en-US" dirty="0" err="1"/>
-              <a:t>int</a:t>
-            </a:r>
-            <a:r>
-              <a:rPr lang="en-US" dirty="0"/>
-              <a:t> expect, </a:t>
-            </a:r>
-            <a:r>
-              <a:rPr lang="en-US" dirty="0" err="1"/>
-              <a:t>int</a:t>
-            </a:r>
-            <a:r>
-              <a:rPr lang="en-US" dirty="0"/>
-              <a:t> </a:t>
-            </a:r>
-            <a:r>
-              <a:rPr lang="en-US" dirty="0" smtClean="0"/>
-              <a:t>update</a:t>
-            </a:r>
-            <a:r>
-              <a:rPr lang="en-US" altLang="zh-CN" dirty="0" smtClean="0"/>
-              <a:t>)</a:t>
-            </a:r>
-            <a:endParaRPr lang="zh-CN" altLang="en-US" dirty="0"/>
-          </a:p>
-          <a:p>
-            <a:pPr lvl="1"/>
-            <a:r>
-              <a:rPr lang="en-US" dirty="0" err="1"/>
-              <a:t>int</a:t>
-            </a:r>
-            <a:r>
-              <a:rPr lang="en-US" dirty="0"/>
-              <a:t> </a:t>
-            </a:r>
-            <a:r>
-              <a:rPr lang="en-US" dirty="0" err="1" smtClean="0"/>
-              <a:t>decrementAndGet</a:t>
-            </a:r>
-            <a:r>
-              <a:rPr lang="en-US" altLang="zh-CN" dirty="0" smtClean="0"/>
-              <a:t>()</a:t>
-            </a:r>
-            <a:endParaRPr lang="zh-CN" altLang="en-US" dirty="0"/>
-          </a:p>
-          <a:p>
-            <a:pPr lvl="1"/>
-            <a:r>
-              <a:rPr lang="en-US" dirty="0" err="1"/>
-              <a:t>int</a:t>
-            </a:r>
-            <a:r>
-              <a:rPr lang="en-US" dirty="0"/>
-              <a:t> </a:t>
-            </a:r>
-            <a:r>
-              <a:rPr lang="en-US" dirty="0" err="1"/>
-              <a:t>getAndAdd</a:t>
-            </a:r>
-            <a:r>
-              <a:rPr lang="en-US" dirty="0"/>
-              <a:t>(</a:t>
-            </a:r>
-            <a:r>
-              <a:rPr lang="en-US" dirty="0" err="1"/>
-              <a:t>int</a:t>
-            </a:r>
-            <a:r>
-              <a:rPr lang="en-US" dirty="0"/>
-              <a:t> </a:t>
-            </a:r>
-            <a:r>
-              <a:rPr lang="en-US" dirty="0" smtClean="0"/>
-              <a:t>delta</a:t>
-            </a:r>
-            <a:r>
-              <a:rPr lang="en-US" altLang="zh-CN" dirty="0" smtClean="0"/>
-              <a:t>)</a:t>
-            </a:r>
-            <a:endParaRPr lang="zh-CN" altLang="en-US" dirty="0"/>
-          </a:p>
-          <a:p>
-            <a:pPr lvl="1"/>
-            <a:r>
-              <a:rPr lang="en-US" dirty="0" err="1"/>
-              <a:t>int</a:t>
-            </a:r>
-            <a:r>
-              <a:rPr lang="en-US" dirty="0"/>
-              <a:t> </a:t>
-            </a:r>
-            <a:r>
-              <a:rPr lang="en-US" dirty="0" err="1" smtClean="0"/>
-              <a:t>getAndDecrement</a:t>
-            </a:r>
-            <a:r>
-              <a:rPr lang="en-US" altLang="zh-CN" dirty="0" smtClean="0"/>
-              <a:t>()</a:t>
-            </a:r>
-            <a:endParaRPr lang="zh-CN" altLang="en-US" dirty="0"/>
-          </a:p>
-          <a:p>
-            <a:pPr lvl="1"/>
-            <a:r>
-              <a:rPr lang="en-US" dirty="0" err="1"/>
-              <a:t>int</a:t>
-            </a:r>
-            <a:r>
-              <a:rPr lang="en-US" dirty="0"/>
-              <a:t> </a:t>
-            </a:r>
-            <a:r>
-              <a:rPr lang="en-US" dirty="0" err="1" smtClean="0"/>
-              <a:t>getAndIncrement</a:t>
-            </a:r>
-            <a:r>
-              <a:rPr lang="en-US" altLang="zh-CN" dirty="0" smtClean="0"/>
-              <a:t>()</a:t>
-            </a:r>
-            <a:endParaRPr lang="zh-CN" altLang="en-US" dirty="0"/>
-          </a:p>
-          <a:p>
-            <a:pPr lvl="1"/>
-            <a:r>
-              <a:rPr lang="en-US" dirty="0" err="1"/>
-              <a:t>int</a:t>
-            </a:r>
-            <a:r>
-              <a:rPr lang="en-US" dirty="0"/>
-              <a:t> </a:t>
-            </a:r>
-            <a:r>
-              <a:rPr lang="en-US" dirty="0" err="1"/>
-              <a:t>getAndSet</a:t>
-            </a:r>
-            <a:r>
-              <a:rPr lang="en-US" dirty="0"/>
-              <a:t>(</a:t>
-            </a:r>
-            <a:r>
-              <a:rPr lang="en-US" dirty="0" err="1"/>
-              <a:t>int</a:t>
-            </a:r>
-            <a:r>
-              <a:rPr lang="en-US" dirty="0"/>
-              <a:t> </a:t>
-            </a:r>
-            <a:r>
-              <a:rPr lang="en-US" dirty="0" err="1" smtClean="0"/>
-              <a:t>newValue</a:t>
-            </a:r>
-            <a:r>
-              <a:rPr lang="en-US" altLang="zh-CN" dirty="0" smtClean="0"/>
-              <a:t>)</a:t>
-            </a:r>
-            <a:endParaRPr lang="zh-CN" altLang="en-US" dirty="0"/>
-          </a:p>
-          <a:p>
-            <a:pPr lvl="1"/>
-            <a:r>
-              <a:rPr lang="en-US" dirty="0" err="1"/>
-              <a:t>int</a:t>
-            </a:r>
-            <a:r>
-              <a:rPr lang="en-US" dirty="0"/>
-              <a:t> </a:t>
-            </a:r>
-            <a:r>
-              <a:rPr lang="en-US" dirty="0" err="1"/>
-              <a:t>incrementAndGet</a:t>
-            </a:r>
-            <a:r>
-              <a:rPr lang="en-US" dirty="0" smtClean="0"/>
-              <a:t>()</a:t>
-            </a:r>
-            <a:endParaRPr lang="en-US" dirty="0"/>
-          </a:p>
-        </p:txBody>
-      </p:sp>
-    </p:spTree>
-    <p:extLst>
-      <p:ext uri="{BB962C8B-B14F-4D97-AF65-F5344CB8AC3E}">
-        <p14:creationId xmlns:p14="http://schemas.microsoft.com/office/powerpoint/2010/main" val="2391719933"/>
-      </p:ext>
-    </p:extLst>
-  </p:cSld>
-  <p:clrMapOvr>
-    <a:masterClrMapping/>
-  </p:clrMapOvr>
-</p:sld>
-</file>
-
 <file path=ppt/slides/slide15.xml><?xml version="1.0" encoding="utf-8"?>
 <p:sld xmlns:a="http://schemas.openxmlformats.org/drawingml/2006/main" xmlns:r="http://schemas.openxmlformats.org/officeDocument/2006/relationships" xmlns:p="http://schemas.openxmlformats.org/presentationml/2006/main">
   <p:cSld>
@@ -6245,7 +6872,9 @@
         </p:nvSpPr>
         <p:spPr/>
         <p:txBody>
-          <a:bodyPr/>
+          <a:bodyPr>
+            <a:normAutofit/>
+          </a:bodyPr>
           <a:lstStyle/>
           <a:p>
             <a:r>
@@ -6268,55 +6897,257 @@
         </p:nvSpPr>
         <p:spPr/>
         <p:txBody>
-          <a:bodyPr/>
-          <a:lstStyle/>
-          <a:p>
+          <a:bodyPr>
+            <a:normAutofit/>
+          </a:bodyPr>
+          <a:lstStyle/>
+          <a:p>
+            <a:r>
+              <a:rPr lang="zh-CN" altLang="en-US" dirty="0"/>
+              <a:t>以下以</a:t>
+            </a:r>
+            <a:r>
+              <a:rPr lang="en-US" dirty="0" err="1"/>
+              <a:t>AtomicInteger</a:t>
+            </a:r>
+            <a:r>
+              <a:rPr lang="zh-CN" altLang="en-US" dirty="0"/>
+              <a:t>为例</a:t>
+            </a:r>
+            <a:r>
+              <a:rPr lang="zh-CN" altLang="en-US" dirty="0" smtClean="0"/>
+              <a:t>：</a:t>
+            </a:r>
+            <a:endParaRPr lang="zh-CN" altLang="en-US" dirty="0"/>
+          </a:p>
+          <a:p>
+            <a:pPr lvl="1"/>
+            <a:r>
+              <a:rPr lang="en-US" dirty="0" err="1"/>
+              <a:t>int</a:t>
+            </a:r>
+            <a:r>
+              <a:rPr lang="en-US" dirty="0"/>
+              <a:t> </a:t>
+            </a:r>
+            <a:r>
+              <a:rPr lang="en-US" dirty="0" err="1"/>
+              <a:t>addAndGet</a:t>
+            </a:r>
+            <a:r>
+              <a:rPr lang="en-US" dirty="0"/>
+              <a:t>(</a:t>
+            </a:r>
+            <a:r>
+              <a:rPr lang="en-US" dirty="0" err="1"/>
+              <a:t>int</a:t>
+            </a:r>
+            <a:r>
+              <a:rPr lang="en-US" dirty="0"/>
+              <a:t> </a:t>
+            </a:r>
+            <a:r>
+              <a:rPr lang="en-US" dirty="0" smtClean="0"/>
+              <a:t>delta</a:t>
+            </a:r>
             <a:r>
               <a:rPr lang="en-US" altLang="zh-CN" dirty="0" smtClean="0"/>
-              <a:t>Unsafe</a:t>
-            </a:r>
-            <a:r>
-              <a:rPr lang="zh-CN" altLang="en-US" dirty="0" smtClean="0"/>
-              <a:t>类：</a:t>
-            </a:r>
-            <a:r>
-              <a:rPr lang="en-US" altLang="zh-CN" dirty="0" err="1" smtClean="0"/>
-              <a:t>sun.misc.Unsafe</a:t>
-            </a:r>
-            <a:endParaRPr lang="en-US" altLang="zh-CN" dirty="0" smtClean="0"/>
-          </a:p>
-          <a:p>
-            <a:r>
-              <a:rPr lang="zh-CN" altLang="en-US" dirty="0" smtClean="0"/>
-              <a:t>这</a:t>
-            </a:r>
-            <a:r>
-              <a:rPr lang="zh-CN" altLang="en-US" dirty="0"/>
-              <a:t>个类包含了大量的对</a:t>
-            </a:r>
-            <a:r>
-              <a:rPr lang="en-US" altLang="zh-CN" dirty="0"/>
-              <a:t>C</a:t>
-            </a:r>
-            <a:r>
-              <a:rPr lang="zh-CN" altLang="en-US" dirty="0"/>
-              <a:t>代码的操作，包括很多直接内存分配以及原子操作的调用，而它之所以标记为非安全的，是告诉你这个里面大量的方法调用都会存在安全隐患，需要小心使用，否则会导致严重的后果，例如在通过</a:t>
-            </a:r>
-            <a:r>
-              <a:rPr lang="en-US" altLang="zh-CN" dirty="0"/>
-              <a:t>unsafe</a:t>
-            </a:r>
-            <a:r>
-              <a:rPr lang="zh-CN" altLang="en-US" dirty="0"/>
-              <a:t>分配内存的时候，如果自己指定某些区域可能会导致一些类似</a:t>
-            </a:r>
-            <a:r>
-              <a:rPr lang="en-US" altLang="zh-CN" dirty="0"/>
-              <a:t>C++</a:t>
-            </a:r>
-            <a:r>
-              <a:rPr lang="zh-CN" altLang="en-US" dirty="0"/>
-              <a:t>一样的指针越界到其他进程的问题，</a:t>
+              <a:t>)</a:t>
+            </a:r>
+          </a:p>
+          <a:p>
+            <a:pPr lvl="1"/>
+            <a:r>
+              <a:rPr lang="en-US" dirty="0" err="1" smtClean="0"/>
+              <a:t>boolean</a:t>
+            </a:r>
+            <a:r>
+              <a:rPr lang="en-US" dirty="0" smtClean="0"/>
+              <a:t> </a:t>
+            </a:r>
+            <a:r>
+              <a:rPr lang="en-US" dirty="0" err="1"/>
+              <a:t>compareAndSet</a:t>
+            </a:r>
+            <a:r>
+              <a:rPr lang="en-US" dirty="0"/>
+              <a:t>(</a:t>
+            </a:r>
+            <a:r>
+              <a:rPr lang="en-US" dirty="0" err="1"/>
+              <a:t>int</a:t>
+            </a:r>
+            <a:r>
+              <a:rPr lang="en-US" dirty="0"/>
+              <a:t> expect, </a:t>
+            </a:r>
+            <a:r>
+              <a:rPr lang="en-US" dirty="0" err="1"/>
+              <a:t>int</a:t>
+            </a:r>
+            <a:r>
+              <a:rPr lang="en-US" dirty="0"/>
+              <a:t> </a:t>
+            </a:r>
+            <a:r>
+              <a:rPr lang="en-US" dirty="0" smtClean="0"/>
+              <a:t>update</a:t>
+            </a:r>
+            <a:r>
+              <a:rPr lang="en-US" altLang="zh-CN" dirty="0" smtClean="0"/>
+              <a:t>)</a:t>
+            </a:r>
+            <a:endParaRPr lang="zh-CN" altLang="en-US" dirty="0"/>
+          </a:p>
+          <a:p>
+            <a:pPr lvl="1"/>
+            <a:r>
+              <a:rPr lang="en-US" dirty="0" err="1"/>
+              <a:t>int</a:t>
+            </a:r>
+            <a:r>
+              <a:rPr lang="en-US" dirty="0"/>
+              <a:t> </a:t>
+            </a:r>
+            <a:r>
+              <a:rPr lang="en-US" dirty="0" err="1" smtClean="0"/>
+              <a:t>decrementAndGet</a:t>
+            </a:r>
+            <a:r>
+              <a:rPr lang="en-US" altLang="zh-CN" dirty="0" smtClean="0"/>
+              <a:t>()</a:t>
+            </a:r>
+            <a:endParaRPr lang="zh-CN" altLang="en-US" dirty="0"/>
+          </a:p>
+          <a:p>
+            <a:pPr lvl="1"/>
+            <a:r>
+              <a:rPr lang="en-US" dirty="0" err="1"/>
+              <a:t>int</a:t>
+            </a:r>
+            <a:r>
+              <a:rPr lang="en-US" dirty="0"/>
+              <a:t> </a:t>
+            </a:r>
+            <a:r>
+              <a:rPr lang="en-US" dirty="0" err="1"/>
+              <a:t>getAndAdd</a:t>
+            </a:r>
+            <a:r>
+              <a:rPr lang="en-US" dirty="0"/>
+              <a:t>(</a:t>
+            </a:r>
+            <a:r>
+              <a:rPr lang="en-US" dirty="0" err="1"/>
+              <a:t>int</a:t>
+            </a:r>
+            <a:r>
+              <a:rPr lang="en-US" dirty="0"/>
+              <a:t> </a:t>
+            </a:r>
+            <a:r>
+              <a:rPr lang="en-US" dirty="0" smtClean="0"/>
+              <a:t>delta</a:t>
+            </a:r>
+            <a:r>
+              <a:rPr lang="en-US" altLang="zh-CN" dirty="0" smtClean="0"/>
+              <a:t>)</a:t>
+            </a:r>
+            <a:endParaRPr lang="zh-CN" altLang="en-US" dirty="0"/>
+          </a:p>
+          <a:p>
+            <a:pPr lvl="1"/>
+            <a:r>
+              <a:rPr lang="en-US" dirty="0" err="1"/>
+              <a:t>int</a:t>
+            </a:r>
+            <a:r>
+              <a:rPr lang="en-US" dirty="0"/>
+              <a:t> </a:t>
+            </a:r>
+            <a:r>
+              <a:rPr lang="en-US" dirty="0" err="1" smtClean="0"/>
+              <a:t>getAndDecrement</a:t>
+            </a:r>
+            <a:r>
+              <a:rPr lang="en-US" altLang="zh-CN" dirty="0" smtClean="0"/>
+              <a:t>()</a:t>
+            </a:r>
+            <a:endParaRPr lang="zh-CN" altLang="en-US" dirty="0"/>
+          </a:p>
+          <a:p>
+            <a:pPr lvl="1"/>
+            <a:r>
+              <a:rPr lang="en-US" dirty="0" err="1"/>
+              <a:t>int</a:t>
+            </a:r>
+            <a:r>
+              <a:rPr lang="en-US" dirty="0"/>
+              <a:t> </a:t>
+            </a:r>
+            <a:r>
+              <a:rPr lang="en-US" dirty="0" err="1" smtClean="0"/>
+              <a:t>getAndIncrement</a:t>
+            </a:r>
+            <a:r>
+              <a:rPr lang="en-US" altLang="zh-CN" dirty="0" smtClean="0"/>
+              <a:t>()</a:t>
+            </a:r>
+            <a:endParaRPr lang="zh-CN" altLang="en-US" dirty="0"/>
+          </a:p>
+          <a:p>
+            <a:pPr lvl="1"/>
+            <a:r>
+              <a:rPr lang="en-US" dirty="0" err="1"/>
+              <a:t>int</a:t>
+            </a:r>
+            <a:r>
+              <a:rPr lang="en-US" dirty="0"/>
+              <a:t> </a:t>
+            </a:r>
+            <a:r>
+              <a:rPr lang="en-US" dirty="0" err="1"/>
+              <a:t>getAndSet</a:t>
+            </a:r>
+            <a:r>
+              <a:rPr lang="en-US" dirty="0"/>
+              <a:t>(</a:t>
+            </a:r>
+            <a:r>
+              <a:rPr lang="en-US" dirty="0" err="1"/>
+              <a:t>int</a:t>
+            </a:r>
+            <a:r>
+              <a:rPr lang="en-US" dirty="0"/>
+              <a:t> </a:t>
+            </a:r>
+            <a:r>
+              <a:rPr lang="en-US" dirty="0" err="1" smtClean="0"/>
+              <a:t>newValue</a:t>
+            </a:r>
+            <a:r>
+              <a:rPr lang="en-US" altLang="zh-CN" dirty="0" smtClean="0"/>
+              <a:t>)</a:t>
+            </a:r>
+            <a:endParaRPr lang="zh-CN" altLang="en-US" dirty="0"/>
+          </a:p>
+          <a:p>
+            <a:pPr lvl="1"/>
+            <a:r>
+              <a:rPr lang="en-US" dirty="0" err="1"/>
+              <a:t>int</a:t>
+            </a:r>
+            <a:r>
+              <a:rPr lang="en-US" dirty="0"/>
+              <a:t> </a:t>
+            </a:r>
+            <a:r>
+              <a:rPr lang="en-US" dirty="0" err="1"/>
+              <a:t>incrementAndGet</a:t>
+            </a:r>
+            <a:r>
+              <a:rPr lang="en-US" dirty="0" smtClean="0"/>
+              <a:t>()</a:t>
             </a:r>
             <a:endParaRPr lang="en-US" dirty="0"/>
           </a:p>
@@ -6325,7 +7156,7 @@
     </p:spTree>
     <p:extLst>
       <p:ext uri="{BB962C8B-B14F-4D97-AF65-F5344CB8AC3E}">
-        <p14:creationId xmlns:p14="http://schemas.microsoft.com/office/powerpoint/2010/main" val="526885925"/>
+        <p14:creationId xmlns:p14="http://schemas.microsoft.com/office/powerpoint/2010/main" val="2391719933"/>
       </p:ext>
     </p:extLst>
   </p:cSld>
@@ -6368,8 +7199,8 @@
           <a:lstStyle/>
           <a:p>
             <a:r>
-              <a:rPr lang="en-US" dirty="0" smtClean="0"/>
-              <a:t>Lock</a:t>
+              <a:rPr lang="en-US" altLang="zh-CN" dirty="0" smtClean="0"/>
+              <a:t>Atomic</a:t>
             </a:r>
             <a:endParaRPr lang="en-US" dirty="0"/>
           </a:p>
@@ -6391,119 +7222,51 @@
           <a:lstStyle/>
           <a:p>
             <a:r>
-              <a:rPr lang="en-US" dirty="0" err="1" smtClean="0"/>
-              <a:t>ReentrantLock</a:t>
-            </a:r>
-            <a:endParaRPr lang="en-US" dirty="0" smtClean="0"/>
-          </a:p>
-          <a:p>
-            <a:pPr lvl="1"/>
-            <a:r>
               <a:rPr lang="en-US" altLang="zh-CN" dirty="0" smtClean="0"/>
-              <a:t>Sync</a:t>
-            </a:r>
-          </a:p>
-          <a:p>
-            <a:pPr lvl="2"/>
+              <a:t>Unsafe</a:t>
+            </a:r>
+            <a:r>
+              <a:rPr lang="zh-CN" altLang="en-US" dirty="0" smtClean="0"/>
+              <a:t>类：</a:t>
+            </a:r>
             <a:r>
               <a:rPr lang="en-US" altLang="zh-CN" dirty="0" err="1" smtClean="0"/>
-              <a:t>FairSync</a:t>
+              <a:t>sun.misc.Unsafe</a:t>
             </a:r>
             <a:endParaRPr lang="en-US" altLang="zh-CN" dirty="0" smtClean="0"/>
           </a:p>
           <a:p>
-            <a:pPr lvl="2"/>
-            <a:r>
-              <a:rPr lang="en-US" altLang="zh-CN" dirty="0" err="1" smtClean="0"/>
-              <a:t>NonFairSync</a:t>
-            </a:r>
-            <a:endParaRPr lang="en-US" altLang="zh-CN" dirty="0" smtClean="0"/>
-          </a:p>
-          <a:p>
-            <a:pPr marL="594360" lvl="2" indent="0">
-              <a:buNone/>
-            </a:pPr>
-            <a:endParaRPr lang="en-US" dirty="0"/>
-          </a:p>
-          <a:p>
-            <a:pPr lvl="1"/>
+            <a:r>
+              <a:rPr lang="zh-CN" altLang="en-US" dirty="0" smtClean="0"/>
+              <a:t>这</a:t>
+            </a:r>
             <a:r>
               <a:rPr lang="zh-CN" altLang="en-US" dirty="0"/>
-              <a:t>重入</a:t>
-            </a:r>
-            <a:r>
-              <a:rPr lang="zh-CN" altLang="en-US" dirty="0" smtClean="0"/>
-              <a:t>锁</a:t>
-            </a:r>
-            <a:endParaRPr lang="en-US" altLang="zh-CN" dirty="0" smtClean="0"/>
-          </a:p>
-          <a:p>
-            <a:pPr lvl="1"/>
+              <a:t>个类包含了大量的对</a:t>
+            </a:r>
+            <a:r>
+              <a:rPr lang="en-US" altLang="zh-CN" dirty="0"/>
+              <a:t>C</a:t>
+            </a:r>
             <a:r>
               <a:rPr lang="zh-CN" altLang="en-US" dirty="0"/>
-              <a:t>独占</a:t>
-            </a:r>
-            <a:r>
-              <a:rPr lang="zh-CN" altLang="en-US" dirty="0" smtClean="0"/>
-              <a:t>锁</a:t>
-            </a:r>
-            <a:endParaRPr lang="en-US" altLang="zh-CN" dirty="0" smtClean="0"/>
-          </a:p>
-          <a:p>
-            <a:pPr lvl="2"/>
-            <a:r>
-              <a:rPr lang="en-US" i="1" dirty="0"/>
-              <a:t> </a:t>
-            </a:r>
-            <a:r>
-              <a:rPr lang="en-US" i="1" dirty="0" err="1"/>
-              <a:t>acquireQueued</a:t>
-            </a:r>
-            <a:r>
-              <a:rPr lang="en-US" i="1" dirty="0"/>
-              <a:t>(</a:t>
-            </a:r>
-            <a:r>
-              <a:rPr lang="en-US" i="1" dirty="0" err="1"/>
-              <a:t>addWaiter</a:t>
-            </a:r>
-            <a:r>
-              <a:rPr lang="en-US" i="1" dirty="0"/>
-              <a:t>(</a:t>
-            </a:r>
-            <a:r>
-              <a:rPr lang="en-US" i="1" dirty="0" err="1"/>
-              <a:t>Node.EXCLUSIVE</a:t>
-            </a:r>
-            <a:r>
-              <a:rPr lang="en-US" i="1" dirty="0"/>
-              <a:t>), </a:t>
-            </a:r>
-            <a:r>
-              <a:rPr lang="en-US" i="1" dirty="0" err="1"/>
-              <a:t>arg</a:t>
-            </a:r>
-            <a:r>
-              <a:rPr lang="en-US" i="1" dirty="0" smtClean="0"/>
-              <a:t>))</a:t>
-            </a:r>
-          </a:p>
-          <a:p>
-            <a:pPr lvl="1"/>
-            <a:r>
-              <a:rPr lang="en-US" altLang="zh-CN" i="1" dirty="0" smtClean="0"/>
-              <a:t>Lock</a:t>
-            </a:r>
-          </a:p>
-          <a:p>
-            <a:pPr lvl="1"/>
-            <a:endParaRPr lang="en-US" altLang="zh-CN" i="1" dirty="0" smtClean="0"/>
-          </a:p>
-          <a:p>
-            <a:pPr lvl="1"/>
-            <a:r>
-              <a:rPr lang="en-US" altLang="zh-CN" i="1" dirty="0" err="1"/>
-              <a:t>unLock</a:t>
+              <a:t>代码的操作，包括很多直接内存分配以及原子操作的调用，而它之所以标记为非安全的，是告诉你这个里面大量的方法调用都会存在安全隐患，需要小心使用，否则会导致严重的后果，例如在通过</a:t>
+            </a:r>
+            <a:r>
+              <a:rPr lang="en-US" altLang="zh-CN" dirty="0"/>
+              <a:t>unsafe</a:t>
+            </a:r>
+            <a:r>
+              <a:rPr lang="zh-CN" altLang="en-US" dirty="0"/>
+              <a:t>分配内存的时候，如果自己指定某些区域可能会导致一些类似</a:t>
+            </a:r>
+            <a:r>
+              <a:rPr lang="en-US" altLang="zh-CN" dirty="0"/>
+              <a:t>C++</a:t>
+            </a:r>
+            <a:r>
+              <a:rPr lang="zh-CN" altLang="en-US" dirty="0"/>
+              <a:t>一样的指针越界到其他进程的问题，</a:t>
             </a:r>
             <a:endParaRPr lang="en-US" dirty="0"/>
           </a:p>
@@ -6512,7 +7275,7 @@
     </p:spTree>
     <p:extLst>
       <p:ext uri="{BB962C8B-B14F-4D97-AF65-F5344CB8AC3E}">
-        <p14:creationId xmlns:p14="http://schemas.microsoft.com/office/powerpoint/2010/main" val="4157421832"/>
+        <p14:creationId xmlns:p14="http://schemas.microsoft.com/office/powerpoint/2010/main" val="526885925"/>
       </p:ext>
     </p:extLst>
   </p:cSld>
@@ -6555,45 +7318,147 @@
           <a:lstStyle/>
           <a:p>
             <a:r>
+              <a:rPr lang="en-US" dirty="0" smtClean="0"/>
+              <a:t>Lock</a:t>
+            </a:r>
+            <a:endParaRPr lang="en-US" dirty="0"/>
+          </a:p>
+        </p:txBody>
+      </p:sp>
+      <p:sp>
+        <p:nvSpPr>
+          <p:cNvPr id="3" name="Content Placeholder 2"/>
+          <p:cNvSpPr>
+            <a:spLocks noGrp="1"/>
+          </p:cNvSpPr>
+          <p:nvPr>
+            <p:ph sz="quarter" idx="1"/>
+          </p:nvPr>
+        </p:nvSpPr>
+        <p:spPr/>
+        <p:txBody>
+          <a:bodyPr/>
+          <a:lstStyle/>
+          <a:p>
+            <a:r>
+              <a:rPr lang="en-US" dirty="0" err="1" smtClean="0"/>
+              <a:t>ReentrantLock</a:t>
+            </a:r>
+            <a:endParaRPr lang="en-US" dirty="0" smtClean="0"/>
+          </a:p>
+          <a:p>
+            <a:pPr lvl="1"/>
+            <a:r>
               <a:rPr lang="en-US" altLang="zh-CN" dirty="0" smtClean="0"/>
-              <a:t>Lock</a:t>
-            </a:r>
+              <a:t>Sync</a:t>
+            </a:r>
+          </a:p>
+          <a:p>
+            <a:pPr lvl="2"/>
+            <a:r>
+              <a:rPr lang="en-US" altLang="zh-CN" dirty="0" err="1" smtClean="0"/>
+              <a:t>FairSync</a:t>
+            </a:r>
+            <a:endParaRPr lang="en-US" altLang="zh-CN" dirty="0" smtClean="0"/>
+          </a:p>
+          <a:p>
+            <a:pPr lvl="2"/>
+            <a:r>
+              <a:rPr lang="en-US" altLang="zh-CN" dirty="0" err="1" smtClean="0"/>
+              <a:t>NonFairSync</a:t>
+            </a:r>
+            <a:endParaRPr lang="en-US" altLang="zh-CN" dirty="0" smtClean="0"/>
+          </a:p>
+          <a:p>
+            <a:pPr marL="594360" lvl="2" indent="0">
+              <a:buNone/>
+            </a:pPr>
             <a:endParaRPr lang="en-US" dirty="0"/>
           </a:p>
-        </p:txBody>
-      </p:sp>
-      <p:sp>
-        <p:nvSpPr>
-          <p:cNvPr id="3" name="Content Placeholder 2"/>
-          <p:cNvSpPr>
-            <a:spLocks noGrp="1"/>
-          </p:cNvSpPr>
-          <p:nvPr>
-            <p:ph sz="quarter" idx="1"/>
-          </p:nvPr>
-        </p:nvSpPr>
-        <p:spPr/>
-        <p:txBody>
-          <a:bodyPr/>
-          <a:lstStyle/>
-          <a:p>
-            <a:r>
-              <a:rPr lang="en-US" altLang="zh-CN" dirty="0" smtClean="0"/>
-              <a:t>Condition</a:t>
-            </a:r>
-          </a:p>
           <a:p>
             <a:pPr lvl="1"/>
             <a:r>
-              <a:rPr lang="en-US" altLang="zh-CN" dirty="0" smtClean="0"/>
-              <a:t>await();</a:t>
-            </a:r>
+              <a:rPr lang="zh-CN" altLang="en-US" dirty="0"/>
+              <a:t>重入</a:t>
+            </a:r>
+            <a:r>
+              <a:rPr lang="zh-CN" altLang="en-US" dirty="0" smtClean="0"/>
+              <a:t>锁</a:t>
+            </a:r>
+            <a:endParaRPr lang="en-US" altLang="zh-CN" dirty="0" smtClean="0"/>
           </a:p>
           <a:p>
             <a:pPr lvl="1"/>
             <a:r>
-              <a:rPr lang="en-US" altLang="zh-CN" dirty="0" smtClean="0"/>
-              <a:t>signal();</a:t>
+              <a:rPr lang="zh-CN" altLang="en-US" dirty="0"/>
+              <a:t>独占</a:t>
+            </a:r>
+            <a:r>
+              <a:rPr lang="zh-CN" altLang="en-US" dirty="0" smtClean="0"/>
+              <a:t>锁</a:t>
+            </a:r>
+            <a:endParaRPr lang="en-US" altLang="zh-CN" dirty="0" smtClean="0"/>
+          </a:p>
+          <a:p>
+            <a:pPr lvl="2"/>
+            <a:r>
+              <a:rPr lang="en-US" i="1" dirty="0"/>
+              <a:t> </a:t>
+            </a:r>
+            <a:r>
+              <a:rPr lang="en-US" i="1" dirty="0" err="1"/>
+              <a:t>acquireQueued</a:t>
+            </a:r>
+            <a:r>
+              <a:rPr lang="en-US" i="1" dirty="0"/>
+              <a:t>(</a:t>
+            </a:r>
+            <a:r>
+              <a:rPr lang="en-US" i="1" dirty="0" err="1"/>
+              <a:t>addWaiter</a:t>
+            </a:r>
+            <a:r>
+              <a:rPr lang="en-US" i="1" dirty="0"/>
+              <a:t>(</a:t>
+            </a:r>
+            <a:r>
+              <a:rPr lang="en-US" i="1" dirty="0" err="1"/>
+              <a:t>Node.EXCLUSIVE</a:t>
+            </a:r>
+            <a:r>
+              <a:rPr lang="en-US" i="1" dirty="0"/>
+              <a:t>), </a:t>
+            </a:r>
+            <a:r>
+              <a:rPr lang="en-US" i="1" dirty="0" err="1"/>
+              <a:t>arg</a:t>
+            </a:r>
+            <a:r>
+              <a:rPr lang="en-US" i="1" dirty="0" smtClean="0"/>
+              <a:t>))</a:t>
+            </a:r>
+          </a:p>
+          <a:p>
+            <a:pPr lvl="1"/>
+            <a:r>
+              <a:rPr lang="en-US" altLang="zh-CN" i="1" dirty="0" smtClean="0"/>
+              <a:t>Lock()</a:t>
+            </a:r>
+            <a:endParaRPr lang="en-US" altLang="zh-CN" i="1" dirty="0" smtClean="0"/>
+          </a:p>
+          <a:p>
+            <a:pPr lvl="1"/>
+            <a:endParaRPr lang="en-US" altLang="zh-CN" i="1" dirty="0" smtClean="0"/>
+          </a:p>
+          <a:p>
+            <a:pPr lvl="1"/>
+            <a:r>
+              <a:rPr lang="en-US" altLang="zh-CN" i="1" dirty="0" err="1" smtClean="0"/>
+              <a:t>unLock</a:t>
+            </a:r>
+            <a:r>
+              <a:rPr lang="en-US" altLang="zh-CN" i="1" dirty="0" smtClean="0"/>
+              <a:t>()</a:t>
             </a:r>
             <a:endParaRPr lang="en-US" dirty="0"/>
           </a:p>
@@ -6602,7 +7467,7 @@
     </p:spTree>
     <p:extLst>
       <p:ext uri="{BB962C8B-B14F-4D97-AF65-F5344CB8AC3E}">
-        <p14:creationId xmlns:p14="http://schemas.microsoft.com/office/powerpoint/2010/main" val="2828840198"/>
+        <p14:creationId xmlns:p14="http://schemas.microsoft.com/office/powerpoint/2010/main" val="4157421832"/>
       </p:ext>
     </p:extLst>
   </p:cSld>
@@ -6664,7 +7529,9 @@
         </p:nvSpPr>
         <p:spPr/>
         <p:txBody>
-          <a:bodyPr/>
+          <a:bodyPr>
+            <a:normAutofit/>
+          </a:bodyPr>
           <a:lstStyle/>
           <a:p>
             <a:r>
@@ -6676,15 +7543,65 @@
             <a:pPr lvl="1"/>
             <a:r>
               <a:rPr lang="en-US" altLang="zh-CN" dirty="0" err="1" smtClean="0"/>
+              <a:t>BlockingQueue</a:t>
+            </a:r>
+            <a:endParaRPr lang="en-US" altLang="zh-CN" dirty="0" smtClean="0"/>
+          </a:p>
+          <a:p>
+            <a:pPr lvl="2"/>
+            <a:r>
+              <a:rPr lang="en-US" dirty="0" err="1" smtClean="0"/>
+              <a:t>LinkedBlockingQueue</a:t>
+            </a:r>
+            <a:r>
+              <a:rPr lang="en-US" altLang="zh-CN" dirty="0"/>
+              <a:t> </a:t>
+            </a:r>
+            <a:endParaRPr lang="en-US" altLang="zh-CN" dirty="0" smtClean="0"/>
+          </a:p>
+          <a:p>
+            <a:pPr lvl="2"/>
+            <a:r>
+              <a:rPr lang="en-US" dirty="0" err="1" smtClean="0"/>
+              <a:t>ArrayBlockingQueue</a:t>
+            </a:r>
+            <a:endParaRPr lang="en-US" dirty="0" smtClean="0"/>
+          </a:p>
+          <a:p>
+            <a:pPr lvl="2"/>
+            <a:r>
+              <a:rPr lang="en-US" dirty="0" err="1" smtClean="0"/>
+              <a:t>SynchronousQueue</a:t>
+            </a:r>
+            <a:endParaRPr lang="en-US" dirty="0" smtClean="0"/>
+          </a:p>
+          <a:p>
+            <a:pPr lvl="2"/>
+            <a:r>
+              <a:rPr lang="en-US" altLang="zh-CN" dirty="0">
+                <a:hlinkClick r:id="rId2"/>
+              </a:rPr>
+              <a:t>http://</a:t>
+            </a:r>
+            <a:r>
+              <a:rPr lang="en-US" altLang="zh-CN" dirty="0" smtClean="0">
+                <a:hlinkClick r:id="rId2"/>
+              </a:rPr>
+              <a:t>www.cnblogs.com/jackyuj/archive/2010/11/24/1886553.html</a:t>
+            </a:r>
+            <a:endParaRPr lang="en-US" altLang="zh-CN" dirty="0" smtClean="0"/>
+          </a:p>
+          <a:p>
+            <a:pPr marL="594360" lvl="2" indent="0">
+              <a:buNone/>
+            </a:pPr>
+            <a:endParaRPr lang="en-US" altLang="zh-CN" dirty="0" smtClean="0"/>
+          </a:p>
+          <a:p>
+            <a:pPr lvl="1"/>
+            <a:r>
+              <a:rPr lang="en-US" altLang="zh-CN" dirty="0" err="1" smtClean="0"/>
               <a:t>ConcurrentLinkedQueue</a:t>
-            </a:r>
-            <a:endParaRPr lang="en-US" altLang="zh-CN" dirty="0" smtClean="0"/>
-          </a:p>
-          <a:p>
-            <a:pPr lvl="1"/>
-            <a:r>
-              <a:rPr lang="en-US" dirty="0" err="1"/>
-              <a:t>LinkedBlockingQueue</a:t>
             </a:r>
             <a:endParaRPr lang="en-US" altLang="zh-CN" dirty="0" smtClean="0"/>
           </a:p>
@@ -6710,21 +7627,6 @@
               <a:t>多写少</a:t>
             </a:r>
             <a:endParaRPr lang="en-US" altLang="zh-CN" dirty="0" smtClean="0"/>
-          </a:p>
-          <a:p>
-            <a:r>
-              <a:rPr lang="en-US" altLang="zh-CN" dirty="0" err="1" smtClean="0">
-                <a:solidFill>
-                  <a:srgbClr val="FFC000"/>
-                </a:solidFill>
-              </a:rPr>
-              <a:t>CurrentSkipListSet</a:t>
-            </a:r>
-            <a:endParaRPr lang="en-US" altLang="zh-CN" dirty="0" smtClean="0">
-              <a:solidFill>
-                <a:srgbClr val="FFC000"/>
-              </a:solidFill>
-            </a:endParaRPr>
           </a:p>
           <a:p>
             <a:r>
@@ -6781,427 +7683,6 @@
         </p:nvSpPr>
         <p:spPr/>
         <p:txBody>
-          <a:bodyPr/>
-          <a:lstStyle/>
-          <a:p>
-            <a:r>
-              <a:rPr lang="en-US" dirty="0" err="1"/>
-              <a:t>ConcurrentHashMap</a:t>
-            </a:r>
-            <a:endParaRPr lang="en-US" dirty="0"/>
-          </a:p>
-        </p:txBody>
-      </p:sp>
-      <p:sp>
-        <p:nvSpPr>
-          <p:cNvPr id="3" name="Content Placeholder 2"/>
-          <p:cNvSpPr>
-            <a:spLocks noGrp="1"/>
-          </p:cNvSpPr>
-          <p:nvPr>
-            <p:ph sz="quarter" idx="1"/>
-          </p:nvPr>
-        </p:nvSpPr>
-        <p:spPr/>
-        <p:txBody>
-          <a:bodyPr>
-            <a:normAutofit fontScale="62500" lnSpcReduction="20000"/>
-          </a:bodyPr>
-          <a:lstStyle/>
-          <a:p>
-            <a:r>
-              <a:rPr lang="en-US" dirty="0"/>
-              <a:t>/*</a:t>
-            </a:r>
-          </a:p>
-          <a:p>
-            <a:r>
-              <a:rPr lang="en-US" dirty="0"/>
-              <a:t>     * The basic strategy is to subdivide the table among Segments,</a:t>
-            </a:r>
-          </a:p>
-          <a:p>
-            <a:r>
-              <a:rPr lang="en-US" dirty="0"/>
-              <a:t>     * each of which itself is a concurrently readable hash table.  To</a:t>
-            </a:r>
-          </a:p>
-          <a:p>
-            <a:r>
-              <a:rPr lang="en-US" dirty="0"/>
-              <a:t>     * reduce footprint, all but one segments are constructed only</a:t>
-            </a:r>
-          </a:p>
-          <a:p>
-            <a:r>
-              <a:rPr lang="en-US" dirty="0"/>
-              <a:t>     * when first needed (see </a:t>
-            </a:r>
-            <a:r>
-              <a:rPr lang="en-US" dirty="0" err="1"/>
-              <a:t>ensureSegment</a:t>
-            </a:r>
-            <a:r>
-              <a:rPr lang="en-US" dirty="0"/>
-              <a:t>). To maintain visibility</a:t>
-            </a:r>
-          </a:p>
-          <a:p>
-            <a:r>
-              <a:rPr lang="en-US" dirty="0"/>
-              <a:t>     * in the presence of lazy construction, accesses to segments as</a:t>
-            </a:r>
-          </a:p>
-          <a:p>
-            <a:r>
-              <a:rPr lang="en-US" dirty="0"/>
-              <a:t>     * well as elements of segment's table must use volatile access,</a:t>
-            </a:r>
-          </a:p>
-          <a:p>
-            <a:r>
-              <a:rPr lang="en-US" dirty="0"/>
-              <a:t>     * which is done via Unsafe within methods </a:t>
-            </a:r>
-            <a:r>
-              <a:rPr lang="en-US" dirty="0" err="1"/>
-              <a:t>segmentAt</a:t>
-            </a:r>
-            <a:r>
-              <a:rPr lang="en-US" dirty="0"/>
-              <a:t> </a:t>
-            </a:r>
-            <a:r>
-              <a:rPr lang="en-US" dirty="0" err="1"/>
-              <a:t>etc</a:t>
-            </a:r>
-            <a:endParaRPr lang="en-US" dirty="0"/>
-          </a:p>
-          <a:p>
-            <a:r>
-              <a:rPr lang="en-US" dirty="0"/>
-              <a:t>     * below. These provide the functionality of </a:t>
-            </a:r>
-            <a:r>
-              <a:rPr lang="en-US" dirty="0" err="1"/>
-              <a:t>AtomicReferenceArrays</a:t>
-            </a:r>
-            <a:endParaRPr lang="en-US" dirty="0"/>
-          </a:p>
-          <a:p>
-            <a:r>
-              <a:rPr lang="en-US" dirty="0"/>
-              <a:t>     * but reduce the levels of indirection. Additionally,</a:t>
-            </a:r>
-          </a:p>
-          <a:p>
-            <a:r>
-              <a:rPr lang="en-US" dirty="0"/>
-              <a:t>     * volatile-writes of table elements and entry "next" fields</a:t>
-            </a:r>
-          </a:p>
-          <a:p>
-            <a:r>
-              <a:rPr lang="en-US" dirty="0"/>
-              <a:t>     * within locked operations use the cheaper "</a:t>
-            </a:r>
-            <a:r>
-              <a:rPr lang="en-US" dirty="0" err="1"/>
-              <a:t>lazySet</a:t>
-            </a:r>
-            <a:r>
-              <a:rPr lang="en-US" dirty="0"/>
-              <a:t>" forms of</a:t>
-            </a:r>
-          </a:p>
-          <a:p>
-            <a:r>
-              <a:rPr lang="en-US" dirty="0"/>
-              <a:t>     * writes (via </a:t>
-            </a:r>
-            <a:r>
-              <a:rPr lang="en-US" dirty="0" err="1"/>
-              <a:t>putOrderedObject</a:t>
-            </a:r>
-            <a:r>
-              <a:rPr lang="en-US" dirty="0"/>
-              <a:t>) because these writes are always</a:t>
-            </a:r>
-          </a:p>
-          <a:p>
-            <a:r>
-              <a:rPr lang="en-US" dirty="0"/>
-              <a:t>     * followed by lock releases that maintain sequential consistency</a:t>
-            </a:r>
-          </a:p>
-          <a:p>
-            <a:r>
-              <a:rPr lang="en-US" dirty="0"/>
-              <a:t>     * of table </a:t>
-            </a:r>
-            <a:r>
-              <a:rPr lang="en-US"/>
-              <a:t>updates</a:t>
-            </a:r>
-            <a:r>
-              <a:rPr lang="en-US" smtClean="0"/>
-              <a:t>.</a:t>
-            </a:r>
-            <a:endParaRPr lang="en-US" dirty="0"/>
-          </a:p>
-          <a:p>
-            <a:r>
-              <a:rPr lang="en-US" dirty="0" smtClean="0"/>
-              <a:t>*/</a:t>
-            </a:r>
-            <a:endParaRPr lang="en-US" dirty="0"/>
-          </a:p>
-        </p:txBody>
-      </p:sp>
-    </p:spTree>
-    <p:extLst>
-      <p:ext uri="{BB962C8B-B14F-4D97-AF65-F5344CB8AC3E}">
-        <p14:creationId xmlns:p14="http://schemas.microsoft.com/office/powerpoint/2010/main" val="1692851927"/>
-      </p:ext>
-    </p:extLst>
-  </p:cSld>
-  <p:clrMapOvr>
-    <a:masterClrMapping/>
-  </p:clrMapOvr>
-</p:sld>
-</file>
-
-<file path=ppt/slides/slide2.xml><?xml version="1.0" encoding="utf-8"?>
-<p:sld xmlns:a="http://schemas.openxmlformats.org/drawingml/2006/main" xmlns:r="http://schemas.openxmlformats.org/officeDocument/2006/relationships" xmlns:p="http://schemas.openxmlformats.org/presentationml/2006/main">
-  <p:cSld>
-    <p:spTree>
-      <p:nvGrpSpPr>
-        <p:cNvPr id="1" name=""/>
-        <p:cNvGrpSpPr/>
-        <p:nvPr/>
-      </p:nvGrpSpPr>
-      <p:grpSpPr>
-        <a:xfrm>
-          <a:off x="0" y="0"/>
-          <a:ext cx="0" cy="0"/>
-          <a:chOff x="0" y="0"/>
-          <a:chExt cx="0" cy="0"/>
-        </a:xfrm>
-      </p:grpSpPr>
-      <p:sp>
-        <p:nvSpPr>
-          <p:cNvPr id="3" name="Content Placeholder 2"/>
-          <p:cNvSpPr>
-            <a:spLocks noGrp="1"/>
-          </p:cNvSpPr>
-          <p:nvPr>
-            <p:ph sz="quarter" idx="1"/>
-          </p:nvPr>
-        </p:nvSpPr>
-        <p:spPr>
-          <a:xfrm>
-            <a:off x="457200" y="609600"/>
-            <a:ext cx="8229600" cy="5516563"/>
-          </a:xfrm>
-        </p:spPr>
-        <p:txBody>
-          <a:bodyPr>
-            <a:normAutofit/>
-          </a:bodyPr>
-          <a:lstStyle/>
-          <a:p>
-            <a:endParaRPr lang="en-US" altLang="zh-CN" dirty="0" smtClean="0"/>
-          </a:p>
-          <a:p>
-            <a:r>
-              <a:rPr lang="en-US" altLang="zh-CN" dirty="0" smtClean="0"/>
-              <a:t>Java </a:t>
-            </a:r>
-            <a:r>
-              <a:rPr lang="zh-CN" altLang="en-US" dirty="0"/>
-              <a:t>内存模</a:t>
-            </a:r>
-            <a:r>
-              <a:rPr lang="zh-CN" altLang="en-US" dirty="0" smtClean="0"/>
-              <a:t>型（</a:t>
-            </a:r>
-            <a:r>
-              <a:rPr lang="en-US" altLang="zh-CN" dirty="0" smtClean="0"/>
-              <a:t>JMM</a:t>
-            </a:r>
-            <a:r>
-              <a:rPr lang="zh-CN" altLang="en-US" dirty="0" smtClean="0"/>
-              <a:t>）</a:t>
-            </a:r>
-            <a:endParaRPr lang="en-US" altLang="zh-CN" dirty="0" smtClean="0"/>
-          </a:p>
-          <a:p>
-            <a:pPr lvl="1"/>
-            <a:r>
-              <a:rPr lang="zh-CN" altLang="en-US" dirty="0"/>
-              <a:t>重排序 </a:t>
-            </a:r>
-            <a:r>
-              <a:rPr lang="en-US" altLang="zh-CN" dirty="0" smtClean="0"/>
-              <a:t>reorder</a:t>
-            </a:r>
-          </a:p>
-          <a:p>
-            <a:pPr lvl="1"/>
-            <a:r>
-              <a:rPr lang="en-US" altLang="zh-CN" dirty="0" smtClean="0"/>
-              <a:t>Happens-Before</a:t>
-            </a:r>
-          </a:p>
-          <a:p>
-            <a:pPr lvl="1"/>
-            <a:r>
-              <a:rPr lang="en-US" altLang="zh-CN" dirty="0" smtClean="0"/>
-              <a:t>Volatile</a:t>
-            </a:r>
-          </a:p>
-          <a:p>
-            <a:r>
-              <a:rPr lang="zh-CN" altLang="en-US" dirty="0" smtClean="0"/>
-              <a:t>基</a:t>
-            </a:r>
-            <a:r>
-              <a:rPr lang="zh-CN" altLang="en-US" dirty="0"/>
-              <a:t>本原</a:t>
-            </a:r>
-            <a:r>
-              <a:rPr lang="zh-CN" altLang="en-US" dirty="0" smtClean="0"/>
-              <a:t>理</a:t>
-            </a:r>
-            <a:r>
-              <a:rPr lang="en-US" altLang="zh-CN" dirty="0" smtClean="0"/>
-              <a:t>--CAS</a:t>
-            </a:r>
-            <a:r>
-              <a:rPr lang="zh-CN" altLang="en-US" dirty="0" smtClean="0"/>
-              <a:t>操作，</a:t>
-            </a:r>
-            <a:r>
-              <a:rPr lang="en-US" altLang="zh-CN" dirty="0" smtClean="0"/>
-              <a:t>AQS</a:t>
-            </a:r>
-          </a:p>
-          <a:p>
-            <a:r>
-              <a:rPr lang="zh-CN" altLang="en-US" dirty="0" smtClean="0"/>
-              <a:t>原</a:t>
-            </a:r>
-            <a:r>
-              <a:rPr lang="zh-CN" altLang="en-US" dirty="0"/>
-              <a:t>子操作</a:t>
-            </a:r>
-            <a:r>
-              <a:rPr lang="en-US" dirty="0" err="1" smtClean="0"/>
-              <a:t>AtomicInteger</a:t>
-            </a:r>
-            <a:endParaRPr lang="en-US" dirty="0" smtClean="0"/>
-          </a:p>
-          <a:p>
-            <a:r>
-              <a:rPr lang="zh-CN" altLang="en-US" dirty="0" smtClean="0"/>
-              <a:t>锁机制</a:t>
-            </a:r>
-            <a:r>
-              <a:rPr lang="en-US" dirty="0" smtClean="0"/>
-              <a:t>Lock</a:t>
-            </a:r>
-          </a:p>
-          <a:p>
-            <a:r>
-              <a:rPr lang="zh-CN" altLang="en-US" dirty="0" smtClean="0"/>
-              <a:t>并发容器</a:t>
-            </a:r>
-            <a:r>
-              <a:rPr lang="en-US" dirty="0" err="1" smtClean="0"/>
-              <a:t>ConcurrentMap</a:t>
-            </a:r>
-            <a:endParaRPr lang="en-US" dirty="0" smtClean="0"/>
-          </a:p>
-          <a:p>
-            <a:r>
-              <a:rPr lang="zh-CN" altLang="en-US" dirty="0"/>
-              <a:t>线程</a:t>
-            </a:r>
-            <a:r>
-              <a:rPr lang="zh-CN" altLang="en-US" dirty="0" smtClean="0"/>
-              <a:t>池</a:t>
-            </a:r>
-            <a:r>
-              <a:rPr lang="en-US" altLang="zh-CN" dirty="0" smtClean="0"/>
-              <a:t>Executor</a:t>
-            </a:r>
-          </a:p>
-          <a:p>
-            <a:pPr marL="0" indent="0">
-              <a:buNone/>
-            </a:pPr>
-            <a:endParaRPr lang="en-US" dirty="0" smtClean="0"/>
-          </a:p>
-          <a:p>
-            <a:endParaRPr lang="en-US" dirty="0" smtClean="0"/>
-          </a:p>
-          <a:p>
-            <a:endParaRPr lang="en-US" dirty="0" smtClean="0"/>
-          </a:p>
-          <a:p>
-            <a:endParaRPr lang="en-US" dirty="0"/>
-          </a:p>
-        </p:txBody>
-      </p:sp>
-    </p:spTree>
-    <p:extLst>
-      <p:ext uri="{BB962C8B-B14F-4D97-AF65-F5344CB8AC3E}">
-        <p14:creationId xmlns:p14="http://schemas.microsoft.com/office/powerpoint/2010/main" val="3582132842"/>
-      </p:ext>
-    </p:extLst>
-  </p:cSld>
-  <p:clrMapOvr>
-    <a:masterClrMapping/>
-  </p:clrMapOvr>
-  <p:timing>
-    <p:tnLst>
-      <p:par>
-        <p:cTn id="1" dur="indefinite" restart="never" nodeType="tmRoot"/>
-      </p:par>
-    </p:tnLst>
-  </p:timing>
-</p:sld>
-</file>
-
-<file path=ppt/slides/slide20.xml><?xml version="1.0" encoding="utf-8"?>
-<p:sld xmlns:a="http://schemas.openxmlformats.org/drawingml/2006/main" xmlns:r="http://schemas.openxmlformats.org/officeDocument/2006/relationships" xmlns:p="http://schemas.openxmlformats.org/presentationml/2006/main">
-  <p:cSld>
-    <p:spTree>
-      <p:nvGrpSpPr>
-        <p:cNvPr id="1" name=""/>
-        <p:cNvGrpSpPr/>
-        <p:nvPr/>
-      </p:nvGrpSpPr>
-      <p:grpSpPr>
-        <a:xfrm>
-          <a:off x="0" y="0"/>
-          <a:ext cx="0" cy="0"/>
-          <a:chOff x="0" y="0"/>
-          <a:chExt cx="0" cy="0"/>
-        </a:xfrm>
-      </p:grpSpPr>
-      <p:sp>
-        <p:nvSpPr>
-          <p:cNvPr id="2" name="Title 1"/>
-          <p:cNvSpPr>
-            <a:spLocks noGrp="1"/>
-          </p:cNvSpPr>
-          <p:nvPr>
-            <p:ph type="title"/>
-          </p:nvPr>
-        </p:nvSpPr>
-        <p:spPr/>
-        <p:txBody>
           <a:bodyPr>
             <a:normAutofit/>
           </a:bodyPr>
@@ -7257,8 +7738,8 @@
         </p:blipFill>
         <p:spPr bwMode="auto">
           <a:xfrm>
-            <a:off x="2228850" y="2257425"/>
-            <a:ext cx="4686300" cy="2343150"/>
+            <a:off x="2228850" y="2257424"/>
+            <a:ext cx="5086350" cy="2543175"/>
           </a:xfrm>
           <a:prstGeom prst="rect">
             <a:avLst/>
@@ -7298,10 +7779,219 @@
   <p:clrMapOvr>
     <a:masterClrMapping/>
   </p:clrMapOvr>
+  <p:timing>
+    <p:tnLst>
+      <p:par>
+        <p:cTn id="1" dur="indefinite" restart="never" nodeType="tmRoot"/>
+      </p:par>
+    </p:tnLst>
+  </p:timing>
 </p:sld>
 </file>
 
-<file path=ppt/slides/slide21.xml><?xml version="1.0" encoding="utf-8"?>
+<file path=ppt/slides/slide2.xml><?xml version="1.0" encoding="utf-8"?>
+<p:sld xmlns:a="http://schemas.openxmlformats.org/drawingml/2006/main" xmlns:r="http://schemas.openxmlformats.org/officeDocument/2006/relationships" xmlns:p="http://schemas.openxmlformats.org/presentationml/2006/main">
+  <p:cSld>
+    <p:spTree>
+      <p:nvGrpSpPr>
+        <p:cNvPr id="1" name=""/>
+        <p:cNvGrpSpPr/>
+        <p:nvPr/>
+      </p:nvGrpSpPr>
+      <p:grpSpPr>
+        <a:xfrm>
+          <a:off x="0" y="0"/>
+          <a:ext cx="0" cy="0"/>
+          <a:chOff x="0" y="0"/>
+          <a:chExt cx="0" cy="0"/>
+        </a:xfrm>
+      </p:grpSpPr>
+      <p:sp>
+        <p:nvSpPr>
+          <p:cNvPr id="3" name="Content Placeholder 2"/>
+          <p:cNvSpPr>
+            <a:spLocks noGrp="1"/>
+          </p:cNvSpPr>
+          <p:nvPr>
+            <p:ph sz="quarter" idx="1"/>
+          </p:nvPr>
+        </p:nvSpPr>
+        <p:spPr>
+          <a:xfrm>
+            <a:off x="457200" y="609600"/>
+            <a:ext cx="8229600" cy="5516563"/>
+          </a:xfrm>
+        </p:spPr>
+        <p:txBody>
+          <a:bodyPr>
+            <a:normAutofit/>
+          </a:bodyPr>
+          <a:lstStyle/>
+          <a:p>
+            <a:endParaRPr lang="en-US" altLang="zh-CN" dirty="0" smtClean="0"/>
+          </a:p>
+          <a:p>
+            <a:r>
+              <a:rPr lang="en-US" altLang="zh-CN" dirty="0" smtClean="0"/>
+              <a:t>Java </a:t>
+            </a:r>
+            <a:r>
+              <a:rPr lang="zh-CN" altLang="en-US" dirty="0"/>
+              <a:t>内存模</a:t>
+            </a:r>
+            <a:r>
+              <a:rPr lang="zh-CN" altLang="en-US" dirty="0" smtClean="0"/>
+              <a:t>型（</a:t>
+            </a:r>
+            <a:r>
+              <a:rPr lang="en-US" altLang="zh-CN" dirty="0" smtClean="0"/>
+              <a:t>JMM</a:t>
+            </a:r>
+            <a:r>
+              <a:rPr lang="zh-CN" altLang="en-US" dirty="0" smtClean="0"/>
+              <a:t>）</a:t>
+            </a:r>
+            <a:endParaRPr lang="en-US" altLang="zh-CN" dirty="0" smtClean="0"/>
+          </a:p>
+          <a:p>
+            <a:pPr lvl="1"/>
+            <a:r>
+              <a:rPr lang="zh-CN" altLang="en-US" dirty="0"/>
+              <a:t>重排序 </a:t>
+            </a:r>
+            <a:r>
+              <a:rPr lang="en-US" altLang="zh-CN" dirty="0" smtClean="0"/>
+              <a:t>reorder</a:t>
+            </a:r>
+          </a:p>
+          <a:p>
+            <a:pPr lvl="1"/>
+            <a:r>
+              <a:rPr lang="en-US" altLang="zh-CN" dirty="0" smtClean="0"/>
+              <a:t>Happens-Before</a:t>
+            </a:r>
+          </a:p>
+          <a:p>
+            <a:pPr lvl="1"/>
+            <a:r>
+              <a:rPr lang="en-US" altLang="zh-CN" dirty="0" smtClean="0"/>
+              <a:t>Volatile</a:t>
+            </a:r>
+          </a:p>
+          <a:p>
+            <a:r>
+              <a:rPr lang="zh-CN" altLang="en-US" dirty="0" smtClean="0"/>
+              <a:t>基</a:t>
+            </a:r>
+            <a:r>
+              <a:rPr lang="zh-CN" altLang="en-US" dirty="0"/>
+              <a:t>本原</a:t>
+            </a:r>
+            <a:r>
+              <a:rPr lang="zh-CN" altLang="en-US" dirty="0" smtClean="0"/>
+              <a:t>理</a:t>
+            </a:r>
+            <a:r>
+              <a:rPr lang="en-US" altLang="zh-CN" dirty="0" smtClean="0"/>
+              <a:t>--CAS</a:t>
+            </a:r>
+            <a:r>
+              <a:rPr lang="zh-CN" altLang="en-US" dirty="0" smtClean="0"/>
+              <a:t>操作，</a:t>
+            </a:r>
+            <a:r>
+              <a:rPr lang="en-US" altLang="zh-CN" dirty="0" smtClean="0"/>
+              <a:t>AQS</a:t>
+            </a:r>
+          </a:p>
+          <a:p>
+            <a:r>
+              <a:rPr lang="zh-CN" altLang="en-US" dirty="0" smtClean="0"/>
+              <a:t>原</a:t>
+            </a:r>
+            <a:r>
+              <a:rPr lang="zh-CN" altLang="en-US" dirty="0"/>
+              <a:t>子操作</a:t>
+            </a:r>
+            <a:r>
+              <a:rPr lang="en-US" dirty="0" err="1" smtClean="0"/>
+              <a:t>AtomicInteger</a:t>
+            </a:r>
+            <a:endParaRPr lang="en-US" dirty="0" smtClean="0"/>
+          </a:p>
+          <a:p>
+            <a:r>
+              <a:rPr lang="zh-CN" altLang="en-US" dirty="0" smtClean="0"/>
+              <a:t>锁机制</a:t>
+            </a:r>
+            <a:r>
+              <a:rPr lang="en-US" dirty="0" smtClean="0"/>
+              <a:t>Lock</a:t>
+            </a:r>
+          </a:p>
+          <a:p>
+            <a:r>
+              <a:rPr lang="zh-CN" altLang="en-US" dirty="0" smtClean="0"/>
+              <a:t>并发容器</a:t>
+            </a:r>
+            <a:r>
+              <a:rPr lang="en-US" dirty="0" err="1" smtClean="0"/>
+              <a:t>ConcurrentMap</a:t>
+            </a:r>
+            <a:endParaRPr lang="en-US" dirty="0" smtClean="0"/>
+          </a:p>
+          <a:p>
+            <a:r>
+              <a:rPr lang="zh-CN" altLang="en-US" dirty="0"/>
+              <a:t>线程</a:t>
+            </a:r>
+            <a:r>
+              <a:rPr lang="zh-CN" altLang="en-US" dirty="0" smtClean="0"/>
+              <a:t>池</a:t>
+            </a:r>
+            <a:r>
+              <a:rPr lang="en-US" altLang="zh-CN" dirty="0" smtClean="0"/>
+              <a:t>Executor</a:t>
+            </a:r>
+          </a:p>
+          <a:p>
+            <a:pPr marL="0" indent="0">
+              <a:buNone/>
+            </a:pPr>
+            <a:endParaRPr lang="en-US" dirty="0" smtClean="0"/>
+          </a:p>
+          <a:p>
+            <a:endParaRPr lang="en-US" dirty="0" smtClean="0"/>
+          </a:p>
+          <a:p>
+            <a:endParaRPr lang="en-US" dirty="0" smtClean="0"/>
+          </a:p>
+          <a:p>
+            <a:endParaRPr lang="en-US" dirty="0"/>
+          </a:p>
+        </p:txBody>
+      </p:sp>
+    </p:spTree>
+    <p:extLst>
+      <p:ext uri="{BB962C8B-B14F-4D97-AF65-F5344CB8AC3E}">
+        <p14:creationId xmlns:p14="http://schemas.microsoft.com/office/powerpoint/2010/main" val="3582132842"/>
+      </p:ext>
+    </p:extLst>
+  </p:cSld>
+  <p:clrMapOvr>
+    <a:masterClrMapping/>
+  </p:clrMapOvr>
+  <p:timing>
+    <p:tnLst>
+      <p:par>
+        <p:cTn id="1" dur="indefinite" restart="never" nodeType="tmRoot"/>
+      </p:par>
+    </p:tnLst>
+  </p:timing>
+</p:sld>
+</file>
+
+<file path=ppt/slides/slide20.xml><?xml version="1.0" encoding="utf-8"?>
 <p:sld xmlns:a="http://schemas.openxmlformats.org/drawingml/2006/main" xmlns:r="http://schemas.openxmlformats.org/officeDocument/2006/relationships" xmlns:p="http://schemas.openxmlformats.org/presentationml/2006/main">
   <p:cSld>
     <p:spTree>
@@ -7392,6 +8082,117 @@
   <p:clrMapOvr>
     <a:masterClrMapping/>
   </p:clrMapOvr>
+  <p:timing>
+    <p:tnLst>
+      <p:par>
+        <p:cTn id="1" dur="indefinite" restart="never" nodeType="tmRoot"/>
+      </p:par>
+    </p:tnLst>
+  </p:timing>
+</p:sld>
+</file>
+
+<file path=ppt/slides/slide21.xml><?xml version="1.0" encoding="utf-8"?>
+<p:sld xmlns:a="http://schemas.openxmlformats.org/drawingml/2006/main" xmlns:r="http://schemas.openxmlformats.org/officeDocument/2006/relationships" xmlns:p="http://schemas.openxmlformats.org/presentationml/2006/main">
+  <p:cSld>
+    <p:spTree>
+      <p:nvGrpSpPr>
+        <p:cNvPr id="1" name=""/>
+        <p:cNvGrpSpPr/>
+        <p:nvPr/>
+      </p:nvGrpSpPr>
+      <p:grpSpPr>
+        <a:xfrm>
+          <a:off x="0" y="0"/>
+          <a:ext cx="0" cy="0"/>
+          <a:chOff x="0" y="0"/>
+          <a:chExt cx="0" cy="0"/>
+        </a:xfrm>
+      </p:grpSpPr>
+      <p:sp>
+        <p:nvSpPr>
+          <p:cNvPr id="2" name="Title 1"/>
+          <p:cNvSpPr>
+            <a:spLocks noGrp="1"/>
+          </p:cNvSpPr>
+          <p:nvPr>
+            <p:ph type="title"/>
+          </p:nvPr>
+        </p:nvSpPr>
+        <p:spPr/>
+        <p:txBody>
+          <a:bodyPr/>
+          <a:lstStyle/>
+          <a:p>
+            <a:r>
+              <a:rPr lang="en-US" dirty="0" err="1" smtClean="0"/>
+              <a:t>ConcurrentHashMap</a:t>
+            </a:r>
+            <a:r>
+              <a:rPr lang="en-US" dirty="0" smtClean="0"/>
+              <a:t>	</a:t>
+            </a:r>
+            <a:endParaRPr lang="en-US" dirty="0"/>
+          </a:p>
+        </p:txBody>
+      </p:sp>
+      <p:sp>
+        <p:nvSpPr>
+          <p:cNvPr id="3" name="Content Placeholder 2"/>
+          <p:cNvSpPr>
+            <a:spLocks noGrp="1"/>
+          </p:cNvSpPr>
+          <p:nvPr>
+            <p:ph sz="quarter" idx="1"/>
+          </p:nvPr>
+        </p:nvSpPr>
+        <p:spPr/>
+        <p:txBody>
+          <a:bodyPr/>
+          <a:lstStyle/>
+          <a:p>
+            <a:r>
+              <a:rPr lang="en-US" dirty="0" smtClean="0"/>
+              <a:t>Get</a:t>
+            </a:r>
+          </a:p>
+          <a:p>
+            <a:r>
+              <a:rPr lang="en-US" dirty="0" smtClean="0"/>
+              <a:t>Put</a:t>
+            </a:r>
+          </a:p>
+          <a:p>
+            <a:r>
+              <a:rPr lang="en-US" dirty="0" smtClean="0"/>
+              <a:t>Size</a:t>
+            </a:r>
+          </a:p>
+          <a:p>
+            <a:pPr marL="0" indent="0">
+              <a:buNone/>
+            </a:pPr>
+            <a:endParaRPr lang="en-US" dirty="0"/>
+          </a:p>
+        </p:txBody>
+      </p:sp>
+    </p:spTree>
+    <p:extLst>
+      <p:ext uri="{BB962C8B-B14F-4D97-AF65-F5344CB8AC3E}">
+        <p14:creationId xmlns:p14="http://schemas.microsoft.com/office/powerpoint/2010/main" val="3546444416"/>
+      </p:ext>
+    </p:extLst>
+  </p:cSld>
+  <p:clrMapOvr>
+    <a:masterClrMapping/>
+  </p:clrMapOvr>
+  <p:timing>
+    <p:tnLst>
+      <p:par>
+        <p:cTn id="1" dur="indefinite" restart="never" nodeType="tmRoot"/>
+      </p:par>
+    </p:tnLst>
+  </p:timing>
 </p:sld>
 </file>
 
@@ -7445,218 +8246,46 @@
             <p:ph sz="quarter" idx="1"/>
           </p:nvPr>
         </p:nvSpPr>
-        <p:spPr>
-          <a:xfrm>
-            <a:off x="457200" y="1600201"/>
-            <a:ext cx="6324600" cy="2971800"/>
-          </a:xfrm>
-        </p:spPr>
-        <p:txBody>
-          <a:bodyPr>
-            <a:normAutofit fontScale="77500" lnSpcReduction="20000"/>
-          </a:bodyPr>
+        <p:spPr/>
+        <p:txBody>
+          <a:bodyPr/>
           <a:lstStyle/>
           <a:p>
             <a:r>
               <a:rPr lang="en-US" dirty="0" err="1"/>
-              <a:t>ThreadPoolExecutor</a:t>
-            </a:r>
-            <a:endParaRPr lang="en-US" b="1" dirty="0" smtClean="0"/>
+              <a:t>ExecutorService</a:t>
+            </a:r>
+            <a:r>
+              <a:rPr lang="zh-CN" altLang="en-US" dirty="0"/>
+              <a:t>在</a:t>
+            </a:r>
+            <a:r>
+              <a:rPr lang="en-US" dirty="0"/>
+              <a:t>Executor</a:t>
+            </a:r>
+            <a:r>
+              <a:rPr lang="zh-CN" altLang="en-US" dirty="0"/>
+              <a:t>的基础上增加了一些方法，其中有两个核心的方法：</a:t>
+            </a:r>
+          </a:p>
+          <a:p>
+            <a:pPr lvl="1"/>
+            <a:r>
+              <a:rPr lang="en-US" dirty="0"/>
+              <a:t>Future&lt;?&gt; submit(Runnable task)</a:t>
+            </a:r>
+          </a:p>
+          <a:p>
+            <a:pPr lvl="1"/>
+            <a:r>
+              <a:rPr lang="en-US" dirty="0"/>
+              <a:t>&lt;T&gt; Future&lt;T&gt; submit(Callable&lt;T&gt; task)</a:t>
+            </a:r>
           </a:p>
           <a:p>
             <a:pPr marL="0" indent="0">
               <a:buNone/>
             </a:pPr>
-            <a:r>
-              <a:rPr lang="en-US" b="1" dirty="0" smtClean="0"/>
-              <a:t>public </a:t>
-            </a:r>
-            <a:r>
-              <a:rPr lang="en-US" b="1" dirty="0" err="1"/>
-              <a:t>ThreadPoolExecutor</a:t>
-            </a:r>
-            <a:r>
-              <a:rPr lang="en-US" b="1" dirty="0"/>
-              <a:t>(</a:t>
-            </a:r>
-            <a:r>
-              <a:rPr lang="en-US" b="1" dirty="0" err="1"/>
-              <a:t>int</a:t>
-            </a:r>
-            <a:r>
-              <a:rPr lang="en-US" b="1" dirty="0"/>
-              <a:t> </a:t>
-            </a:r>
-            <a:r>
-              <a:rPr lang="en-US" b="1" dirty="0" err="1"/>
-              <a:t>corePoolSize</a:t>
-            </a:r>
-            <a:r>
-              <a:rPr lang="en-US" b="1" dirty="0"/>
-              <a:t>,</a:t>
-            </a:r>
-          </a:p>
-          <a:p>
-            <a:pPr marL="0" indent="0">
-              <a:buNone/>
-            </a:pPr>
-            <a:r>
-              <a:rPr lang="en-US" dirty="0"/>
-              <a:t>                              </a:t>
-            </a:r>
-            <a:r>
-              <a:rPr lang="en-US" b="1" dirty="0" err="1"/>
-              <a:t>int</a:t>
-            </a:r>
-            <a:r>
-              <a:rPr lang="en-US" b="1" dirty="0"/>
-              <a:t> </a:t>
-            </a:r>
-            <a:r>
-              <a:rPr lang="en-US" b="1" dirty="0" err="1"/>
-              <a:t>maximumPoolSize</a:t>
-            </a:r>
-            <a:r>
-              <a:rPr lang="en-US" b="1" dirty="0"/>
-              <a:t>,</a:t>
-            </a:r>
-          </a:p>
-          <a:p>
-            <a:pPr marL="0" indent="0">
-              <a:buNone/>
-            </a:pPr>
-            <a:r>
-              <a:rPr lang="en-US" dirty="0"/>
-              <a:t>                              </a:t>
-            </a:r>
-            <a:r>
-              <a:rPr lang="en-US" b="1" dirty="0"/>
-              <a:t>long </a:t>
-            </a:r>
-            <a:r>
-              <a:rPr lang="en-US" b="1" dirty="0" err="1"/>
-              <a:t>keepAliveTime</a:t>
-            </a:r>
-            <a:r>
-              <a:rPr lang="en-US" b="1" dirty="0"/>
-              <a:t>,</a:t>
-            </a:r>
-          </a:p>
-          <a:p>
-            <a:pPr marL="0" indent="0">
-              <a:buNone/>
-            </a:pPr>
-            <a:r>
-              <a:rPr lang="en-US" dirty="0"/>
-              <a:t>                              </a:t>
-            </a:r>
-            <a:r>
-              <a:rPr lang="en-US" dirty="0" err="1"/>
-              <a:t>TimeUnit</a:t>
-            </a:r>
-            <a:r>
-              <a:rPr lang="en-US" dirty="0"/>
-              <a:t> unit,</a:t>
-            </a:r>
-          </a:p>
-          <a:p>
-            <a:pPr marL="0" indent="0">
-              <a:buNone/>
-            </a:pPr>
-            <a:r>
-              <a:rPr lang="en-US" dirty="0"/>
-              <a:t>                              </a:t>
-            </a:r>
-            <a:r>
-              <a:rPr lang="en-US" dirty="0" err="1"/>
-              <a:t>BlockingQueue</a:t>
-            </a:r>
-            <a:r>
-              <a:rPr lang="en-US" dirty="0"/>
-              <a:t>&lt;Runnable&gt; </a:t>
-            </a:r>
-            <a:r>
-              <a:rPr lang="en-US" dirty="0" err="1"/>
-              <a:t>workQueue</a:t>
-            </a:r>
-            <a:r>
-              <a:rPr lang="en-US" dirty="0"/>
-              <a:t>) {</a:t>
-            </a:r>
-          </a:p>
-          <a:p>
-            <a:pPr marL="0" indent="0">
-              <a:buNone/>
-            </a:pPr>
-            <a:r>
-              <a:rPr lang="en-US" dirty="0"/>
-              <a:t>        </a:t>
-            </a:r>
-            <a:r>
-              <a:rPr lang="en-US" b="1" dirty="0"/>
-              <a:t>this(</a:t>
-            </a:r>
-            <a:r>
-              <a:rPr lang="en-US" b="1" dirty="0" err="1"/>
-              <a:t>corePoolSize</a:t>
-            </a:r>
-            <a:r>
-              <a:rPr lang="en-US" b="1" dirty="0"/>
-              <a:t>, </a:t>
-            </a:r>
-            <a:r>
-              <a:rPr lang="en-US" b="1" dirty="0" err="1"/>
-              <a:t>maximumPoolSize</a:t>
-            </a:r>
-            <a:r>
-              <a:rPr lang="en-US" b="1" dirty="0"/>
-              <a:t>, </a:t>
-            </a:r>
-            <a:r>
-              <a:rPr lang="en-US" b="1" dirty="0" err="1"/>
-              <a:t>keepAliveTime</a:t>
-            </a:r>
-            <a:r>
-              <a:rPr lang="en-US" b="1" dirty="0"/>
-              <a:t>, unit, </a:t>
-            </a:r>
-            <a:r>
-              <a:rPr lang="en-US" b="1" dirty="0" err="1"/>
-              <a:t>workQueue</a:t>
-            </a:r>
-            <a:r>
-              <a:rPr lang="en-US" b="1" dirty="0"/>
-              <a:t>,</a:t>
-            </a:r>
-          </a:p>
-          <a:p>
-            <a:pPr marL="0" indent="0">
-              <a:buNone/>
-            </a:pPr>
-            <a:r>
-              <a:rPr lang="en-US" dirty="0"/>
-              <a:t>             </a:t>
-            </a:r>
-            <a:r>
-              <a:rPr lang="en-US" dirty="0" err="1"/>
-              <a:t>Executors.</a:t>
-            </a:r>
-            <a:r>
-              <a:rPr lang="en-US" i="1" dirty="0" err="1"/>
-              <a:t>defaultThreadFactory</a:t>
-            </a:r>
-            <a:r>
-              <a:rPr lang="en-US" i="1" dirty="0"/>
-              <a:t>(), </a:t>
-            </a:r>
-            <a:r>
-              <a:rPr lang="en-US" b="1" i="1" dirty="0" err="1"/>
-              <a:t>defaultHandler</a:t>
-            </a:r>
-            <a:r>
-              <a:rPr lang="en-US" b="1" i="1" dirty="0"/>
-              <a:t>);</a:t>
-            </a:r>
             <a:endParaRPr lang="en-US" dirty="0"/>
           </a:p>
         </p:txBody>
@@ -7664,7 +8293,7 @@
     </p:spTree>
     <p:extLst>
       <p:ext uri="{BB962C8B-B14F-4D97-AF65-F5344CB8AC3E}">
-        <p14:creationId xmlns:p14="http://schemas.microsoft.com/office/powerpoint/2010/main" val="284216610"/>
+        <p14:creationId xmlns:p14="http://schemas.microsoft.com/office/powerpoint/2010/main" val="1048243538"/>
       </p:ext>
     </p:extLst>
   </p:cSld>
@@ -7714,43 +8343,1046 @@
           <a:lstStyle/>
           <a:p>
             <a:r>
+              <a:rPr lang="en-US" dirty="0" smtClean="0"/>
+              <a:t>Executor</a:t>
+            </a:r>
+            <a:endParaRPr lang="en-US" dirty="0"/>
+          </a:p>
+        </p:txBody>
+      </p:sp>
+      <p:sp>
+        <p:nvSpPr>
+          <p:cNvPr id="3" name="Content Placeholder 2"/>
+          <p:cNvSpPr>
+            <a:spLocks noGrp="1"/>
+          </p:cNvSpPr>
+          <p:nvPr>
+            <p:ph sz="quarter" idx="1"/>
+          </p:nvPr>
+        </p:nvSpPr>
+        <p:spPr>
+          <a:xfrm>
+            <a:off x="457200" y="1600201"/>
+            <a:ext cx="6324600" cy="2971800"/>
+          </a:xfrm>
+        </p:spPr>
+        <p:txBody>
+          <a:bodyPr>
+            <a:normAutofit fontScale="77500" lnSpcReduction="20000"/>
+          </a:bodyPr>
+          <a:lstStyle/>
+          <a:p>
+            <a:r>
+              <a:rPr lang="en-US" dirty="0" err="1" smtClean="0"/>
+              <a:t>ThreadPoolExecutor</a:t>
+            </a:r>
+            <a:r>
+              <a:rPr lang="zh-CN" altLang="en-US" dirty="0" smtClean="0"/>
+              <a:t>是</a:t>
+            </a:r>
+            <a:r>
+              <a:rPr lang="en-US" dirty="0" err="1"/>
+              <a:t>ExecutorService</a:t>
+            </a:r>
+            <a:r>
+              <a:rPr lang="zh-CN" altLang="en-US" dirty="0"/>
+              <a:t>的默认实现</a:t>
+            </a:r>
+            <a:endParaRPr lang="en-US" b="1" dirty="0" smtClean="0"/>
+          </a:p>
+          <a:p>
+            <a:pPr marL="0" indent="0">
+              <a:buNone/>
+            </a:pPr>
+            <a:r>
+              <a:rPr lang="en-US" b="1" dirty="0" smtClean="0"/>
+              <a:t>public </a:t>
+            </a:r>
+            <a:r>
+              <a:rPr lang="en-US" b="1" dirty="0" err="1"/>
+              <a:t>ThreadPoolExecutor</a:t>
+            </a:r>
+            <a:r>
+              <a:rPr lang="en-US" b="1" dirty="0"/>
+              <a:t>(</a:t>
+            </a:r>
+            <a:r>
+              <a:rPr lang="en-US" b="1" dirty="0" err="1"/>
+              <a:t>int</a:t>
+            </a:r>
+            <a:r>
+              <a:rPr lang="en-US" b="1" dirty="0"/>
+              <a:t> </a:t>
+            </a:r>
+            <a:r>
+              <a:rPr lang="en-US" b="1" dirty="0" err="1"/>
+              <a:t>corePoolSize</a:t>
+            </a:r>
+            <a:r>
+              <a:rPr lang="en-US" b="1" dirty="0"/>
+              <a:t>,</a:t>
+            </a:r>
+          </a:p>
+          <a:p>
+            <a:pPr marL="0" indent="0">
+              <a:buNone/>
+            </a:pPr>
+            <a:r>
+              <a:rPr lang="en-US" dirty="0"/>
+              <a:t>                              </a:t>
+            </a:r>
+            <a:r>
+              <a:rPr lang="en-US" b="1" dirty="0" err="1"/>
+              <a:t>int</a:t>
+            </a:r>
+            <a:r>
+              <a:rPr lang="en-US" b="1" dirty="0"/>
+              <a:t> </a:t>
+            </a:r>
+            <a:r>
+              <a:rPr lang="en-US" b="1" dirty="0" err="1"/>
+              <a:t>maximumPoolSize</a:t>
+            </a:r>
+            <a:r>
+              <a:rPr lang="en-US" b="1" dirty="0"/>
+              <a:t>,</a:t>
+            </a:r>
+          </a:p>
+          <a:p>
+            <a:pPr marL="0" indent="0">
+              <a:buNone/>
+            </a:pPr>
+            <a:r>
+              <a:rPr lang="en-US" dirty="0"/>
+              <a:t>                              </a:t>
+            </a:r>
+            <a:r>
+              <a:rPr lang="en-US" b="1" dirty="0"/>
+              <a:t>long </a:t>
+            </a:r>
+            <a:r>
+              <a:rPr lang="en-US" b="1" dirty="0" err="1"/>
+              <a:t>keepAliveTime</a:t>
+            </a:r>
+            <a:r>
+              <a:rPr lang="en-US" b="1" dirty="0"/>
+              <a:t>,</a:t>
+            </a:r>
+          </a:p>
+          <a:p>
+            <a:pPr marL="0" indent="0">
+              <a:buNone/>
+            </a:pPr>
+            <a:r>
+              <a:rPr lang="en-US" dirty="0"/>
+              <a:t>                              </a:t>
+            </a:r>
+            <a:r>
+              <a:rPr lang="en-US" dirty="0" err="1"/>
+              <a:t>TimeUnit</a:t>
+            </a:r>
+            <a:r>
+              <a:rPr lang="en-US" dirty="0"/>
+              <a:t> unit,</a:t>
+            </a:r>
+          </a:p>
+          <a:p>
+            <a:pPr marL="0" indent="0">
+              <a:buNone/>
+            </a:pPr>
+            <a:r>
+              <a:rPr lang="en-US" dirty="0"/>
+              <a:t>                              </a:t>
+            </a:r>
+            <a:r>
+              <a:rPr lang="en-US" dirty="0" err="1"/>
+              <a:t>BlockingQueue</a:t>
+            </a:r>
+            <a:r>
+              <a:rPr lang="en-US" dirty="0"/>
+              <a:t>&lt;Runnable&gt; </a:t>
+            </a:r>
+            <a:r>
+              <a:rPr lang="en-US" dirty="0" err="1"/>
+              <a:t>workQueue</a:t>
+            </a:r>
+            <a:r>
+              <a:rPr lang="en-US" dirty="0"/>
+              <a:t>) {</a:t>
+            </a:r>
+          </a:p>
+          <a:p>
+            <a:pPr marL="0" indent="0">
+              <a:buNone/>
+            </a:pPr>
+            <a:r>
+              <a:rPr lang="en-US" dirty="0"/>
+              <a:t>        </a:t>
+            </a:r>
+            <a:r>
+              <a:rPr lang="en-US" b="1" dirty="0"/>
+              <a:t>this(</a:t>
+            </a:r>
+            <a:r>
+              <a:rPr lang="en-US" b="1" dirty="0" err="1"/>
+              <a:t>corePoolSize</a:t>
+            </a:r>
+            <a:r>
+              <a:rPr lang="en-US" b="1" dirty="0"/>
+              <a:t>, </a:t>
+            </a:r>
+            <a:r>
+              <a:rPr lang="en-US" b="1" dirty="0" err="1"/>
+              <a:t>maximumPoolSize</a:t>
+            </a:r>
+            <a:r>
+              <a:rPr lang="en-US" b="1" dirty="0"/>
+              <a:t>, </a:t>
+            </a:r>
+            <a:r>
+              <a:rPr lang="en-US" b="1" dirty="0" err="1"/>
+              <a:t>keepAliveTime</a:t>
+            </a:r>
+            <a:r>
+              <a:rPr lang="en-US" b="1" dirty="0"/>
+              <a:t>, unit, </a:t>
+            </a:r>
+            <a:r>
+              <a:rPr lang="en-US" b="1" dirty="0" err="1"/>
+              <a:t>workQueue</a:t>
+            </a:r>
+            <a:r>
+              <a:rPr lang="en-US" b="1" dirty="0"/>
+              <a:t>,</a:t>
+            </a:r>
+          </a:p>
+          <a:p>
+            <a:pPr marL="0" indent="0">
+              <a:buNone/>
+            </a:pPr>
+            <a:r>
+              <a:rPr lang="en-US" dirty="0"/>
+              <a:t>             </a:t>
+            </a:r>
+            <a:r>
+              <a:rPr lang="en-US" dirty="0" err="1"/>
+              <a:t>Executors.</a:t>
+            </a:r>
+            <a:r>
+              <a:rPr lang="en-US" i="1" dirty="0" err="1"/>
+              <a:t>defaultThreadFactory</a:t>
+            </a:r>
+            <a:r>
+              <a:rPr lang="en-US" i="1" dirty="0"/>
+              <a:t>(), </a:t>
+            </a:r>
+            <a:r>
+              <a:rPr lang="en-US" b="1" i="1" dirty="0" err="1"/>
+              <a:t>defaultHandler</a:t>
+            </a:r>
+            <a:r>
+              <a:rPr lang="en-US" b="1" i="1" dirty="0"/>
+              <a:t>);</a:t>
+            </a:r>
+            <a:endParaRPr lang="en-US" dirty="0"/>
+          </a:p>
+        </p:txBody>
+      </p:sp>
+    </p:spTree>
+    <p:extLst>
+      <p:ext uri="{BB962C8B-B14F-4D97-AF65-F5344CB8AC3E}">
+        <p14:creationId xmlns:p14="http://schemas.microsoft.com/office/powerpoint/2010/main" val="284216610"/>
+      </p:ext>
+    </p:extLst>
+  </p:cSld>
+  <p:clrMapOvr>
+    <a:masterClrMapping/>
+  </p:clrMapOvr>
+  <p:timing>
+    <p:tnLst>
+      <p:par>
+        <p:cTn id="1" dur="indefinite" restart="never" nodeType="tmRoot"/>
+      </p:par>
+    </p:tnLst>
+  </p:timing>
+</p:sld>
+</file>
+
+<file path=ppt/slides/slide24.xml><?xml version="1.0" encoding="utf-8"?>
+<p:sld xmlns:a="http://schemas.openxmlformats.org/drawingml/2006/main" xmlns:r="http://schemas.openxmlformats.org/officeDocument/2006/relationships" xmlns:p="http://schemas.openxmlformats.org/presentationml/2006/main">
+  <p:cSld>
+    <p:spTree>
+      <p:nvGrpSpPr>
+        <p:cNvPr id="1" name=""/>
+        <p:cNvGrpSpPr/>
+        <p:nvPr/>
+      </p:nvGrpSpPr>
+      <p:grpSpPr>
+        <a:xfrm>
+          <a:off x="0" y="0"/>
+          <a:ext cx="0" cy="0"/>
+          <a:chOff x="0" y="0"/>
+          <a:chExt cx="0" cy="0"/>
+        </a:xfrm>
+      </p:grpSpPr>
+      <p:sp>
+        <p:nvSpPr>
+          <p:cNvPr id="2" name="Title 1"/>
+          <p:cNvSpPr>
+            <a:spLocks noGrp="1"/>
+          </p:cNvSpPr>
+          <p:nvPr>
+            <p:ph type="title"/>
+          </p:nvPr>
+        </p:nvSpPr>
+        <p:spPr/>
+        <p:txBody>
+          <a:bodyPr/>
+          <a:lstStyle/>
+          <a:p>
+            <a:r>
+              <a:rPr lang="en-US" dirty="0" err="1" smtClean="0"/>
+              <a:t>ThreadPoolExecutor</a:t>
+            </a:r>
+            <a:endParaRPr lang="en-US" dirty="0"/>
+          </a:p>
+        </p:txBody>
+      </p:sp>
+      <p:sp>
+        <p:nvSpPr>
+          <p:cNvPr id="3" name="Content Placeholder 2"/>
+          <p:cNvSpPr>
+            <a:spLocks noGrp="1"/>
+          </p:cNvSpPr>
+          <p:nvPr>
+            <p:ph sz="quarter" idx="1"/>
+          </p:nvPr>
+        </p:nvSpPr>
+        <p:spPr/>
+        <p:txBody>
+          <a:bodyPr/>
+          <a:lstStyle/>
+          <a:p>
+            <a:r>
+              <a:rPr lang="en-US" b="1" dirty="0" smtClean="0"/>
+              <a:t>void execute(Runnable </a:t>
+            </a:r>
+            <a:r>
+              <a:rPr lang="en-US" b="1" dirty="0"/>
+              <a:t>command) </a:t>
+            </a:r>
+            <a:endParaRPr lang="en-US" b="1" dirty="0" smtClean="0"/>
+          </a:p>
+          <a:p>
+            <a:r>
+              <a:rPr lang="en-US" b="1" dirty="0" err="1"/>
+              <a:t>boolean</a:t>
+            </a:r>
+            <a:r>
+              <a:rPr lang="en-US" b="1" dirty="0"/>
+              <a:t> </a:t>
+            </a:r>
+            <a:r>
+              <a:rPr lang="en-US" b="1" dirty="0" err="1"/>
+              <a:t>addWorker</a:t>
+            </a:r>
+            <a:r>
+              <a:rPr lang="en-US" b="1" dirty="0"/>
+              <a:t>(Runnable </a:t>
+            </a:r>
+            <a:r>
+              <a:rPr lang="en-US" b="1" dirty="0" err="1"/>
+              <a:t>firstTask</a:t>
+            </a:r>
+            <a:r>
+              <a:rPr lang="en-US" b="1" dirty="0"/>
+              <a:t>, </a:t>
+            </a:r>
+            <a:r>
+              <a:rPr lang="en-US" b="1" dirty="0" err="1"/>
+              <a:t>boolean</a:t>
+            </a:r>
+            <a:r>
+              <a:rPr lang="en-US" b="1" dirty="0"/>
+              <a:t> core</a:t>
+            </a:r>
+            <a:r>
+              <a:rPr lang="en-US" b="1" dirty="0" smtClean="0"/>
+              <a:t>)</a:t>
+            </a:r>
+          </a:p>
+          <a:p>
+            <a:r>
+              <a:rPr lang="en-US" b="1" dirty="0"/>
+              <a:t>Worker(Runnable </a:t>
+            </a:r>
+            <a:r>
+              <a:rPr lang="en-US" b="1" dirty="0" err="1"/>
+              <a:t>firstTask</a:t>
+            </a:r>
+            <a:r>
+              <a:rPr lang="en-US" b="1" dirty="0"/>
+              <a:t>)</a:t>
+            </a:r>
+            <a:endParaRPr lang="en-US" b="1" dirty="0"/>
+          </a:p>
+        </p:txBody>
+      </p:sp>
+    </p:spTree>
+    <p:extLst>
+      <p:ext uri="{BB962C8B-B14F-4D97-AF65-F5344CB8AC3E}">
+        <p14:creationId xmlns:p14="http://schemas.microsoft.com/office/powerpoint/2010/main" val="2092645407"/>
+      </p:ext>
+    </p:extLst>
+  </p:cSld>
+  <p:clrMapOvr>
+    <a:masterClrMapping/>
+  </p:clrMapOvr>
+</p:sld>
+</file>
+
+<file path=ppt/slides/slide25.xml><?xml version="1.0" encoding="utf-8"?>
+<p:sld xmlns:a="http://schemas.openxmlformats.org/drawingml/2006/main" xmlns:r="http://schemas.openxmlformats.org/officeDocument/2006/relationships" xmlns:p="http://schemas.openxmlformats.org/presentationml/2006/main">
+  <p:cSld>
+    <p:spTree>
+      <p:nvGrpSpPr>
+        <p:cNvPr id="1" name=""/>
+        <p:cNvGrpSpPr/>
+        <p:nvPr/>
+      </p:nvGrpSpPr>
+      <p:grpSpPr>
+        <a:xfrm>
+          <a:off x="0" y="0"/>
+          <a:ext cx="0" cy="0"/>
+          <a:chOff x="0" y="0"/>
+          <a:chExt cx="0" cy="0"/>
+        </a:xfrm>
+      </p:grpSpPr>
+      <p:sp>
+        <p:nvSpPr>
+          <p:cNvPr id="3" name="Content Placeholder 2"/>
+          <p:cNvSpPr>
+            <a:spLocks noGrp="1"/>
+          </p:cNvSpPr>
+          <p:nvPr>
+            <p:ph sz="quarter" idx="1"/>
+          </p:nvPr>
+        </p:nvSpPr>
+        <p:spPr/>
+        <p:txBody>
+          <a:bodyPr>
+            <a:normAutofit fontScale="55000" lnSpcReduction="20000"/>
+          </a:bodyPr>
+          <a:lstStyle/>
+          <a:p>
+            <a:r>
+              <a:rPr lang="zh-CN" altLang="en-US" dirty="0"/>
+              <a:t>在执行任务时，需要经常检查线程池的状态，那么接下来说说线程池是如何进行状态控制的。上面的代码有个成员变量叫做 </a:t>
+            </a:r>
+            <a:r>
+              <a:rPr lang="en-US" dirty="0" err="1"/>
+              <a:t>ctl</a:t>
+            </a:r>
+            <a:r>
+              <a:rPr lang="en-US" dirty="0"/>
+              <a:t> ，</a:t>
+            </a:r>
+            <a:r>
+              <a:rPr lang="zh-CN" altLang="en-US" dirty="0"/>
+              <a:t>它用于标记 线程池状态和</a:t>
+            </a:r>
+            <a:r>
+              <a:rPr lang="en-US" dirty="0"/>
+              <a:t>worker</a:t>
+            </a:r>
+            <a:r>
+              <a:rPr lang="zh-CN" altLang="en-US" dirty="0"/>
+              <a:t>线程的数量，是一个</a:t>
+            </a:r>
+            <a:r>
+              <a:rPr lang="en-US" dirty="0" err="1"/>
+              <a:t>AutomaticInteger</a:t>
+            </a:r>
+            <a:r>
+              <a:rPr lang="zh-CN" altLang="en-US" dirty="0"/>
+              <a:t>对象。</a:t>
+            </a:r>
+          </a:p>
+          <a:p>
+            <a:r>
+              <a:rPr lang="en-US" dirty="0"/>
+              <a:t>private final </a:t>
+            </a:r>
+            <a:r>
+              <a:rPr lang="en-US" dirty="0" err="1"/>
+              <a:t>AtomicInteger</a:t>
+            </a:r>
+            <a:r>
+              <a:rPr lang="en-US" dirty="0"/>
+              <a:t> </a:t>
+            </a:r>
+            <a:r>
+              <a:rPr lang="en-US" dirty="0" err="1"/>
+              <a:t>ctl</a:t>
+            </a:r>
+            <a:r>
+              <a:rPr lang="en-US" dirty="0"/>
+              <a:t> = new </a:t>
+            </a:r>
+            <a:r>
+              <a:rPr lang="en-US" dirty="0" err="1"/>
+              <a:t>AtomicInteger</a:t>
+            </a:r>
+            <a:r>
+              <a:rPr lang="en-US" dirty="0"/>
+              <a:t>(</a:t>
+            </a:r>
+            <a:r>
+              <a:rPr lang="en-US" dirty="0" err="1"/>
+              <a:t>ctlOf</a:t>
+            </a:r>
+            <a:r>
+              <a:rPr lang="en-US" dirty="0"/>
+              <a:t>(RUNNING, 0</a:t>
+            </a:r>
+            <a:r>
+              <a:rPr lang="en-US" dirty="0" smtClean="0"/>
+              <a:t>));</a:t>
+            </a:r>
+            <a:endParaRPr lang="en-US" altLang="zh-CN" dirty="0" smtClean="0"/>
+          </a:p>
+          <a:p>
+            <a:r>
+              <a:rPr lang="en-US" altLang="zh-CN" dirty="0" err="1" smtClean="0"/>
+              <a:t>ct</a:t>
+            </a:r>
+            <a:r>
+              <a:rPr lang="zh-CN" altLang="en-US" dirty="0"/>
+              <a:t>是一个</a:t>
+            </a:r>
+            <a:r>
+              <a:rPr lang="en-US" altLang="zh-CN" dirty="0"/>
+              <a:t>32</a:t>
+            </a:r>
+            <a:r>
+              <a:rPr lang="zh-CN" altLang="en-US" dirty="0"/>
+              <a:t>位的整数，最高的</a:t>
+            </a:r>
+            <a:r>
+              <a:rPr lang="en-US" altLang="zh-CN" dirty="0"/>
+              <a:t>3</a:t>
+            </a:r>
+            <a:r>
+              <a:rPr lang="zh-CN" altLang="en-US" dirty="0"/>
+              <a:t>位表示状态：</a:t>
+            </a:r>
+          </a:p>
+          <a:p>
+            <a:r>
+              <a:rPr lang="en-US" altLang="zh-CN" dirty="0"/>
+              <a:t>111</a:t>
+            </a:r>
+            <a:r>
+              <a:rPr lang="zh-CN" altLang="en-US" dirty="0"/>
+              <a:t>为</a:t>
+            </a:r>
+            <a:r>
+              <a:rPr lang="en-US" altLang="zh-CN" dirty="0"/>
+              <a:t>running</a:t>
+            </a:r>
+            <a:r>
+              <a:rPr lang="zh-CN" altLang="en-US" dirty="0"/>
+              <a:t>，</a:t>
+            </a:r>
+          </a:p>
+          <a:p>
+            <a:r>
+              <a:rPr lang="en-US" altLang="zh-CN" dirty="0"/>
+              <a:t>000</a:t>
+            </a:r>
+            <a:r>
+              <a:rPr lang="zh-CN" altLang="en-US" dirty="0"/>
+              <a:t>为</a:t>
+            </a:r>
+            <a:r>
+              <a:rPr lang="en-US" altLang="zh-CN" dirty="0"/>
+              <a:t>shutdown</a:t>
+            </a:r>
+            <a:r>
+              <a:rPr lang="zh-CN" altLang="en-US" dirty="0"/>
+              <a:t>，</a:t>
+            </a:r>
+          </a:p>
+          <a:p>
+            <a:r>
+              <a:rPr lang="en-US" altLang="zh-CN" dirty="0"/>
+              <a:t>001</a:t>
+            </a:r>
+            <a:r>
+              <a:rPr lang="zh-CN" altLang="en-US" dirty="0"/>
+              <a:t>为</a:t>
+            </a:r>
+            <a:r>
+              <a:rPr lang="en-US" altLang="zh-CN" dirty="0"/>
+              <a:t>stop</a:t>
+            </a:r>
+            <a:r>
+              <a:rPr lang="zh-CN" altLang="en-US" dirty="0"/>
+              <a:t>，</a:t>
+            </a:r>
+          </a:p>
+          <a:p>
+            <a:r>
+              <a:rPr lang="en-US" altLang="zh-CN" dirty="0"/>
+              <a:t>010</a:t>
+            </a:r>
+            <a:r>
+              <a:rPr lang="zh-CN" altLang="en-US" dirty="0"/>
+              <a:t>为</a:t>
+            </a:r>
+            <a:r>
+              <a:rPr lang="en-US" altLang="zh-CN" dirty="0"/>
+              <a:t>tidying</a:t>
+            </a:r>
+            <a:r>
+              <a:rPr lang="zh-CN" altLang="en-US" dirty="0"/>
+              <a:t>，</a:t>
+            </a:r>
+          </a:p>
+          <a:p>
+            <a:r>
+              <a:rPr lang="en-US" altLang="zh-CN" dirty="0"/>
+              <a:t>011</a:t>
+            </a:r>
+            <a:r>
+              <a:rPr lang="zh-CN" altLang="en-US" dirty="0"/>
+              <a:t>为</a:t>
+            </a:r>
+            <a:r>
+              <a:rPr lang="en-US" altLang="zh-CN" dirty="0" err="1"/>
+              <a:t>ternimated</a:t>
+            </a:r>
+            <a:r>
+              <a:rPr lang="zh-CN" altLang="en-US" dirty="0"/>
+              <a:t>。</a:t>
+            </a:r>
+          </a:p>
+          <a:p>
+            <a:r>
+              <a:rPr lang="zh-CN" altLang="en-US" dirty="0"/>
+              <a:t>因此状态值就是这三位加上</a:t>
+            </a:r>
+            <a:r>
+              <a:rPr lang="en-US" altLang="zh-CN" dirty="0"/>
+              <a:t>29</a:t>
+            </a:r>
+            <a:r>
+              <a:rPr lang="zh-CN" altLang="en-US" dirty="0"/>
+              <a:t>个</a:t>
+            </a:r>
+            <a:r>
+              <a:rPr lang="en-US" altLang="zh-CN" dirty="0"/>
+              <a:t>0</a:t>
+            </a:r>
+            <a:r>
+              <a:rPr lang="zh-CN" altLang="en-US" dirty="0"/>
+              <a:t>，因此</a:t>
+            </a:r>
+            <a:r>
+              <a:rPr lang="en-US" altLang="zh-CN" dirty="0"/>
+              <a:t>running</a:t>
+            </a:r>
+            <a:r>
+              <a:rPr lang="zh-CN" altLang="en-US" dirty="0"/>
+              <a:t>的值是个负整数（最高位为</a:t>
+            </a:r>
+            <a:r>
+              <a:rPr lang="en-US" altLang="zh-CN" dirty="0"/>
+              <a:t>1</a:t>
+            </a:r>
+            <a:r>
+              <a:rPr lang="zh-CN" altLang="en-US" dirty="0"/>
+              <a:t>），其他状态都是正整数，后面判断状态会比较值的大小时会用到这点。</a:t>
+            </a:r>
+          </a:p>
+          <a:p>
+            <a:r>
+              <a:rPr lang="zh-CN" altLang="en-US" dirty="0"/>
+              <a:t>剩下的</a:t>
+            </a:r>
+            <a:r>
+              <a:rPr lang="en-US" altLang="zh-CN" dirty="0"/>
+              <a:t>29</a:t>
+            </a:r>
+            <a:r>
+              <a:rPr lang="zh-CN" altLang="en-US" dirty="0"/>
+              <a:t>位表示</a:t>
+            </a:r>
+            <a:r>
+              <a:rPr lang="en-US" altLang="zh-CN" dirty="0"/>
+              <a:t>worker</a:t>
+            </a:r>
+            <a:r>
+              <a:rPr lang="zh-CN" altLang="en-US" dirty="0"/>
+              <a:t>线程的数量（因此最大允许的线程数就是</a:t>
+            </a:r>
+            <a:r>
+              <a:rPr lang="en-US" altLang="zh-CN" dirty="0"/>
+              <a:t>2</a:t>
+            </a:r>
+            <a:r>
+              <a:rPr lang="zh-CN" altLang="en-US" dirty="0"/>
+              <a:t>的</a:t>
+            </a:r>
+            <a:r>
+              <a:rPr lang="en-US" altLang="zh-CN" dirty="0"/>
+              <a:t>29</a:t>
+            </a:r>
+            <a:r>
+              <a:rPr lang="zh-CN" altLang="en-US" dirty="0"/>
+              <a:t>方减</a:t>
+            </a:r>
+            <a:r>
+              <a:rPr lang="en-US" altLang="zh-CN" dirty="0"/>
+              <a:t>1</a:t>
+            </a:r>
+            <a:r>
+              <a:rPr lang="zh-CN" altLang="en-US" dirty="0"/>
+              <a:t>）。</a:t>
+            </a:r>
+          </a:p>
+          <a:p>
+            <a:r>
+              <a:rPr lang="zh-CN" altLang="en-US" dirty="0"/>
+              <a:t>这里是说说这几个状态的意义，这几个状态发生的顺序正好就是上面列出的顺序：</a:t>
+            </a:r>
+          </a:p>
+          <a:p>
+            <a:r>
+              <a:rPr lang="en-US" altLang="zh-CN" dirty="0"/>
+              <a:t>running</a:t>
+            </a:r>
+            <a:r>
+              <a:rPr lang="zh-CN" altLang="en-US" dirty="0"/>
+              <a:t>表示正常运行状态</a:t>
+            </a:r>
+          </a:p>
+          <a:p>
+            <a:r>
+              <a:rPr lang="en-US" altLang="zh-CN" dirty="0"/>
+              <a:t>shutdown</a:t>
+            </a:r>
+            <a:r>
+              <a:rPr lang="zh-CN" altLang="en-US" dirty="0"/>
+              <a:t>状态意味着发出了一个</a:t>
+            </a:r>
+            <a:r>
+              <a:rPr lang="en-US" altLang="zh-CN" dirty="0"/>
+              <a:t>shutdown</a:t>
+            </a:r>
+            <a:r>
+              <a:rPr lang="zh-CN" altLang="en-US" dirty="0"/>
+              <a:t>信号，类似于你点击了</a:t>
+            </a:r>
+            <a:r>
+              <a:rPr lang="en-US" altLang="zh-CN" dirty="0"/>
+              <a:t>windows</a:t>
+            </a:r>
+            <a:r>
+              <a:rPr lang="zh-CN" altLang="en-US" dirty="0"/>
+              <a:t>的关机按钮</a:t>
+            </a:r>
+          </a:p>
+          <a:p>
+            <a:r>
+              <a:rPr lang="en-US" altLang="zh-CN" dirty="0"/>
+              <a:t>stop</a:t>
+            </a:r>
+            <a:r>
+              <a:rPr lang="zh-CN" altLang="en-US" dirty="0"/>
+              <a:t>表示</a:t>
+            </a:r>
+            <a:r>
+              <a:rPr lang="en-US" altLang="zh-CN" dirty="0"/>
+              <a:t>shutdown</a:t>
+            </a:r>
+            <a:r>
+              <a:rPr lang="zh-CN" altLang="en-US" dirty="0"/>
+              <a:t>信号收到，等于</a:t>
+            </a:r>
+            <a:r>
+              <a:rPr lang="en-US" altLang="zh-CN" dirty="0"/>
+              <a:t>windows</a:t>
+            </a:r>
+            <a:r>
+              <a:rPr lang="zh-CN" altLang="en-US" dirty="0"/>
+              <a:t>响应了这个信号，发出正在关机的信息</a:t>
+            </a:r>
+          </a:p>
+          <a:p>
+            <a:r>
+              <a:rPr lang="en-US" altLang="zh-CN" dirty="0"/>
+              <a:t>tidying</a:t>
+            </a:r>
+            <a:r>
+              <a:rPr lang="zh-CN" altLang="en-US" dirty="0"/>
+              <a:t>发生在</a:t>
+            </a:r>
+            <a:r>
+              <a:rPr lang="en-US" altLang="zh-CN" dirty="0"/>
+              <a:t>stop</a:t>
+            </a:r>
+            <a:r>
+              <a:rPr lang="zh-CN" altLang="en-US" dirty="0"/>
+              <a:t>之后做出的响应，表示这个时候在清理一些资源，</a:t>
+            </a:r>
+          </a:p>
+          <a:p>
+            <a:r>
+              <a:rPr lang="en-US" altLang="zh-CN" dirty="0" err="1"/>
+              <a:t>ternimated</a:t>
+            </a:r>
+            <a:r>
+              <a:rPr lang="zh-CN" altLang="en-US" dirty="0"/>
+              <a:t>发生在</a:t>
+            </a:r>
+            <a:r>
+              <a:rPr lang="en-US" altLang="zh-CN" dirty="0"/>
+              <a:t>tidying</a:t>
+            </a:r>
+            <a:r>
+              <a:rPr lang="zh-CN" altLang="en-US" dirty="0"/>
+              <a:t>完成之后，表示关闭完成。</a:t>
+            </a:r>
+          </a:p>
+          <a:p>
+            <a:endParaRPr lang="en-US" dirty="0"/>
+          </a:p>
+        </p:txBody>
+      </p:sp>
+    </p:spTree>
+    <p:extLst>
+      <p:ext uri="{BB962C8B-B14F-4D97-AF65-F5344CB8AC3E}">
+        <p14:creationId xmlns:p14="http://schemas.microsoft.com/office/powerpoint/2010/main" val="2984260144"/>
+      </p:ext>
+    </p:extLst>
+  </p:cSld>
+  <p:clrMapOvr>
+    <a:masterClrMapping/>
+  </p:clrMapOvr>
+</p:sld>
+</file>
+
+<file path=ppt/slides/slide26.xml><?xml version="1.0" encoding="utf-8"?>
+<p:sld xmlns:a="http://schemas.openxmlformats.org/drawingml/2006/main" xmlns:r="http://schemas.openxmlformats.org/officeDocument/2006/relationships" xmlns:p="http://schemas.openxmlformats.org/presentationml/2006/main">
+  <p:cSld>
+    <p:spTree>
+      <p:nvGrpSpPr>
+        <p:cNvPr id="1" name=""/>
+        <p:cNvGrpSpPr/>
+        <p:nvPr/>
+      </p:nvGrpSpPr>
+      <p:grpSpPr>
+        <a:xfrm>
+          <a:off x="0" y="0"/>
+          <a:ext cx="0" cy="0"/>
+          <a:chOff x="0" y="0"/>
+          <a:chExt cx="0" cy="0"/>
+        </a:xfrm>
+      </p:grpSpPr>
+      <p:sp>
+        <p:nvSpPr>
+          <p:cNvPr id="2" name="Title 1"/>
+          <p:cNvSpPr>
+            <a:spLocks noGrp="1"/>
+          </p:cNvSpPr>
+          <p:nvPr>
+            <p:ph type="title"/>
+          </p:nvPr>
+        </p:nvSpPr>
+        <p:spPr/>
+        <p:txBody>
+          <a:bodyPr/>
+          <a:lstStyle/>
+          <a:p>
+            <a:r>
+              <a:rPr lang="en-US" dirty="0" smtClean="0"/>
+              <a:t>Executor</a:t>
+            </a:r>
+            <a:endParaRPr lang="en-US" dirty="0"/>
+          </a:p>
+        </p:txBody>
+      </p:sp>
+      <p:sp>
+        <p:nvSpPr>
+          <p:cNvPr id="3" name="Content Placeholder 2"/>
+          <p:cNvSpPr>
+            <a:spLocks noGrp="1"/>
+          </p:cNvSpPr>
+          <p:nvPr>
+            <p:ph sz="quarter" idx="1"/>
+          </p:nvPr>
+        </p:nvSpPr>
+        <p:spPr/>
+        <p:txBody>
+          <a:bodyPr/>
+          <a:lstStyle/>
+          <a:p>
+            <a:r>
+              <a:rPr lang="en-US" altLang="zh-CN" dirty="0" smtClean="0"/>
+              <a:t>Executors</a:t>
+            </a:r>
+          </a:p>
+          <a:p>
+            <a:pPr lvl="1"/>
+            <a:r>
+              <a:rPr lang="zh-CN" altLang="en-US" dirty="0" smtClean="0"/>
+              <a:t>要</a:t>
+            </a:r>
+            <a:r>
+              <a:rPr lang="zh-CN" altLang="en-US" dirty="0"/>
+              <a:t>配置一个线程池是比较复杂的，尤其是对于线程池的原理不是很清楚的情况下，很有可能配置的线程池不是较优的，因此在</a:t>
+            </a:r>
+            <a:r>
+              <a:rPr lang="en-US" altLang="zh-CN" dirty="0"/>
+              <a:t>Executors</a:t>
+            </a:r>
+            <a:r>
+              <a:rPr lang="zh-CN" altLang="en-US" dirty="0"/>
+              <a:t>类里面提供了一些静态工厂，生成一些常用的线程池</a:t>
+            </a:r>
+            <a:r>
+              <a:rPr lang="zh-CN" altLang="en-US" dirty="0" smtClean="0"/>
+              <a:t>。</a:t>
+            </a:r>
+            <a:endParaRPr lang="en-US" altLang="zh-CN" dirty="0" smtClean="0"/>
+          </a:p>
+          <a:p>
+            <a:pPr lvl="1"/>
+            <a:r>
+              <a:rPr lang="en-US" b="1" dirty="0" err="1" smtClean="0"/>
+              <a:t>newSingleThreadExecutor</a:t>
+            </a:r>
+            <a:endParaRPr lang="en-US" b="1" dirty="0" smtClean="0"/>
+          </a:p>
+          <a:p>
+            <a:pPr lvl="1"/>
+            <a:r>
+              <a:rPr lang="en-US" b="1" dirty="0" err="1" smtClean="0"/>
+              <a:t>newFixedThreadPool</a:t>
+            </a:r>
+            <a:endParaRPr lang="en-US" b="1" dirty="0" smtClean="0"/>
+          </a:p>
+          <a:p>
+            <a:pPr lvl="1"/>
+            <a:r>
+              <a:rPr lang="en-US" b="1" dirty="0" err="1" smtClean="0"/>
+              <a:t>newCachedThreadPool</a:t>
+            </a:r>
+            <a:endParaRPr lang="en-US" b="1" dirty="0" smtClean="0"/>
+          </a:p>
+          <a:p>
+            <a:pPr lvl="1"/>
+            <a:r>
+              <a:rPr lang="en-US" b="1" dirty="0" err="1" smtClean="0"/>
+              <a:t>newScheduledThreadPool</a:t>
+            </a:r>
+            <a:endParaRPr lang="en-US" b="1" dirty="0" smtClean="0"/>
+          </a:p>
+          <a:p>
+            <a:pPr lvl="1"/>
+            <a:r>
+              <a:rPr lang="en-US" b="1" dirty="0" err="1"/>
+              <a:t>newSingleThreadScheduledExecutor</a:t>
+            </a:r>
+            <a:endParaRPr lang="en-US" altLang="zh-CN" dirty="0" smtClean="0"/>
+          </a:p>
+          <a:p>
+            <a:pPr marL="0" indent="0">
+              <a:buNone/>
+            </a:pPr>
+            <a:endParaRPr lang="en-US" dirty="0"/>
+          </a:p>
+        </p:txBody>
+      </p:sp>
+    </p:spTree>
+    <p:extLst>
+      <p:ext uri="{BB962C8B-B14F-4D97-AF65-F5344CB8AC3E}">
+        <p14:creationId xmlns:p14="http://schemas.microsoft.com/office/powerpoint/2010/main" val="3801512608"/>
+      </p:ext>
+    </p:extLst>
+  </p:cSld>
+  <p:clrMapOvr>
+    <a:masterClrMapping/>
+  </p:clrMapOvr>
+</p:sld>
+</file>
+
+<file path=ppt/slides/slide27.xml><?xml version="1.0" encoding="utf-8"?>
+<p:sld xmlns:a="http://schemas.openxmlformats.org/drawingml/2006/main" xmlns:r="http://schemas.openxmlformats.org/officeDocument/2006/relationships" xmlns:p="http://schemas.openxmlformats.org/presentationml/2006/main">
+  <p:cSld>
+    <p:spTree>
+      <p:nvGrpSpPr>
+        <p:cNvPr id="1" name=""/>
+        <p:cNvGrpSpPr/>
+        <p:nvPr/>
+      </p:nvGrpSpPr>
+      <p:grpSpPr>
+        <a:xfrm>
+          <a:off x="0" y="0"/>
+          <a:ext cx="0" cy="0"/>
+          <a:chOff x="0" y="0"/>
+          <a:chExt cx="0" cy="0"/>
+        </a:xfrm>
+      </p:grpSpPr>
+      <p:sp>
+        <p:nvSpPr>
+          <p:cNvPr id="2" name="Title 1"/>
+          <p:cNvSpPr>
+            <a:spLocks noGrp="1"/>
+          </p:cNvSpPr>
+          <p:nvPr>
+            <p:ph type="title"/>
+          </p:nvPr>
+        </p:nvSpPr>
+        <p:spPr/>
+        <p:txBody>
+          <a:bodyPr/>
+          <a:lstStyle/>
+          <a:p>
+            <a:r>
+              <a:rPr lang="en-US" dirty="0" smtClean="0"/>
+              <a:t>Executor</a:t>
+            </a:r>
+            <a:endParaRPr lang="en-US" dirty="0"/>
+          </a:p>
+        </p:txBody>
+      </p:sp>
+      <p:sp>
+        <p:nvSpPr>
+          <p:cNvPr id="3" name="Content Placeholder 2"/>
+          <p:cNvSpPr>
+            <a:spLocks noGrp="1"/>
+          </p:cNvSpPr>
+          <p:nvPr>
+            <p:ph sz="quarter" idx="1"/>
+          </p:nvPr>
+        </p:nvSpPr>
+        <p:spPr/>
+        <p:txBody>
+          <a:bodyPr/>
+          <a:lstStyle/>
+          <a:p>
+            <a:r>
               <a:rPr lang="en-US" b="1" dirty="0" err="1"/>
               <a:t>RejectedExecutionHandler</a:t>
             </a:r>
-            <a:endParaRPr lang="en-US" dirty="0"/>
-          </a:p>
-        </p:txBody>
-      </p:sp>
-      <p:sp>
-        <p:nvSpPr>
-          <p:cNvPr id="3" name="Content Placeholder 2"/>
-          <p:cNvSpPr>
-            <a:spLocks noGrp="1"/>
-          </p:cNvSpPr>
-          <p:nvPr>
-            <p:ph sz="quarter" idx="1"/>
-          </p:nvPr>
-        </p:nvSpPr>
-        <p:spPr/>
-        <p:txBody>
-          <a:bodyPr/>
-          <a:lstStyle/>
-          <a:p>
-            <a:r>
-              <a:rPr lang="en-US" b="1" dirty="0">
-                <a:hlinkClick r:id="rId2"/>
-              </a:rPr>
-              <a:t>http://</a:t>
-            </a:r>
-            <a:r>
-              <a:rPr lang="en-US" b="1" dirty="0" smtClean="0">
-                <a:hlinkClick r:id="rId2"/>
-              </a:rPr>
-              <a:t>dongxuan.iteye.com/blog/902571</a:t>
-            </a:r>
-            <a:endParaRPr lang="en-US" b="1" dirty="0" smtClean="0"/>
-          </a:p>
-          <a:p>
+            <a:endParaRPr lang="en-US" b="1" dirty="0" smtClean="0">
+              <a:hlinkClick r:id="rId3"/>
+            </a:endParaRPr>
+          </a:p>
+          <a:p>
+            <a:pPr lvl="1"/>
             <a:r>
               <a:rPr lang="en-US" b="1" dirty="0" err="1" smtClean="0"/>
               <a:t>CallerRunsPolicy</a:t>
@@ -7758,6 +9390,7 @@
             <a:endParaRPr lang="en-US" b="1" dirty="0" smtClean="0"/>
           </a:p>
           <a:p>
+            <a:pPr lvl="1"/>
             <a:r>
               <a:rPr lang="en-US" b="1" dirty="0" err="1" smtClean="0"/>
               <a:t>AbortPolicy</a:t>
@@ -7765,6 +9398,7 @@
             <a:endParaRPr lang="en-US" b="1" dirty="0" smtClean="0"/>
           </a:p>
           <a:p>
+            <a:pPr lvl="1"/>
             <a:r>
               <a:rPr lang="en-US" b="1" dirty="0" err="1" smtClean="0"/>
               <a:t>DiscardPolicy</a:t>
@@ -7772,6 +9406,7 @@
             <a:endParaRPr lang="en-US" b="1" dirty="0" smtClean="0"/>
           </a:p>
           <a:p>
+            <a:pPr lvl="1"/>
             <a:r>
               <a:rPr lang="en-US" b="1" dirty="0" err="1"/>
               <a:t>DiscardOldestPolicy</a:t>
@@ -7797,6 +9432,294 @@
       </p:par>
     </p:tnLst>
   </p:timing>
+</p:sld>
+</file>
+
+<file path=ppt/slides/slide28.xml><?xml version="1.0" encoding="utf-8"?>
+<p:sld xmlns:a="http://schemas.openxmlformats.org/drawingml/2006/main" xmlns:r="http://schemas.openxmlformats.org/officeDocument/2006/relationships" xmlns:p="http://schemas.openxmlformats.org/presentationml/2006/main">
+  <p:cSld>
+    <p:spTree>
+      <p:nvGrpSpPr>
+        <p:cNvPr id="1" name=""/>
+        <p:cNvGrpSpPr/>
+        <p:nvPr/>
+      </p:nvGrpSpPr>
+      <p:grpSpPr>
+        <a:xfrm>
+          <a:off x="0" y="0"/>
+          <a:ext cx="0" cy="0"/>
+          <a:chOff x="0" y="0"/>
+          <a:chExt cx="0" cy="0"/>
+        </a:xfrm>
+      </p:grpSpPr>
+      <p:sp>
+        <p:nvSpPr>
+          <p:cNvPr id="3" name="Content Placeholder 2"/>
+          <p:cNvSpPr>
+            <a:spLocks noGrp="1"/>
+          </p:cNvSpPr>
+          <p:nvPr>
+            <p:ph sz="quarter" idx="1"/>
+          </p:nvPr>
+        </p:nvSpPr>
+        <p:spPr>
+          <a:xfrm>
+            <a:off x="533400" y="685800"/>
+            <a:ext cx="7772400" cy="4572000"/>
+          </a:xfrm>
+        </p:spPr>
+        <p:txBody>
+          <a:bodyPr/>
+          <a:lstStyle/>
+          <a:p>
+            <a:r>
+              <a:rPr lang="en-US" dirty="0" smtClean="0"/>
+              <a:t>Fork and Join</a:t>
+            </a:r>
+          </a:p>
+          <a:p>
+            <a:pPr lvl="1"/>
+            <a:r>
+              <a:rPr lang="zh-CN" altLang="en-US" dirty="0"/>
+              <a:t>有些类型的算法存在需要创建子任务，并且让它们彼此通信来完成任务。这些都是”分而治之”的算法，也被称</a:t>
+            </a:r>
+            <a:r>
+              <a:rPr lang="zh-CN" altLang="en-US" dirty="0" smtClean="0"/>
+              <a:t>为“</a:t>
+            </a:r>
+            <a:r>
+              <a:rPr lang="en-US" altLang="zh-CN" dirty="0"/>
+              <a:t>map and reduce</a:t>
+            </a:r>
+            <a:r>
+              <a:rPr lang="zh-CN" altLang="en-US" dirty="0" smtClean="0"/>
+              <a:t>”。</a:t>
+            </a:r>
+            <a:endParaRPr lang="en-US" altLang="zh-CN" dirty="0" smtClean="0"/>
+          </a:p>
+          <a:p>
+            <a:pPr marL="320040" lvl="1" indent="0">
+              <a:buNone/>
+            </a:pPr>
+            <a:endParaRPr lang="en-US" altLang="zh-CN" dirty="0" smtClean="0"/>
+          </a:p>
+          <a:p>
+            <a:pPr lvl="1"/>
+            <a:r>
+              <a:rPr lang="en-US" dirty="0" err="1"/>
+              <a:t>ForkJoinTask</a:t>
+            </a:r>
+            <a:r>
+              <a:rPr lang="zh-CN" altLang="en-US" dirty="0"/>
+              <a:t>对象主要有两个重要的方法：</a:t>
+            </a:r>
+          </a:p>
+          <a:p>
+            <a:pPr lvl="2"/>
+            <a:r>
+              <a:rPr lang="en-US" dirty="0"/>
+              <a:t>fork()</a:t>
+            </a:r>
+            <a:r>
+              <a:rPr lang="zh-CN" altLang="en-US" dirty="0"/>
+              <a:t>方法允许</a:t>
+            </a:r>
+            <a:r>
+              <a:rPr lang="en-US" dirty="0" err="1"/>
+              <a:t>ForkJoinTask</a:t>
+            </a:r>
+            <a:r>
+              <a:rPr lang="zh-CN" altLang="en-US" dirty="0"/>
+              <a:t>任务异步执行，也允许一个新的</a:t>
+            </a:r>
+            <a:r>
+              <a:rPr lang="en-US" dirty="0" err="1"/>
+              <a:t>ForkJoinTask</a:t>
+            </a:r>
+            <a:r>
+              <a:rPr lang="zh-CN" altLang="en-US" dirty="0"/>
+              <a:t>从存在的</a:t>
+            </a:r>
+            <a:r>
+              <a:rPr lang="en-US" dirty="0" err="1"/>
+              <a:t>ForkJoinTask</a:t>
+            </a:r>
+            <a:r>
+              <a:rPr lang="zh-CN" altLang="en-US" dirty="0"/>
+              <a:t>中被启动。</a:t>
+            </a:r>
+          </a:p>
+          <a:p>
+            <a:pPr lvl="2"/>
+            <a:r>
+              <a:rPr lang="en-US" altLang="zh-CN" dirty="0" smtClean="0"/>
+              <a:t>J</a:t>
+            </a:r>
+            <a:r>
+              <a:rPr lang="en-US" dirty="0" smtClean="0"/>
+              <a:t>oin</a:t>
+            </a:r>
+            <a:r>
+              <a:rPr lang="en-US" dirty="0"/>
+              <a:t>()</a:t>
+            </a:r>
+            <a:r>
+              <a:rPr lang="zh-CN" altLang="en-US" dirty="0"/>
+              <a:t>方法允许一个</a:t>
+            </a:r>
+            <a:r>
+              <a:rPr lang="en-US" dirty="0" err="1"/>
+              <a:t>ForkJoinTask</a:t>
+            </a:r>
+            <a:r>
+              <a:rPr lang="zh-CN" altLang="en-US" dirty="0"/>
+              <a:t>等待另一个</a:t>
+            </a:r>
+            <a:r>
+              <a:rPr lang="en-US" dirty="0" err="1"/>
+              <a:t>ForkJoinTask</a:t>
+            </a:r>
+            <a:r>
+              <a:rPr lang="zh-CN" altLang="en-US" dirty="0"/>
+              <a:t>执行完成。</a:t>
+            </a:r>
+          </a:p>
+          <a:p>
+            <a:endParaRPr lang="en-US" dirty="0"/>
+          </a:p>
+        </p:txBody>
+      </p:sp>
+    </p:spTree>
+    <p:extLst>
+      <p:ext uri="{BB962C8B-B14F-4D97-AF65-F5344CB8AC3E}">
+        <p14:creationId xmlns:p14="http://schemas.microsoft.com/office/powerpoint/2010/main" val="3588471777"/>
+      </p:ext>
+    </p:extLst>
+  </p:cSld>
+  <p:clrMapOvr>
+    <a:masterClrMapping/>
+  </p:clrMapOvr>
+</p:sld>
+</file>
+
+<file path=ppt/slides/slide29.xml><?xml version="1.0" encoding="utf-8"?>
+<p:sld xmlns:a="http://schemas.openxmlformats.org/drawingml/2006/main" xmlns:r="http://schemas.openxmlformats.org/officeDocument/2006/relationships" xmlns:p="http://schemas.openxmlformats.org/presentationml/2006/main">
+  <p:cSld>
+    <p:spTree>
+      <p:nvGrpSpPr>
+        <p:cNvPr id="1" name=""/>
+        <p:cNvGrpSpPr/>
+        <p:nvPr/>
+      </p:nvGrpSpPr>
+      <p:grpSpPr>
+        <a:xfrm>
+          <a:off x="0" y="0"/>
+          <a:ext cx="0" cy="0"/>
+          <a:chOff x="0" y="0"/>
+          <a:chExt cx="0" cy="0"/>
+        </a:xfrm>
+      </p:grpSpPr>
+      <p:pic>
+        <p:nvPicPr>
+          <p:cNvPr id="2050" name="Picture 2" descr="http://ifeve.com/wp-content/uploads/2014/07/fork_join_cooperation.png"/>
+          <p:cNvPicPr>
+            <a:picLocks noChangeAspect="1" noChangeArrowheads="1"/>
+          </p:cNvPicPr>
+          <p:nvPr/>
+        </p:nvPicPr>
+        <p:blipFill>
+          <a:blip r:embed="rId2">
+            <a:extLst>
+              <a:ext uri="{28A0092B-C50C-407E-A947-70E740481C1C}">
+                <a14:useLocalDpi xmlns:a14="http://schemas.microsoft.com/office/drawing/2010/main" val="0"/>
+              </a:ext>
+            </a:extLst>
+          </a:blip>
+          <a:srcRect/>
+          <a:stretch>
+            <a:fillRect/>
+          </a:stretch>
+        </p:blipFill>
+        <p:spPr bwMode="auto">
+          <a:xfrm>
+            <a:off x="2667000" y="1828800"/>
+            <a:ext cx="3124200" cy="2386890"/>
+          </a:xfrm>
+          <a:prstGeom prst="rect">
+            <a:avLst/>
+          </a:prstGeom>
+          <a:noFill/>
+          <a:extLst>
+            <a:ext uri="{909E8E84-426E-40DD-AFC4-6F175D3DCCD1}">
+              <a14:hiddenFill xmlns:a14="http://schemas.microsoft.com/office/drawing/2010/main">
+                <a:solidFill>
+                  <a:srgbClr val="FFFFFF"/>
+                </a:solidFill>
+              </a14:hiddenFill>
+            </a:ext>
+          </a:extLst>
+        </p:spPr>
+      </p:pic>
+      <p:sp>
+        <p:nvSpPr>
+          <p:cNvPr id="4" name="TextBox 3"/>
+          <p:cNvSpPr txBox="1"/>
+          <p:nvPr/>
+        </p:nvSpPr>
+        <p:spPr>
+          <a:xfrm>
+            <a:off x="824252" y="609600"/>
+            <a:ext cx="4137671" cy="369332"/>
+          </a:xfrm>
+          <a:prstGeom prst="rect">
+            <a:avLst/>
+          </a:prstGeom>
+          <a:noFill/>
+        </p:spPr>
+        <p:txBody>
+          <a:bodyPr wrap="none" rtlCol="0">
+            <a:spAutoFit/>
+          </a:bodyPr>
+          <a:lstStyle/>
+          <a:p>
+            <a:r>
+              <a:rPr lang="zh-CN" altLang="en-US" dirty="0" smtClean="0"/>
+              <a:t>通</a:t>
+            </a:r>
+            <a:r>
+              <a:rPr lang="zh-CN" altLang="en-US" dirty="0"/>
+              <a:t>过</a:t>
+            </a:r>
+            <a:r>
+              <a:rPr lang="en-US" altLang="zh-CN" dirty="0"/>
+              <a:t>fork()</a:t>
+            </a:r>
+            <a:r>
+              <a:rPr lang="zh-CN" altLang="en-US" dirty="0"/>
+              <a:t>和</a:t>
+            </a:r>
+            <a:r>
+              <a:rPr lang="en-US" altLang="zh-CN" dirty="0"/>
+              <a:t>join()</a:t>
+            </a:r>
+            <a:r>
+              <a:rPr lang="zh-CN" altLang="en-US" dirty="0"/>
+              <a:t>实现任务间的相互合作</a:t>
+            </a:r>
+            <a:endParaRPr lang="en-US" dirty="0"/>
+          </a:p>
+        </p:txBody>
+      </p:sp>
+    </p:spTree>
+    <p:extLst>
+      <p:ext uri="{BB962C8B-B14F-4D97-AF65-F5344CB8AC3E}">
+        <p14:creationId xmlns:p14="http://schemas.microsoft.com/office/powerpoint/2010/main" val="1444476937"/>
+      </p:ext>
+    </p:extLst>
+  </p:cSld>
+  <p:clrMapOvr>
+    <a:masterClrMapping/>
+  </p:clrMapOvr>
 </p:sld>
 </file>
 
@@ -8063,6 +9986,287 @@
     <p:extLst>
       <p:ext uri="{BB962C8B-B14F-4D97-AF65-F5344CB8AC3E}">
         <p14:creationId xmlns:p14="http://schemas.microsoft.com/office/powerpoint/2010/main" val="507493245"/>
+      </p:ext>
+    </p:extLst>
+  </p:cSld>
+  <p:clrMapOvr>
+    <a:masterClrMapping/>
+  </p:clrMapOvr>
+  <p:timing>
+    <p:tnLst>
+      <p:par>
+        <p:cTn id="1" dur="indefinite" restart="never" nodeType="tmRoot"/>
+      </p:par>
+    </p:tnLst>
+  </p:timing>
+</p:sld>
+</file>
+
+<file path=ppt/slides/slide30.xml><?xml version="1.0" encoding="utf-8"?>
+<p:sld xmlns:a="http://schemas.openxmlformats.org/drawingml/2006/main" xmlns:r="http://schemas.openxmlformats.org/officeDocument/2006/relationships" xmlns:p="http://schemas.openxmlformats.org/presentationml/2006/main">
+  <p:cSld>
+    <p:spTree>
+      <p:nvGrpSpPr>
+        <p:cNvPr id="1" name=""/>
+        <p:cNvGrpSpPr/>
+        <p:nvPr/>
+      </p:nvGrpSpPr>
+      <p:grpSpPr>
+        <a:xfrm>
+          <a:off x="0" y="0"/>
+          <a:ext cx="0" cy="0"/>
+          <a:chOff x="0" y="0"/>
+          <a:chExt cx="0" cy="0"/>
+        </a:xfrm>
+      </p:grpSpPr>
+      <p:pic>
+        <p:nvPicPr>
+          <p:cNvPr id="3074" name="Picture 2" descr="http://mikecoder.net/content/plugins/kl_album/upload/201404/44a98503cbf6c5c9cc1cebadd55a588d201404020736182442.jpg"/>
+          <p:cNvPicPr>
+            <a:picLocks noChangeAspect="1" noChangeArrowheads="1"/>
+          </p:cNvPicPr>
+          <p:nvPr/>
+        </p:nvPicPr>
+        <p:blipFill>
+          <a:blip r:embed="rId2">
+            <a:extLst>
+              <a:ext uri="{28A0092B-C50C-407E-A947-70E740481C1C}">
+                <a14:useLocalDpi xmlns:a14="http://schemas.microsoft.com/office/drawing/2010/main" val="0"/>
+              </a:ext>
+            </a:extLst>
+          </a:blip>
+          <a:srcRect/>
+          <a:stretch>
+            <a:fillRect/>
+          </a:stretch>
+        </p:blipFill>
+        <p:spPr bwMode="auto">
+          <a:xfrm>
+            <a:off x="838200" y="228600"/>
+            <a:ext cx="7489061" cy="5470525"/>
+          </a:xfrm>
+          <a:prstGeom prst="rect">
+            <a:avLst/>
+          </a:prstGeom>
+          <a:noFill/>
+          <a:extLst>
+            <a:ext uri="{909E8E84-426E-40DD-AFC4-6F175D3DCCD1}">
+              <a14:hiddenFill xmlns:a14="http://schemas.microsoft.com/office/drawing/2010/main">
+                <a:solidFill>
+                  <a:srgbClr val="FFFFFF"/>
+                </a:solidFill>
+              </a14:hiddenFill>
+            </a:ext>
+          </a:extLst>
+        </p:spPr>
+      </p:pic>
+      <p:sp>
+        <p:nvSpPr>
+          <p:cNvPr id="4" name="TextBox 3"/>
+          <p:cNvSpPr txBox="1"/>
+          <p:nvPr/>
+        </p:nvSpPr>
+        <p:spPr>
+          <a:xfrm>
+            <a:off x="838200" y="5786738"/>
+            <a:ext cx="7160241" cy="923330"/>
+          </a:xfrm>
+          <a:prstGeom prst="rect">
+            <a:avLst/>
+          </a:prstGeom>
+          <a:noFill/>
+        </p:spPr>
+        <p:txBody>
+          <a:bodyPr wrap="square" rtlCol="0">
+            <a:spAutoFit/>
+          </a:bodyPr>
+          <a:lstStyle/>
+          <a:p>
+            <a:r>
+              <a:rPr lang="zh-CN" altLang="en-US" dirty="0" smtClean="0"/>
+              <a:t>       完</a:t>
+            </a:r>
+            <a:r>
+              <a:rPr lang="zh-CN" altLang="en-US" dirty="0"/>
+              <a:t>成自己的工作而处于空闲的工作线程能够从其他仍然处于</a:t>
+            </a:r>
+            <a:r>
+              <a:rPr lang="zh-CN" altLang="en-US" dirty="0" smtClean="0"/>
+              <a:t>忙碌</a:t>
+            </a:r>
+            <a:r>
+              <a:rPr lang="en-US" altLang="zh-CN" dirty="0" smtClean="0"/>
+              <a:t>(</a:t>
+            </a:r>
+            <a:r>
+              <a:rPr lang="en-US" altLang="zh-CN" dirty="0"/>
+              <a:t>busy</a:t>
+            </a:r>
+            <a:r>
+              <a:rPr lang="en-US" altLang="zh-CN" dirty="0" smtClean="0"/>
+              <a:t>)</a:t>
+            </a:r>
+            <a:r>
+              <a:rPr lang="zh-CN" altLang="en-US" dirty="0" smtClean="0"/>
+              <a:t>状</a:t>
+            </a:r>
+            <a:r>
+              <a:rPr lang="zh-CN" altLang="en-US" dirty="0"/>
+              <a:t>态的工作线程处窃取等待执行的任</a:t>
+            </a:r>
+            <a:r>
+              <a:rPr lang="zh-CN" altLang="en-US" dirty="0" smtClean="0"/>
+              <a:t>务</a:t>
+            </a:r>
+            <a:r>
+              <a:rPr lang="en-US" altLang="zh-CN" dirty="0"/>
+              <a:t>.</a:t>
+            </a:r>
+            <a:endParaRPr lang="zh-CN" altLang="en-US" dirty="0"/>
+          </a:p>
+          <a:p>
+            <a:endParaRPr lang="en-US" dirty="0"/>
+          </a:p>
+        </p:txBody>
+      </p:sp>
+    </p:spTree>
+    <p:extLst>
+      <p:ext uri="{BB962C8B-B14F-4D97-AF65-F5344CB8AC3E}">
+        <p14:creationId xmlns:p14="http://schemas.microsoft.com/office/powerpoint/2010/main" val="411819870"/>
+      </p:ext>
+    </p:extLst>
+  </p:cSld>
+  <p:clrMapOvr>
+    <a:masterClrMapping/>
+  </p:clrMapOvr>
+</p:sld>
+</file>
+
+<file path=ppt/slides/slide31.xml><?xml version="1.0" encoding="utf-8"?>
+<p:sld xmlns:a="http://schemas.openxmlformats.org/drawingml/2006/main" xmlns:r="http://schemas.openxmlformats.org/officeDocument/2006/relationships" xmlns:p="http://schemas.openxmlformats.org/presentationml/2006/main">
+  <p:cSld>
+    <p:spTree>
+      <p:nvGrpSpPr>
+        <p:cNvPr id="1" name=""/>
+        <p:cNvGrpSpPr/>
+        <p:nvPr/>
+      </p:nvGrpSpPr>
+      <p:grpSpPr>
+        <a:xfrm>
+          <a:off x="0" y="0"/>
+          <a:ext cx="0" cy="0"/>
+          <a:chOff x="0" y="0"/>
+          <a:chExt cx="0" cy="0"/>
+        </a:xfrm>
+      </p:grpSpPr>
+      <p:sp>
+        <p:nvSpPr>
+          <p:cNvPr id="2" name="Title 1"/>
+          <p:cNvSpPr>
+            <a:spLocks noGrp="1"/>
+          </p:cNvSpPr>
+          <p:nvPr>
+            <p:ph type="title"/>
+          </p:nvPr>
+        </p:nvSpPr>
+        <p:spPr/>
+        <p:txBody>
+          <a:bodyPr/>
+          <a:lstStyle/>
+          <a:p>
+            <a:r>
+              <a:rPr lang="en-US" dirty="0" smtClean="0"/>
+              <a:t>Doug Lea’s Home Page</a:t>
+            </a:r>
+            <a:endParaRPr lang="en-US" dirty="0"/>
+          </a:p>
+        </p:txBody>
+      </p:sp>
+      <p:sp>
+        <p:nvSpPr>
+          <p:cNvPr id="3" name="Content Placeholder 2"/>
+          <p:cNvSpPr>
+            <a:spLocks noGrp="1"/>
+          </p:cNvSpPr>
+          <p:nvPr>
+            <p:ph sz="quarter" idx="1"/>
+          </p:nvPr>
+        </p:nvSpPr>
+        <p:spPr/>
+        <p:txBody>
+          <a:bodyPr/>
+          <a:lstStyle/>
+          <a:p>
+            <a:r>
+              <a:rPr lang="en-US" dirty="0"/>
+              <a:t>http://gee.cs.oswego.edu/dl/index.html</a:t>
+            </a:r>
+          </a:p>
+        </p:txBody>
+      </p:sp>
+    </p:spTree>
+    <p:extLst>
+      <p:ext uri="{BB962C8B-B14F-4D97-AF65-F5344CB8AC3E}">
+        <p14:creationId xmlns:p14="http://schemas.microsoft.com/office/powerpoint/2010/main" val="3739729459"/>
+      </p:ext>
+    </p:extLst>
+  </p:cSld>
+  <p:clrMapOvr>
+    <a:masterClrMapping/>
+  </p:clrMapOvr>
+</p:sld>
+</file>
+
+<file path=ppt/slides/slide32.xml><?xml version="1.0" encoding="utf-8"?>
+<p:sld xmlns:a="http://schemas.openxmlformats.org/drawingml/2006/main" xmlns:r="http://schemas.openxmlformats.org/officeDocument/2006/relationships" xmlns:p="http://schemas.openxmlformats.org/presentationml/2006/main">
+  <p:cSld>
+    <p:spTree>
+      <p:nvGrpSpPr>
+        <p:cNvPr id="1" name=""/>
+        <p:cNvGrpSpPr/>
+        <p:nvPr/>
+      </p:nvGrpSpPr>
+      <p:grpSpPr>
+        <a:xfrm>
+          <a:off x="0" y="0"/>
+          <a:ext cx="0" cy="0"/>
+          <a:chOff x="0" y="0"/>
+          <a:chExt cx="0" cy="0"/>
+        </a:xfrm>
+      </p:grpSpPr>
+      <p:sp>
+        <p:nvSpPr>
+          <p:cNvPr id="2" name="Title 1"/>
+          <p:cNvSpPr>
+            <a:spLocks noGrp="1"/>
+          </p:cNvSpPr>
+          <p:nvPr>
+            <p:ph type="title"/>
+          </p:nvPr>
+        </p:nvSpPr>
+        <p:spPr>
+          <a:xfrm>
+            <a:off x="838200" y="2514600"/>
+            <a:ext cx="7772400" cy="1143000"/>
+          </a:xfrm>
+        </p:spPr>
+        <p:txBody>
+          <a:bodyPr/>
+          <a:lstStyle/>
+          <a:p>
+            <a:pPr algn="ctr"/>
+            <a:r>
+              <a:rPr lang="en-US" dirty="0" smtClean="0"/>
+              <a:t>Thank you!</a:t>
+            </a:r>
+            <a:endParaRPr lang="en-US" dirty="0"/>
+          </a:p>
+        </p:txBody>
+      </p:sp>
+    </p:spTree>
+    <p:extLst>
+      <p:ext uri="{BB962C8B-B14F-4D97-AF65-F5344CB8AC3E}">
+        <p14:creationId xmlns:p14="http://schemas.microsoft.com/office/powerpoint/2010/main" val="350010358"/>
       </p:ext>
     </p:extLst>
   </p:cSld>
@@ -8245,6 +10449,13 @@
   <p:clrMapOvr>
     <a:masterClrMapping/>
   </p:clrMapOvr>
+  <p:timing>
+    <p:tnLst>
+      <p:par>
+        <p:cTn id="1" dur="indefinite" restart="never" nodeType="tmRoot"/>
+      </p:par>
+    </p:tnLst>
+  </p:timing>
 </p:sld>
 </file>
 
@@ -8694,6 +10905,13 @@
   <p:clrMapOvr>
     <a:masterClrMapping/>
   </p:clrMapOvr>
+  <p:timing>
+    <p:tnLst>
+      <p:par>
+        <p:cTn id="1" dur="indefinite" restart="never" nodeType="tmRoot"/>
+      </p:par>
+    </p:tnLst>
+  </p:timing>
 </p:sld>
 </file>
 
@@ -8801,6 +11019,13 @@
   <p:clrMapOvr>
     <a:masterClrMapping/>
   </p:clrMapOvr>
+  <p:timing>
+    <p:tnLst>
+      <p:par>
+        <p:cTn id="1" dur="indefinite" restart="never" nodeType="tmRoot"/>
+      </p:par>
+    </p:tnLst>
+  </p:timing>
 </p:sld>
 </file>
 
@@ -8866,7 +11091,7 @@
         </p:spPr>
         <p:txBody>
           <a:bodyPr>
-            <a:normAutofit/>
+            <a:normAutofit fontScale="92500" lnSpcReduction="10000"/>
           </a:bodyPr>
           <a:lstStyle/>
           <a:p>
@@ -8896,6 +11121,24 @@
               <a:rPr lang="en-US" dirty="0" smtClean="0"/>
               <a:t>.</a:t>
             </a:r>
+          </a:p>
+          <a:p>
+            <a:pPr marL="0" indent="0">
+              <a:buNone/>
+            </a:pPr>
+            <a:r>
+              <a:rPr lang="zh-CN" altLang="en-US" dirty="0" smtClean="0"/>
+              <a:t>                                                         </a:t>
+            </a:r>
+            <a:r>
+              <a:rPr lang="en-US" altLang="zh-CN" dirty="0" smtClean="0"/>
+              <a:t>--- </a:t>
+            </a:r>
+            <a:r>
+              <a:rPr lang="en-US" altLang="zh-CN" dirty="0"/>
+              <a:t>java concurrency in practice</a:t>
+            </a:r>
+            <a:endParaRPr lang="en-US" dirty="0" smtClean="0"/>
           </a:p>
           <a:p>
             <a:r>
